--- a/Masters.pptx
+++ b/Masters.pptx
@@ -5,10 +5,10 @@
     <p:sldMasterId id="2147484305" r:id="rId1"/>
   </p:sldMasterIdLst>
   <p:notesMasterIdLst>
-    <p:notesMasterId r:id="rId35"/>
+    <p:notesMasterId r:id="rId31"/>
   </p:notesMasterIdLst>
   <p:handoutMasterIdLst>
-    <p:handoutMasterId r:id="rId36"/>
+    <p:handoutMasterId r:id="rId32"/>
   </p:handoutMasterIdLst>
   <p:sldIdLst>
     <p:sldId id="278" r:id="rId2"/>
@@ -18,32 +18,28 @@
     <p:sldId id="281" r:id="rId6"/>
     <p:sldId id="282" r:id="rId7"/>
     <p:sldId id="283" r:id="rId8"/>
-    <p:sldId id="284" r:id="rId9"/>
-    <p:sldId id="285" r:id="rId10"/>
-    <p:sldId id="286" r:id="rId11"/>
-    <p:sldId id="287" r:id="rId12"/>
-    <p:sldId id="288" r:id="rId13"/>
-    <p:sldId id="289" r:id="rId14"/>
-    <p:sldId id="290" r:id="rId15"/>
-    <p:sldId id="291" r:id="rId16"/>
-    <p:sldId id="292" r:id="rId17"/>
-    <p:sldId id="293" r:id="rId18"/>
-    <p:sldId id="295" r:id="rId19"/>
-    <p:sldId id="296" r:id="rId20"/>
-    <p:sldId id="297" r:id="rId21"/>
-    <p:sldId id="298" r:id="rId22"/>
-    <p:sldId id="302" r:id="rId23"/>
-    <p:sldId id="303" r:id="rId24"/>
-    <p:sldId id="304" r:id="rId25"/>
-    <p:sldId id="299" r:id="rId26"/>
-    <p:sldId id="305" r:id="rId27"/>
-    <p:sldId id="306" r:id="rId28"/>
-    <p:sldId id="307" r:id="rId29"/>
-    <p:sldId id="308" r:id="rId30"/>
-    <p:sldId id="309" r:id="rId31"/>
-    <p:sldId id="310" r:id="rId32"/>
-    <p:sldId id="311" r:id="rId33"/>
-    <p:sldId id="300" r:id="rId34"/>
+    <p:sldId id="285" r:id="rId9"/>
+    <p:sldId id="286" r:id="rId10"/>
+    <p:sldId id="284" r:id="rId11"/>
+    <p:sldId id="288" r:id="rId12"/>
+    <p:sldId id="289" r:id="rId13"/>
+    <p:sldId id="290" r:id="rId14"/>
+    <p:sldId id="292" r:id="rId15"/>
+    <p:sldId id="293" r:id="rId16"/>
+    <p:sldId id="295" r:id="rId17"/>
+    <p:sldId id="296" r:id="rId18"/>
+    <p:sldId id="298" r:id="rId19"/>
+    <p:sldId id="302" r:id="rId20"/>
+    <p:sldId id="303" r:id="rId21"/>
+    <p:sldId id="304" r:id="rId22"/>
+    <p:sldId id="299" r:id="rId23"/>
+    <p:sldId id="305" r:id="rId24"/>
+    <p:sldId id="306" r:id="rId25"/>
+    <p:sldId id="308" r:id="rId26"/>
+    <p:sldId id="309" r:id="rId27"/>
+    <p:sldId id="310" r:id="rId28"/>
+    <p:sldId id="311" r:id="rId29"/>
+    <p:sldId id="300" r:id="rId30"/>
   </p:sldIdLst>
   <p:sldSz cx="12188825" cy="6858000"/>
   <p:notesSz cx="6858000" cy="9144000"/>
@@ -175,2730 +171,6 @@
 </p:presentation>
 </file>
 
-<file path=ppt/diagrams/colors1.xml><?xml version="1.0" encoding="utf-8"?>
-<dgm:colorsDef xmlns:dgm="http://schemas.openxmlformats.org/drawingml/2006/diagram" xmlns:a="http://schemas.openxmlformats.org/drawingml/2006/main" uniqueId="urn:microsoft.com/office/officeart/2005/8/colors/accent1_3">
-  <dgm:title val=""/>
-  <dgm:desc val=""/>
-  <dgm:catLst>
-    <dgm:cat type="accent1" pri="11300"/>
-  </dgm:catLst>
-  <dgm:styleLbl name="node0">
-    <dgm:fillClrLst meth="repeat">
-      <a:schemeClr val="accent1">
-        <a:shade val="80000"/>
-      </a:schemeClr>
-    </dgm:fillClrLst>
-    <dgm:linClrLst meth="repeat">
-      <a:schemeClr val="lt1"/>
-    </dgm:linClrLst>
-    <dgm:effectClrLst/>
-    <dgm:txLinClrLst/>
-    <dgm:txFillClrLst/>
-    <dgm:txEffectClrLst/>
-  </dgm:styleLbl>
-  <dgm:styleLbl name="alignNode1">
-    <dgm:fillClrLst>
-      <a:schemeClr val="accent1">
-        <a:shade val="80000"/>
-      </a:schemeClr>
-      <a:schemeClr val="accent1">
-        <a:tint val="70000"/>
-      </a:schemeClr>
-    </dgm:fillClrLst>
-    <dgm:linClrLst>
-      <a:schemeClr val="accent1">
-        <a:shade val="80000"/>
-      </a:schemeClr>
-      <a:schemeClr val="accent1">
-        <a:tint val="70000"/>
-      </a:schemeClr>
-    </dgm:linClrLst>
-    <dgm:effectClrLst/>
-    <dgm:txLinClrLst/>
-    <dgm:txFillClrLst/>
-    <dgm:txEffectClrLst/>
-  </dgm:styleLbl>
-  <dgm:styleLbl name="node1">
-    <dgm:fillClrLst>
-      <a:schemeClr val="accent1">
-        <a:shade val="80000"/>
-      </a:schemeClr>
-      <a:schemeClr val="accent1">
-        <a:tint val="70000"/>
-      </a:schemeClr>
-    </dgm:fillClrLst>
-    <dgm:linClrLst meth="repeat">
-      <a:schemeClr val="lt1"/>
-    </dgm:linClrLst>
-    <dgm:effectClrLst/>
-    <dgm:txLinClrLst/>
-    <dgm:txFillClrLst/>
-    <dgm:txEffectClrLst/>
-  </dgm:styleLbl>
-  <dgm:styleLbl name="lnNode1">
-    <dgm:fillClrLst>
-      <a:schemeClr val="accent1">
-        <a:shade val="80000"/>
-      </a:schemeClr>
-      <a:schemeClr val="accent1">
-        <a:tint val="70000"/>
-      </a:schemeClr>
-    </dgm:fillClrLst>
-    <dgm:linClrLst meth="repeat">
-      <a:schemeClr val="lt1"/>
-    </dgm:linClrLst>
-    <dgm:effectClrLst/>
-    <dgm:txLinClrLst/>
-    <dgm:txFillClrLst/>
-    <dgm:txEffectClrLst/>
-  </dgm:styleLbl>
-  <dgm:styleLbl name="vennNode1">
-    <dgm:fillClrLst>
-      <a:schemeClr val="accent1">
-        <a:shade val="80000"/>
-        <a:alpha val="50000"/>
-      </a:schemeClr>
-      <a:schemeClr val="accent1">
-        <a:tint val="70000"/>
-        <a:alpha val="50000"/>
-      </a:schemeClr>
-    </dgm:fillClrLst>
-    <dgm:linClrLst meth="repeat">
-      <a:schemeClr val="lt1"/>
-    </dgm:linClrLst>
-    <dgm:effectClrLst/>
-    <dgm:txLinClrLst/>
-    <dgm:txFillClrLst/>
-    <dgm:txEffectClrLst/>
-  </dgm:styleLbl>
-  <dgm:styleLbl name="node2">
-    <dgm:fillClrLst>
-      <a:schemeClr val="accent1">
-        <a:tint val="99000"/>
-      </a:schemeClr>
-    </dgm:fillClrLst>
-    <dgm:linClrLst meth="repeat">
-      <a:schemeClr val="lt1"/>
-    </dgm:linClrLst>
-    <dgm:effectClrLst/>
-    <dgm:txLinClrLst/>
-    <dgm:txFillClrLst/>
-    <dgm:txEffectClrLst/>
-  </dgm:styleLbl>
-  <dgm:styleLbl name="node3">
-    <dgm:fillClrLst>
-      <a:schemeClr val="accent1">
-        <a:tint val="80000"/>
-      </a:schemeClr>
-    </dgm:fillClrLst>
-    <dgm:linClrLst meth="repeat">
-      <a:schemeClr val="lt1"/>
-    </dgm:linClrLst>
-    <dgm:effectClrLst/>
-    <dgm:txLinClrLst/>
-    <dgm:txFillClrLst/>
-    <dgm:txEffectClrLst/>
-  </dgm:styleLbl>
-  <dgm:styleLbl name="node4">
-    <dgm:fillClrLst>
-      <a:schemeClr val="accent1">
-        <a:tint val="70000"/>
-      </a:schemeClr>
-    </dgm:fillClrLst>
-    <dgm:linClrLst meth="repeat">
-      <a:schemeClr val="lt1"/>
-    </dgm:linClrLst>
-    <dgm:effectClrLst/>
-    <dgm:txLinClrLst/>
-    <dgm:txFillClrLst/>
-    <dgm:txEffectClrLst/>
-  </dgm:styleLbl>
-  <dgm:styleLbl name="fgImgPlace1">
-    <dgm:fillClrLst>
-      <a:schemeClr val="accent1">
-        <a:tint val="50000"/>
-      </a:schemeClr>
-      <a:schemeClr val="accent1">
-        <a:tint val="20000"/>
-      </a:schemeClr>
-    </dgm:fillClrLst>
-    <dgm:linClrLst meth="repeat">
-      <a:schemeClr val="lt1"/>
-    </dgm:linClrLst>
-    <dgm:effectClrLst/>
-    <dgm:txLinClrLst/>
-    <dgm:txFillClrLst meth="repeat">
-      <a:schemeClr val="lt1"/>
-    </dgm:txFillClrLst>
-    <dgm:txEffectClrLst/>
-  </dgm:styleLbl>
-  <dgm:styleLbl name="alignImgPlace1">
-    <dgm:fillClrLst>
-      <a:schemeClr val="accent1">
-        <a:tint val="50000"/>
-      </a:schemeClr>
-      <a:schemeClr val="accent1">
-        <a:tint val="20000"/>
-      </a:schemeClr>
-    </dgm:fillClrLst>
-    <dgm:linClrLst meth="repeat">
-      <a:schemeClr val="lt1"/>
-    </dgm:linClrLst>
-    <dgm:effectClrLst/>
-    <dgm:txLinClrLst/>
-    <dgm:txFillClrLst meth="repeat">
-      <a:schemeClr val="lt1"/>
-    </dgm:txFillClrLst>
-    <dgm:txEffectClrLst/>
-  </dgm:styleLbl>
-  <dgm:styleLbl name="bgImgPlace1">
-    <dgm:fillClrLst>
-      <a:schemeClr val="accent1">
-        <a:tint val="50000"/>
-      </a:schemeClr>
-      <a:schemeClr val="accent1">
-        <a:tint val="20000"/>
-      </a:schemeClr>
-    </dgm:fillClrLst>
-    <dgm:linClrLst meth="repeat">
-      <a:schemeClr val="lt1"/>
-    </dgm:linClrLst>
-    <dgm:effectClrLst/>
-    <dgm:txLinClrLst/>
-    <dgm:txFillClrLst meth="repeat">
-      <a:schemeClr val="lt1"/>
-    </dgm:txFillClrLst>
-    <dgm:txEffectClrLst/>
-  </dgm:styleLbl>
-  <dgm:styleLbl name="sibTrans2D1">
-    <dgm:fillClrLst>
-      <a:schemeClr val="accent1">
-        <a:shade val="90000"/>
-      </a:schemeClr>
-      <a:schemeClr val="accent1">
-        <a:tint val="70000"/>
-      </a:schemeClr>
-    </dgm:fillClrLst>
-    <dgm:linClrLst>
-      <a:schemeClr val="accent1">
-        <a:shade val="90000"/>
-      </a:schemeClr>
-      <a:schemeClr val="accent1">
-        <a:tint val="70000"/>
-      </a:schemeClr>
-    </dgm:linClrLst>
-    <dgm:effectClrLst/>
-    <dgm:txLinClrLst/>
-    <dgm:txFillClrLst/>
-    <dgm:txEffectClrLst/>
-  </dgm:styleLbl>
-  <dgm:styleLbl name="fgSibTrans2D1">
-    <dgm:fillClrLst>
-      <a:schemeClr val="accent1">
-        <a:shade val="90000"/>
-      </a:schemeClr>
-      <a:schemeClr val="accent1">
-        <a:tint val="70000"/>
-      </a:schemeClr>
-    </dgm:fillClrLst>
-    <dgm:linClrLst>
-      <a:schemeClr val="accent1">
-        <a:shade val="90000"/>
-      </a:schemeClr>
-      <a:schemeClr val="accent1">
-        <a:tint val="70000"/>
-      </a:schemeClr>
-    </dgm:linClrLst>
-    <dgm:effectClrLst/>
-    <dgm:txLinClrLst/>
-    <dgm:txFillClrLst meth="repeat">
-      <a:schemeClr val="lt1"/>
-    </dgm:txFillClrLst>
-    <dgm:txEffectClrLst/>
-  </dgm:styleLbl>
-  <dgm:styleLbl name="bgSibTrans2D1">
-    <dgm:fillClrLst>
-      <a:schemeClr val="accent1">
-        <a:shade val="90000"/>
-      </a:schemeClr>
-      <a:schemeClr val="accent1">
-        <a:tint val="70000"/>
-      </a:schemeClr>
-    </dgm:fillClrLst>
-    <dgm:linClrLst>
-      <a:schemeClr val="accent1">
-        <a:shade val="90000"/>
-      </a:schemeClr>
-      <a:schemeClr val="accent1">
-        <a:tint val="70000"/>
-      </a:schemeClr>
-    </dgm:linClrLst>
-    <dgm:effectClrLst/>
-    <dgm:txLinClrLst/>
-    <dgm:txFillClrLst meth="repeat">
-      <a:schemeClr val="lt1"/>
-    </dgm:txFillClrLst>
-    <dgm:txEffectClrLst/>
-  </dgm:styleLbl>
-  <dgm:styleLbl name="sibTrans1D1">
-    <dgm:fillClrLst>
-      <a:schemeClr val="accent1">
-        <a:shade val="90000"/>
-      </a:schemeClr>
-      <a:schemeClr val="accent1">
-        <a:tint val="70000"/>
-      </a:schemeClr>
-    </dgm:fillClrLst>
-    <dgm:linClrLst>
-      <a:schemeClr val="accent1">
-        <a:shade val="90000"/>
-      </a:schemeClr>
-      <a:schemeClr val="accent1">
-        <a:tint val="70000"/>
-      </a:schemeClr>
-    </dgm:linClrLst>
-    <dgm:effectClrLst/>
-    <dgm:txLinClrLst/>
-    <dgm:txFillClrLst meth="repeat">
-      <a:schemeClr val="tx1"/>
-    </dgm:txFillClrLst>
-    <dgm:txEffectClrLst/>
-  </dgm:styleLbl>
-  <dgm:styleLbl name="callout">
-    <dgm:fillClrLst meth="repeat">
-      <a:schemeClr val="accent1"/>
-    </dgm:fillClrLst>
-    <dgm:linClrLst meth="repeat">
-      <a:schemeClr val="accent1"/>
-    </dgm:linClrLst>
-    <dgm:effectClrLst/>
-    <dgm:txLinClrLst/>
-    <dgm:txFillClrLst meth="repeat">
-      <a:schemeClr val="tx1"/>
-    </dgm:txFillClrLst>
-    <dgm:txEffectClrLst/>
-  </dgm:styleLbl>
-  <dgm:styleLbl name="asst0">
-    <dgm:fillClrLst meth="repeat">
-      <a:schemeClr val="accent1">
-        <a:shade val="80000"/>
-      </a:schemeClr>
-    </dgm:fillClrLst>
-    <dgm:linClrLst meth="repeat">
-      <a:schemeClr val="lt1"/>
-    </dgm:linClrLst>
-    <dgm:effectClrLst/>
-    <dgm:txLinClrLst/>
-    <dgm:txFillClrLst/>
-    <dgm:txEffectClrLst/>
-  </dgm:styleLbl>
-  <dgm:styleLbl name="asst1">
-    <dgm:fillClrLst meth="repeat">
-      <a:schemeClr val="accent1">
-        <a:shade val="80000"/>
-      </a:schemeClr>
-    </dgm:fillClrLst>
-    <dgm:linClrLst meth="repeat">
-      <a:schemeClr val="lt1"/>
-    </dgm:linClrLst>
-    <dgm:effectClrLst/>
-    <dgm:txLinClrLst/>
-    <dgm:txFillClrLst/>
-    <dgm:txEffectClrLst/>
-  </dgm:styleLbl>
-  <dgm:styleLbl name="asst2">
-    <dgm:fillClrLst>
-      <a:schemeClr val="accent1">
-        <a:tint val="99000"/>
-      </a:schemeClr>
-    </dgm:fillClrLst>
-    <dgm:linClrLst meth="repeat">
-      <a:schemeClr val="lt1"/>
-    </dgm:linClrLst>
-    <dgm:effectClrLst/>
-    <dgm:txLinClrLst/>
-    <dgm:txFillClrLst/>
-    <dgm:txEffectClrLst/>
-  </dgm:styleLbl>
-  <dgm:styleLbl name="asst3">
-    <dgm:fillClrLst>
-      <a:schemeClr val="accent1">
-        <a:tint val="80000"/>
-      </a:schemeClr>
-    </dgm:fillClrLst>
-    <dgm:linClrLst meth="repeat">
-      <a:schemeClr val="lt1"/>
-    </dgm:linClrLst>
-    <dgm:effectClrLst/>
-    <dgm:txLinClrLst/>
-    <dgm:txFillClrLst/>
-    <dgm:txEffectClrLst/>
-  </dgm:styleLbl>
-  <dgm:styleLbl name="asst4">
-    <dgm:fillClrLst>
-      <a:schemeClr val="accent1">
-        <a:tint val="70000"/>
-      </a:schemeClr>
-    </dgm:fillClrLst>
-    <dgm:linClrLst meth="repeat">
-      <a:schemeClr val="lt1"/>
-    </dgm:linClrLst>
-    <dgm:effectClrLst/>
-    <dgm:txLinClrLst/>
-    <dgm:txFillClrLst/>
-    <dgm:txEffectClrLst/>
-  </dgm:styleLbl>
-  <dgm:styleLbl name="parChTrans2D1">
-    <dgm:fillClrLst meth="repeat">
-      <a:schemeClr val="accent1">
-        <a:tint val="60000"/>
-      </a:schemeClr>
-    </dgm:fillClrLst>
-    <dgm:linClrLst meth="repeat">
-      <a:schemeClr val="accent1">
-        <a:tint val="60000"/>
-      </a:schemeClr>
-    </dgm:linClrLst>
-    <dgm:effectClrLst/>
-    <dgm:txLinClrLst/>
-    <dgm:txFillClrLst meth="repeat">
-      <a:schemeClr val="lt1"/>
-    </dgm:txFillClrLst>
-    <dgm:txEffectClrLst/>
-  </dgm:styleLbl>
-  <dgm:styleLbl name="parChTrans2D2">
-    <dgm:fillClrLst meth="repeat">
-      <a:schemeClr val="accent1">
-        <a:tint val="90000"/>
-      </a:schemeClr>
-    </dgm:fillClrLst>
-    <dgm:linClrLst meth="repeat">
-      <a:schemeClr val="accent1">
-        <a:tint val="90000"/>
-      </a:schemeClr>
-    </dgm:linClrLst>
-    <dgm:effectClrLst/>
-    <dgm:txLinClrLst/>
-    <dgm:txFillClrLst/>
-    <dgm:txEffectClrLst/>
-  </dgm:styleLbl>
-  <dgm:styleLbl name="parChTrans2D3">
-    <dgm:fillClrLst meth="repeat">
-      <a:schemeClr val="accent1">
-        <a:tint val="70000"/>
-      </a:schemeClr>
-    </dgm:fillClrLst>
-    <dgm:linClrLst meth="repeat">
-      <a:schemeClr val="accent1">
-        <a:tint val="70000"/>
-      </a:schemeClr>
-    </dgm:linClrLst>
-    <dgm:effectClrLst/>
-    <dgm:txLinClrLst/>
-    <dgm:txFillClrLst/>
-    <dgm:txEffectClrLst/>
-  </dgm:styleLbl>
-  <dgm:styleLbl name="parChTrans2D4">
-    <dgm:fillClrLst meth="repeat">
-      <a:schemeClr val="accent1">
-        <a:tint val="50000"/>
-      </a:schemeClr>
-    </dgm:fillClrLst>
-    <dgm:linClrLst meth="repeat">
-      <a:schemeClr val="accent1">
-        <a:tint val="50000"/>
-      </a:schemeClr>
-    </dgm:linClrLst>
-    <dgm:effectClrLst/>
-    <dgm:txLinClrLst/>
-    <dgm:txFillClrLst meth="repeat">
-      <a:schemeClr val="lt1"/>
-    </dgm:txFillClrLst>
-    <dgm:txEffectClrLst/>
-  </dgm:styleLbl>
-  <dgm:styleLbl name="parChTrans1D1">
-    <dgm:fillClrLst meth="repeat">
-      <a:schemeClr val="accent1">
-        <a:shade val="80000"/>
-      </a:schemeClr>
-    </dgm:fillClrLst>
-    <dgm:linClrLst meth="repeat">
-      <a:schemeClr val="accent1">
-        <a:shade val="80000"/>
-      </a:schemeClr>
-    </dgm:linClrLst>
-    <dgm:effectClrLst/>
-    <dgm:txLinClrLst/>
-    <dgm:txFillClrLst meth="repeat">
-      <a:schemeClr val="tx1"/>
-    </dgm:txFillClrLst>
-    <dgm:txEffectClrLst/>
-  </dgm:styleLbl>
-  <dgm:styleLbl name="parChTrans1D2">
-    <dgm:fillClrLst meth="repeat">
-      <a:schemeClr val="accent1">
-        <a:tint val="99000"/>
-      </a:schemeClr>
-    </dgm:fillClrLst>
-    <dgm:linClrLst meth="repeat">
-      <a:schemeClr val="accent1">
-        <a:tint val="99000"/>
-      </a:schemeClr>
-    </dgm:linClrLst>
-    <dgm:effectClrLst/>
-    <dgm:txLinClrLst/>
-    <dgm:txFillClrLst meth="repeat">
-      <a:schemeClr val="tx1"/>
-    </dgm:txFillClrLst>
-    <dgm:txEffectClrLst/>
-  </dgm:styleLbl>
-  <dgm:styleLbl name="parChTrans1D3">
-    <dgm:fillClrLst meth="repeat">
-      <a:schemeClr val="accent1">
-        <a:tint val="80000"/>
-      </a:schemeClr>
-    </dgm:fillClrLst>
-    <dgm:linClrLst meth="repeat">
-      <a:schemeClr val="accent1">
-        <a:tint val="80000"/>
-      </a:schemeClr>
-    </dgm:linClrLst>
-    <dgm:effectClrLst/>
-    <dgm:txLinClrLst/>
-    <dgm:txFillClrLst meth="repeat">
-      <a:schemeClr val="tx1"/>
-    </dgm:txFillClrLst>
-    <dgm:txEffectClrLst/>
-  </dgm:styleLbl>
-  <dgm:styleLbl name="parChTrans1D4">
-    <dgm:fillClrLst meth="repeat">
-      <a:schemeClr val="accent1">
-        <a:tint val="70000"/>
-      </a:schemeClr>
-    </dgm:fillClrLst>
-    <dgm:linClrLst meth="repeat">
-      <a:schemeClr val="accent1">
-        <a:tint val="70000"/>
-      </a:schemeClr>
-    </dgm:linClrLst>
-    <dgm:effectClrLst/>
-    <dgm:txLinClrLst/>
-    <dgm:txFillClrLst meth="repeat">
-      <a:schemeClr val="tx1"/>
-    </dgm:txFillClrLst>
-    <dgm:txEffectClrLst/>
-  </dgm:styleLbl>
-  <dgm:styleLbl name="fgAcc1">
-    <dgm:fillClrLst meth="repeat">
-      <a:schemeClr val="lt1">
-        <a:alpha val="90000"/>
-      </a:schemeClr>
-    </dgm:fillClrLst>
-    <dgm:linClrLst>
-      <a:schemeClr val="accent1">
-        <a:shade val="80000"/>
-      </a:schemeClr>
-      <a:schemeClr val="accent1">
-        <a:tint val="70000"/>
-      </a:schemeClr>
-    </dgm:linClrLst>
-    <dgm:effectClrLst/>
-    <dgm:txLinClrLst/>
-    <dgm:txFillClrLst meth="repeat">
-      <a:schemeClr val="dk1"/>
-    </dgm:txFillClrLst>
-    <dgm:txEffectClrLst/>
-  </dgm:styleLbl>
-  <dgm:styleLbl name="conFgAcc1">
-    <dgm:fillClrLst meth="repeat">
-      <a:schemeClr val="lt1">
-        <a:alpha val="90000"/>
-      </a:schemeClr>
-    </dgm:fillClrLst>
-    <dgm:linClrLst>
-      <a:schemeClr val="accent1">
-        <a:shade val="80000"/>
-      </a:schemeClr>
-      <a:schemeClr val="accent1">
-        <a:tint val="70000"/>
-      </a:schemeClr>
-    </dgm:linClrLst>
-    <dgm:effectClrLst/>
-    <dgm:txLinClrLst/>
-    <dgm:txFillClrLst meth="repeat">
-      <a:schemeClr val="dk1"/>
-    </dgm:txFillClrLst>
-    <dgm:txEffectClrLst/>
-  </dgm:styleLbl>
-  <dgm:styleLbl name="alignAcc1">
-    <dgm:fillClrLst meth="repeat">
-      <a:schemeClr val="lt1">
-        <a:alpha val="90000"/>
-      </a:schemeClr>
-    </dgm:fillClrLst>
-    <dgm:linClrLst>
-      <a:schemeClr val="accent1">
-        <a:shade val="80000"/>
-      </a:schemeClr>
-      <a:schemeClr val="accent1">
-        <a:tint val="70000"/>
-      </a:schemeClr>
-    </dgm:linClrLst>
-    <dgm:effectClrLst/>
-    <dgm:txLinClrLst/>
-    <dgm:txFillClrLst meth="repeat">
-      <a:schemeClr val="dk1"/>
-    </dgm:txFillClrLst>
-    <dgm:txEffectClrLst/>
-  </dgm:styleLbl>
-  <dgm:styleLbl name="trAlignAcc1">
-    <dgm:fillClrLst meth="repeat">
-      <a:schemeClr val="lt1">
-        <a:alpha val="40000"/>
-      </a:schemeClr>
-    </dgm:fillClrLst>
-    <dgm:linClrLst meth="repeat">
-      <a:schemeClr val="accent1"/>
-    </dgm:linClrLst>
-    <dgm:effectClrLst/>
-    <dgm:txLinClrLst/>
-    <dgm:txFillClrLst meth="repeat">
-      <a:schemeClr val="dk1"/>
-    </dgm:txFillClrLst>
-    <dgm:txEffectClrLst/>
-  </dgm:styleLbl>
-  <dgm:styleLbl name="bgAcc1">
-    <dgm:fillClrLst meth="repeat">
-      <a:schemeClr val="lt1">
-        <a:alpha val="90000"/>
-      </a:schemeClr>
-    </dgm:fillClrLst>
-    <dgm:linClrLst>
-      <a:schemeClr val="accent1">
-        <a:shade val="80000"/>
-      </a:schemeClr>
-      <a:schemeClr val="accent1">
-        <a:tint val="70000"/>
-      </a:schemeClr>
-    </dgm:linClrLst>
-    <dgm:effectClrLst/>
-    <dgm:txLinClrLst/>
-    <dgm:txFillClrLst meth="repeat">
-      <a:schemeClr val="dk1"/>
-    </dgm:txFillClrLst>
-    <dgm:txEffectClrLst/>
-  </dgm:styleLbl>
-  <dgm:styleLbl name="solidFgAcc1">
-    <dgm:fillClrLst meth="repeat">
-      <a:schemeClr val="lt1"/>
-    </dgm:fillClrLst>
-    <dgm:linClrLst>
-      <a:schemeClr val="accent1">
-        <a:shade val="80000"/>
-      </a:schemeClr>
-      <a:schemeClr val="accent1">
-        <a:tint val="70000"/>
-      </a:schemeClr>
-    </dgm:linClrLst>
-    <dgm:effectClrLst/>
-    <dgm:txLinClrLst/>
-    <dgm:txFillClrLst meth="repeat">
-      <a:schemeClr val="dk1"/>
-    </dgm:txFillClrLst>
-    <dgm:txEffectClrLst/>
-  </dgm:styleLbl>
-  <dgm:styleLbl name="solidAlignAcc1">
-    <dgm:fillClrLst meth="repeat">
-      <a:schemeClr val="lt1"/>
-    </dgm:fillClrLst>
-    <dgm:linClrLst meth="repeat">
-      <a:schemeClr val="accent1"/>
-    </dgm:linClrLst>
-    <dgm:effectClrLst/>
-    <dgm:txLinClrLst/>
-    <dgm:txFillClrLst meth="repeat">
-      <a:schemeClr val="dk1"/>
-    </dgm:txFillClrLst>
-    <dgm:txEffectClrLst/>
-  </dgm:styleLbl>
-  <dgm:styleLbl name="solidBgAcc1">
-    <dgm:fillClrLst meth="repeat">
-      <a:schemeClr val="lt1"/>
-    </dgm:fillClrLst>
-    <dgm:linClrLst meth="repeat">
-      <a:schemeClr val="accent1"/>
-    </dgm:linClrLst>
-    <dgm:effectClrLst/>
-    <dgm:txLinClrLst/>
-    <dgm:txFillClrLst meth="repeat">
-      <a:schemeClr val="dk1"/>
-    </dgm:txFillClrLst>
-    <dgm:txEffectClrLst/>
-  </dgm:styleLbl>
-  <dgm:styleLbl name="fgAccFollowNode1">
-    <dgm:fillClrLst meth="repeat">
-      <a:schemeClr val="accent1">
-        <a:alpha val="90000"/>
-        <a:tint val="40000"/>
-      </a:schemeClr>
-    </dgm:fillClrLst>
-    <dgm:linClrLst meth="repeat">
-      <a:schemeClr val="accent1">
-        <a:alpha val="90000"/>
-        <a:tint val="40000"/>
-      </a:schemeClr>
-    </dgm:linClrLst>
-    <dgm:effectClrLst/>
-    <dgm:txLinClrLst/>
-    <dgm:txFillClrLst meth="repeat">
-      <a:schemeClr val="dk1"/>
-    </dgm:txFillClrLst>
-    <dgm:txEffectClrLst/>
-  </dgm:styleLbl>
-  <dgm:styleLbl name="alignAccFollowNode1">
-    <dgm:fillClrLst meth="repeat">
-      <a:schemeClr val="accent1">
-        <a:alpha val="90000"/>
-        <a:tint val="40000"/>
-      </a:schemeClr>
-    </dgm:fillClrLst>
-    <dgm:linClrLst meth="repeat">
-      <a:schemeClr val="accent1">
-        <a:alpha val="90000"/>
-        <a:tint val="40000"/>
-      </a:schemeClr>
-    </dgm:linClrLst>
-    <dgm:effectClrLst/>
-    <dgm:txLinClrLst/>
-    <dgm:txFillClrLst meth="repeat">
-      <a:schemeClr val="dk1"/>
-    </dgm:txFillClrLst>
-    <dgm:txEffectClrLst/>
-  </dgm:styleLbl>
-  <dgm:styleLbl name="bgAccFollowNode1">
-    <dgm:fillClrLst meth="repeat">
-      <a:schemeClr val="accent1">
-        <a:alpha val="90000"/>
-        <a:tint val="40000"/>
-      </a:schemeClr>
-    </dgm:fillClrLst>
-    <dgm:linClrLst meth="repeat">
-      <a:schemeClr val="lt1"/>
-    </dgm:linClrLst>
-    <dgm:effectClrLst/>
-    <dgm:txLinClrLst/>
-    <dgm:txFillClrLst meth="repeat">
-      <a:schemeClr val="dk1"/>
-    </dgm:txFillClrLst>
-    <dgm:txEffectClrLst/>
-  </dgm:styleLbl>
-  <dgm:styleLbl name="fgAcc0">
-    <dgm:fillClrLst meth="repeat">
-      <a:schemeClr val="lt1">
-        <a:alpha val="90000"/>
-      </a:schemeClr>
-    </dgm:fillClrLst>
-    <dgm:linClrLst meth="repeat">
-      <a:schemeClr val="accent1">
-        <a:shade val="80000"/>
-      </a:schemeClr>
-    </dgm:linClrLst>
-    <dgm:effectClrLst/>
-    <dgm:txLinClrLst/>
-    <dgm:txFillClrLst meth="repeat">
-      <a:schemeClr val="dk1"/>
-    </dgm:txFillClrLst>
-    <dgm:txEffectClrLst/>
-  </dgm:styleLbl>
-  <dgm:styleLbl name="fgAcc2">
-    <dgm:fillClrLst meth="repeat">
-      <a:schemeClr val="lt1">
-        <a:alpha val="90000"/>
-      </a:schemeClr>
-    </dgm:fillClrLst>
-    <dgm:linClrLst meth="repeat">
-      <a:schemeClr val="accent1">
-        <a:tint val="99000"/>
-      </a:schemeClr>
-    </dgm:linClrLst>
-    <dgm:effectClrLst/>
-    <dgm:txLinClrLst/>
-    <dgm:txFillClrLst meth="repeat">
-      <a:schemeClr val="dk1"/>
-    </dgm:txFillClrLst>
-    <dgm:txEffectClrLst/>
-  </dgm:styleLbl>
-  <dgm:styleLbl name="fgAcc3">
-    <dgm:fillClrLst meth="repeat">
-      <a:schemeClr val="lt1">
-        <a:alpha val="90000"/>
-      </a:schemeClr>
-    </dgm:fillClrLst>
-    <dgm:linClrLst meth="repeat">
-      <a:schemeClr val="accent1">
-        <a:tint val="80000"/>
-      </a:schemeClr>
-    </dgm:linClrLst>
-    <dgm:effectClrLst/>
-    <dgm:txLinClrLst/>
-    <dgm:txFillClrLst meth="repeat">
-      <a:schemeClr val="dk1"/>
-    </dgm:txFillClrLst>
-    <dgm:txEffectClrLst/>
-  </dgm:styleLbl>
-  <dgm:styleLbl name="fgAcc4">
-    <dgm:fillClrLst meth="repeat">
-      <a:schemeClr val="lt1">
-        <a:alpha val="90000"/>
-      </a:schemeClr>
-    </dgm:fillClrLst>
-    <dgm:linClrLst meth="repeat">
-      <a:schemeClr val="accent1">
-        <a:tint val="70000"/>
-      </a:schemeClr>
-    </dgm:linClrLst>
-    <dgm:effectClrLst/>
-    <dgm:txLinClrLst/>
-    <dgm:txFillClrLst meth="repeat">
-      <a:schemeClr val="dk1"/>
-    </dgm:txFillClrLst>
-    <dgm:txEffectClrLst/>
-  </dgm:styleLbl>
-  <dgm:styleLbl name="bgShp">
-    <dgm:fillClrLst meth="repeat">
-      <a:schemeClr val="accent1">
-        <a:tint val="40000"/>
-      </a:schemeClr>
-    </dgm:fillClrLst>
-    <dgm:linClrLst meth="repeat">
-      <a:schemeClr val="dk1"/>
-    </dgm:linClrLst>
-    <dgm:effectClrLst/>
-    <dgm:txLinClrLst/>
-    <dgm:txFillClrLst meth="repeat">
-      <a:schemeClr val="dk1"/>
-    </dgm:txFillClrLst>
-    <dgm:txEffectClrLst/>
-  </dgm:styleLbl>
-  <dgm:styleLbl name="dkBgShp">
-    <dgm:fillClrLst meth="repeat">
-      <a:schemeClr val="accent1">
-        <a:shade val="90000"/>
-      </a:schemeClr>
-    </dgm:fillClrLst>
-    <dgm:linClrLst meth="repeat">
-      <a:schemeClr val="dk1"/>
-    </dgm:linClrLst>
-    <dgm:effectClrLst/>
-    <dgm:txLinClrLst/>
-    <dgm:txFillClrLst meth="repeat">
-      <a:schemeClr val="lt1"/>
-    </dgm:txFillClrLst>
-    <dgm:txEffectClrLst/>
-  </dgm:styleLbl>
-  <dgm:styleLbl name="trBgShp">
-    <dgm:fillClrLst meth="repeat">
-      <a:schemeClr val="accent1">
-        <a:tint val="50000"/>
-        <a:alpha val="40000"/>
-      </a:schemeClr>
-    </dgm:fillClrLst>
-    <dgm:linClrLst meth="repeat">
-      <a:schemeClr val="accent1"/>
-    </dgm:linClrLst>
-    <dgm:effectClrLst/>
-    <dgm:txLinClrLst/>
-    <dgm:txFillClrLst meth="repeat">
-      <a:schemeClr val="lt1"/>
-    </dgm:txFillClrLst>
-    <dgm:txEffectClrLst/>
-  </dgm:styleLbl>
-  <dgm:styleLbl name="fgShp">
-    <dgm:fillClrLst meth="repeat">
-      <a:schemeClr val="accent1">
-        <a:tint val="40000"/>
-      </a:schemeClr>
-    </dgm:fillClrLst>
-    <dgm:linClrLst meth="repeat">
-      <a:schemeClr val="lt1"/>
-    </dgm:linClrLst>
-    <dgm:effectClrLst/>
-    <dgm:txLinClrLst/>
-    <dgm:txFillClrLst meth="repeat">
-      <a:schemeClr val="dk1"/>
-    </dgm:txFillClrLst>
-    <dgm:txEffectClrLst/>
-  </dgm:styleLbl>
-  <dgm:styleLbl name="revTx">
-    <dgm:fillClrLst meth="repeat">
-      <a:schemeClr val="lt1">
-        <a:alpha val="0"/>
-      </a:schemeClr>
-    </dgm:fillClrLst>
-    <dgm:linClrLst meth="repeat">
-      <a:schemeClr val="dk1">
-        <a:alpha val="0"/>
-      </a:schemeClr>
-    </dgm:linClrLst>
-    <dgm:effectClrLst/>
-    <dgm:txLinClrLst/>
-    <dgm:txFillClrLst meth="repeat">
-      <a:schemeClr val="tx1"/>
-    </dgm:txFillClrLst>
-    <dgm:txEffectClrLst/>
-  </dgm:styleLbl>
-</dgm:colorsDef>
-</file>
-
-<file path=ppt/diagrams/data1.xml><?xml version="1.0" encoding="utf-8"?>
-<dgm:dataModel xmlns:dgm="http://schemas.openxmlformats.org/drawingml/2006/diagram" xmlns:a="http://schemas.openxmlformats.org/drawingml/2006/main">
-  <dgm:ptLst>
-    <dgm:pt modelId="{B694BE01-97D2-4DE1-9EC6-1BA9B9BED91F}" type="doc">
-      <dgm:prSet loTypeId="urn:microsoft.com/office/officeart/2005/8/layout/pyramid3" loCatId="pyramid" qsTypeId="urn:microsoft.com/office/officeart/2005/8/quickstyle/simple1" qsCatId="simple" csTypeId="urn:microsoft.com/office/officeart/2005/8/colors/accent1_3" csCatId="accent1" phldr="1"/>
-      <dgm:spPr/>
-    </dgm:pt>
-    <dgm:pt modelId="{398764D8-0968-4B23-80ED-61BBB3780E42}">
-      <dgm:prSet phldrT="[Tekst]" custT="1"/>
-      <dgm:spPr/>
-      <dgm:t>
-        <a:bodyPr/>
-        <a:lstStyle/>
-        <a:p>
-          <a:r>
-            <a:rPr lang="mk-MK" sz="2500" b="1"/>
-            <a:t>Дизајн и активности за планот за напредок</a:t>
-          </a:r>
-          <a:endParaRPr lang="en-US" sz="2500" b="1"/>
-        </a:p>
-        <a:p>
-          <a:r>
-            <a:rPr lang="mk-MK" sz="1400" b="1"/>
-            <a:t>Содржина и дизајн низ дијагностицираните групи</a:t>
-          </a:r>
-          <a:endParaRPr lang="da-DK" sz="1400" b="1"/>
-        </a:p>
-      </dgm:t>
-    </dgm:pt>
-    <dgm:pt modelId="{61496E17-707E-41B6-BDA9-D0DB62D5C319}" type="parTrans" cxnId="{4A4E8EA1-9207-43F1-B005-D658523576F5}">
-      <dgm:prSet/>
-      <dgm:spPr/>
-      <dgm:t>
-        <a:bodyPr/>
-        <a:lstStyle/>
-        <a:p>
-          <a:endParaRPr lang="da-DK"/>
-        </a:p>
-      </dgm:t>
-    </dgm:pt>
-    <dgm:pt modelId="{762ADA38-E138-41B1-95F0-4A5486AE8F46}" type="sibTrans" cxnId="{4A4E8EA1-9207-43F1-B005-D658523576F5}">
-      <dgm:prSet/>
-      <dgm:spPr/>
-      <dgm:t>
-        <a:bodyPr/>
-        <a:lstStyle/>
-        <a:p>
-          <a:endParaRPr lang="da-DK"/>
-        </a:p>
-      </dgm:t>
-    </dgm:pt>
-    <dgm:pt modelId="{446D11A1-C1E2-4A95-B296-7B3B17ABAFAC}">
-      <dgm:prSet phldrT="[Tekst]" custT="1"/>
-      <dgm:spPr/>
-      <dgm:t>
-        <a:bodyPr/>
-        <a:lstStyle/>
-        <a:p>
-          <a:pPr algn="ctr"/>
-          <a:r>
-            <a:rPr lang="mk-MK" sz="1600" b="1" dirty="0"/>
-            <a:t>Насоки за планирање на напредокот</a:t>
-          </a:r>
-          <a:endParaRPr lang="da-DK" sz="1600" b="1" dirty="0"/>
-        </a:p>
-        <a:p>
-          <a:pPr algn="ctr"/>
-          <a:r>
-            <a:rPr lang="mk-MK" sz="1200" b="0" dirty="0"/>
-            <a:t>Специфична содржина базирана на професионални препораки и земање во обзир на желбите на пациентот</a:t>
-          </a:r>
-          <a:endParaRPr lang="da-DK" sz="1200" b="0" dirty="0"/>
-        </a:p>
-      </dgm:t>
-    </dgm:pt>
-    <dgm:pt modelId="{B102ED55-4932-4979-98B7-5CF23E8F24DE}" type="parTrans" cxnId="{7A7573FC-44E8-4BCB-A4D2-137796164D1F}">
-      <dgm:prSet/>
-      <dgm:spPr/>
-      <dgm:t>
-        <a:bodyPr/>
-        <a:lstStyle/>
-        <a:p>
-          <a:endParaRPr lang="da-DK"/>
-        </a:p>
-      </dgm:t>
-    </dgm:pt>
-    <dgm:pt modelId="{E5A4DA9C-4113-4F02-BC7D-1645EC9813E8}" type="sibTrans" cxnId="{7A7573FC-44E8-4BCB-A4D2-137796164D1F}">
-      <dgm:prSet/>
-      <dgm:spPr/>
-      <dgm:t>
-        <a:bodyPr/>
-        <a:lstStyle/>
-        <a:p>
-          <a:endParaRPr lang="da-DK"/>
-        </a:p>
-      </dgm:t>
-    </dgm:pt>
-    <dgm:pt modelId="{8FD1A30D-F1A5-4AFA-B699-D0B7278B09DD}">
-      <dgm:prSet phldrT="[Tekst]" custT="1"/>
-      <dgm:spPr/>
-      <dgm:t>
-        <a:bodyPr lIns="0" tIns="0" bIns="822960"/>
-        <a:lstStyle/>
-        <a:p>
-          <a:r>
-            <a:rPr lang="mk-MK" sz="1400" b="1" dirty="0"/>
-            <a:t>Индивидуален план за напредок</a:t>
-          </a:r>
-          <a:endParaRPr lang="da-DK" sz="1400" b="1" dirty="0"/>
-        </a:p>
-        <a:p>
-          <a:r>
-            <a:rPr lang="mk-MK" sz="1200" dirty="0"/>
-            <a:t>Комплетиран</a:t>
-          </a:r>
-          <a:r>
-            <a:rPr lang="en-US" sz="1200" dirty="0"/>
-            <a:t> </a:t>
-          </a:r>
-          <a:br>
-            <a:rPr lang="en-US" sz="1200" dirty="0"/>
-          </a:br>
-          <a:r>
-            <a:rPr lang="mk-MK" sz="1200" dirty="0"/>
-            <a:t>од лекарот</a:t>
-          </a:r>
-          <a:endParaRPr lang="da-DK" sz="1200" dirty="0"/>
-        </a:p>
-      </dgm:t>
-    </dgm:pt>
-    <dgm:pt modelId="{A70AD628-5716-4802-B62D-7C05F914D4BA}" type="parTrans" cxnId="{999E17FE-0CA0-44FE-99F6-4A7F017E3C95}">
-      <dgm:prSet/>
-      <dgm:spPr/>
-      <dgm:t>
-        <a:bodyPr/>
-        <a:lstStyle/>
-        <a:p>
-          <a:endParaRPr lang="da-DK"/>
-        </a:p>
-      </dgm:t>
-    </dgm:pt>
-    <dgm:pt modelId="{45238060-428C-4F47-B8CB-64B67849051B}" type="sibTrans" cxnId="{999E17FE-0CA0-44FE-99F6-4A7F017E3C95}">
-      <dgm:prSet/>
-      <dgm:spPr/>
-      <dgm:t>
-        <a:bodyPr/>
-        <a:lstStyle/>
-        <a:p>
-          <a:endParaRPr lang="da-DK"/>
-        </a:p>
-      </dgm:t>
-    </dgm:pt>
-    <dgm:pt modelId="{58104358-247E-4F30-B799-95D9B46B9464}" type="pres">
-      <dgm:prSet presAssocID="{B694BE01-97D2-4DE1-9EC6-1BA9B9BED91F}" presName="Name0" presStyleCnt="0">
-        <dgm:presLayoutVars>
-          <dgm:dir/>
-          <dgm:animLvl val="lvl"/>
-          <dgm:resizeHandles val="exact"/>
-        </dgm:presLayoutVars>
-      </dgm:prSet>
-      <dgm:spPr/>
-    </dgm:pt>
-    <dgm:pt modelId="{8A06B4FA-391D-4C89-96BB-16BB5B264E42}" type="pres">
-      <dgm:prSet presAssocID="{398764D8-0968-4B23-80ED-61BBB3780E42}" presName="Name8" presStyleCnt="0"/>
-      <dgm:spPr/>
-    </dgm:pt>
-    <dgm:pt modelId="{E1BEEA0B-8D0C-4D8D-8299-CF2E7B557571}" type="pres">
-      <dgm:prSet presAssocID="{398764D8-0968-4B23-80ED-61BBB3780E42}" presName="level" presStyleLbl="node1" presStyleIdx="0" presStyleCnt="3" custScaleY="84619">
-        <dgm:presLayoutVars>
-          <dgm:chMax val="1"/>
-          <dgm:bulletEnabled val="1"/>
-        </dgm:presLayoutVars>
-      </dgm:prSet>
-      <dgm:spPr/>
-    </dgm:pt>
-    <dgm:pt modelId="{F265D81F-952A-407E-8AAA-3A8DF53AF049}" type="pres">
-      <dgm:prSet presAssocID="{398764D8-0968-4B23-80ED-61BBB3780E42}" presName="levelTx" presStyleLbl="revTx" presStyleIdx="0" presStyleCnt="0">
-        <dgm:presLayoutVars>
-          <dgm:chMax val="1"/>
-          <dgm:bulletEnabled val="1"/>
-        </dgm:presLayoutVars>
-      </dgm:prSet>
-      <dgm:spPr/>
-    </dgm:pt>
-    <dgm:pt modelId="{361559B3-065D-4436-93B0-C6BBC54CCB12}" type="pres">
-      <dgm:prSet presAssocID="{446D11A1-C1E2-4A95-B296-7B3B17ABAFAC}" presName="Name8" presStyleCnt="0"/>
-      <dgm:spPr/>
-    </dgm:pt>
-    <dgm:pt modelId="{36238243-4967-4EC1-A630-511AC85A313F}" type="pres">
-      <dgm:prSet presAssocID="{446D11A1-C1E2-4A95-B296-7B3B17ABAFAC}" presName="level" presStyleLbl="node1" presStyleIdx="1" presStyleCnt="3" custScaleY="71806">
-        <dgm:presLayoutVars>
-          <dgm:chMax val="1"/>
-          <dgm:bulletEnabled val="1"/>
-        </dgm:presLayoutVars>
-      </dgm:prSet>
-      <dgm:spPr/>
-    </dgm:pt>
-    <dgm:pt modelId="{22A44E1A-5DD7-4AE0-AEDD-DC85797C6561}" type="pres">
-      <dgm:prSet presAssocID="{446D11A1-C1E2-4A95-B296-7B3B17ABAFAC}" presName="levelTx" presStyleLbl="revTx" presStyleIdx="0" presStyleCnt="0">
-        <dgm:presLayoutVars>
-          <dgm:chMax val="1"/>
-          <dgm:bulletEnabled val="1"/>
-        </dgm:presLayoutVars>
-      </dgm:prSet>
-      <dgm:spPr/>
-    </dgm:pt>
-    <dgm:pt modelId="{26F3EB86-6DD1-482D-97B3-7A3CDA3F4298}" type="pres">
-      <dgm:prSet presAssocID="{8FD1A30D-F1A5-4AFA-B699-D0B7278B09DD}" presName="Name8" presStyleCnt="0"/>
-      <dgm:spPr/>
-    </dgm:pt>
-    <dgm:pt modelId="{E39D7FAC-DA54-4A59-BCD4-1E8605024CA4}" type="pres">
-      <dgm:prSet presAssocID="{8FD1A30D-F1A5-4AFA-B699-D0B7278B09DD}" presName="level" presStyleLbl="node1" presStyleIdx="2" presStyleCnt="3" custScaleY="115305">
-        <dgm:presLayoutVars>
-          <dgm:chMax val="1"/>
-          <dgm:bulletEnabled val="1"/>
-        </dgm:presLayoutVars>
-      </dgm:prSet>
-      <dgm:spPr/>
-    </dgm:pt>
-    <dgm:pt modelId="{B234428F-56DD-4D0E-A17B-247CED506712}" type="pres">
-      <dgm:prSet presAssocID="{8FD1A30D-F1A5-4AFA-B699-D0B7278B09DD}" presName="levelTx" presStyleLbl="revTx" presStyleIdx="0" presStyleCnt="0">
-        <dgm:presLayoutVars>
-          <dgm:chMax val="1"/>
-          <dgm:bulletEnabled val="1"/>
-        </dgm:presLayoutVars>
-      </dgm:prSet>
-      <dgm:spPr/>
-    </dgm:pt>
-  </dgm:ptLst>
-  <dgm:cxnLst>
-    <dgm:cxn modelId="{7DA70216-1669-4D59-99EB-4D646859154C}" type="presOf" srcId="{8FD1A30D-F1A5-4AFA-B699-D0B7278B09DD}" destId="{E39D7FAC-DA54-4A59-BCD4-1E8605024CA4}" srcOrd="0" destOrd="0" presId="urn:microsoft.com/office/officeart/2005/8/layout/pyramid3"/>
-    <dgm:cxn modelId="{1E922340-A119-4294-8A8B-D9EBDA289C83}" type="presOf" srcId="{398764D8-0968-4B23-80ED-61BBB3780E42}" destId="{F265D81F-952A-407E-8AAA-3A8DF53AF049}" srcOrd="1" destOrd="0" presId="urn:microsoft.com/office/officeart/2005/8/layout/pyramid3"/>
-    <dgm:cxn modelId="{1F258F71-6E11-4C88-A159-4CF513202C28}" type="presOf" srcId="{B694BE01-97D2-4DE1-9EC6-1BA9B9BED91F}" destId="{58104358-247E-4F30-B799-95D9B46B9464}" srcOrd="0" destOrd="0" presId="urn:microsoft.com/office/officeart/2005/8/layout/pyramid3"/>
-    <dgm:cxn modelId="{FDDD5B57-1565-44FE-870B-069F0B107385}" type="presOf" srcId="{398764D8-0968-4B23-80ED-61BBB3780E42}" destId="{E1BEEA0B-8D0C-4D8D-8299-CF2E7B557571}" srcOrd="0" destOrd="0" presId="urn:microsoft.com/office/officeart/2005/8/layout/pyramid3"/>
-    <dgm:cxn modelId="{55D98E58-0E33-469F-BDA2-3E7EEF846AF7}" type="presOf" srcId="{446D11A1-C1E2-4A95-B296-7B3B17ABAFAC}" destId="{36238243-4967-4EC1-A630-511AC85A313F}" srcOrd="0" destOrd="0" presId="urn:microsoft.com/office/officeart/2005/8/layout/pyramid3"/>
-    <dgm:cxn modelId="{5703A48C-DF86-4B80-80F2-4BC891D8B23A}" type="presOf" srcId="{8FD1A30D-F1A5-4AFA-B699-D0B7278B09DD}" destId="{B234428F-56DD-4D0E-A17B-247CED506712}" srcOrd="1" destOrd="0" presId="urn:microsoft.com/office/officeart/2005/8/layout/pyramid3"/>
-    <dgm:cxn modelId="{4A4E8EA1-9207-43F1-B005-D658523576F5}" srcId="{B694BE01-97D2-4DE1-9EC6-1BA9B9BED91F}" destId="{398764D8-0968-4B23-80ED-61BBB3780E42}" srcOrd="0" destOrd="0" parTransId="{61496E17-707E-41B6-BDA9-D0DB62D5C319}" sibTransId="{762ADA38-E138-41B1-95F0-4A5486AE8F46}"/>
-    <dgm:cxn modelId="{8299E8E1-06D2-49C8-B942-D1796A4BFEA5}" type="presOf" srcId="{446D11A1-C1E2-4A95-B296-7B3B17ABAFAC}" destId="{22A44E1A-5DD7-4AE0-AEDD-DC85797C6561}" srcOrd="1" destOrd="0" presId="urn:microsoft.com/office/officeart/2005/8/layout/pyramid3"/>
-    <dgm:cxn modelId="{7A7573FC-44E8-4BCB-A4D2-137796164D1F}" srcId="{B694BE01-97D2-4DE1-9EC6-1BA9B9BED91F}" destId="{446D11A1-C1E2-4A95-B296-7B3B17ABAFAC}" srcOrd="1" destOrd="0" parTransId="{B102ED55-4932-4979-98B7-5CF23E8F24DE}" sibTransId="{E5A4DA9C-4113-4F02-BC7D-1645EC9813E8}"/>
-    <dgm:cxn modelId="{999E17FE-0CA0-44FE-99F6-4A7F017E3C95}" srcId="{B694BE01-97D2-4DE1-9EC6-1BA9B9BED91F}" destId="{8FD1A30D-F1A5-4AFA-B699-D0B7278B09DD}" srcOrd="2" destOrd="0" parTransId="{A70AD628-5716-4802-B62D-7C05F914D4BA}" sibTransId="{45238060-428C-4F47-B8CB-64B67849051B}"/>
-    <dgm:cxn modelId="{129DEF8A-7737-4359-8885-B2805C2AA6DC}" type="presParOf" srcId="{58104358-247E-4F30-B799-95D9B46B9464}" destId="{8A06B4FA-391D-4C89-96BB-16BB5B264E42}" srcOrd="0" destOrd="0" presId="urn:microsoft.com/office/officeart/2005/8/layout/pyramid3"/>
-    <dgm:cxn modelId="{813E090B-CA1E-4174-8D27-3E6B087F7F3A}" type="presParOf" srcId="{8A06B4FA-391D-4C89-96BB-16BB5B264E42}" destId="{E1BEEA0B-8D0C-4D8D-8299-CF2E7B557571}" srcOrd="0" destOrd="0" presId="urn:microsoft.com/office/officeart/2005/8/layout/pyramid3"/>
-    <dgm:cxn modelId="{F4AEA867-FBE2-4CF3-B1C2-0F94321AA22A}" type="presParOf" srcId="{8A06B4FA-391D-4C89-96BB-16BB5B264E42}" destId="{F265D81F-952A-407E-8AAA-3A8DF53AF049}" srcOrd="1" destOrd="0" presId="urn:microsoft.com/office/officeart/2005/8/layout/pyramid3"/>
-    <dgm:cxn modelId="{48A8B298-7204-4363-A4B5-4E5435396215}" type="presParOf" srcId="{58104358-247E-4F30-B799-95D9B46B9464}" destId="{361559B3-065D-4436-93B0-C6BBC54CCB12}" srcOrd="1" destOrd="0" presId="urn:microsoft.com/office/officeart/2005/8/layout/pyramid3"/>
-    <dgm:cxn modelId="{FD512D57-8EAA-413C-9EE2-DBF29F9228EB}" type="presParOf" srcId="{361559B3-065D-4436-93B0-C6BBC54CCB12}" destId="{36238243-4967-4EC1-A630-511AC85A313F}" srcOrd="0" destOrd="0" presId="urn:microsoft.com/office/officeart/2005/8/layout/pyramid3"/>
-    <dgm:cxn modelId="{AAB359BF-A6D9-4249-976D-E58BF2B446C7}" type="presParOf" srcId="{361559B3-065D-4436-93B0-C6BBC54CCB12}" destId="{22A44E1A-5DD7-4AE0-AEDD-DC85797C6561}" srcOrd="1" destOrd="0" presId="urn:microsoft.com/office/officeart/2005/8/layout/pyramid3"/>
-    <dgm:cxn modelId="{0E93E62B-9819-4147-9579-39526D596A5D}" type="presParOf" srcId="{58104358-247E-4F30-B799-95D9B46B9464}" destId="{26F3EB86-6DD1-482D-97B3-7A3CDA3F4298}" srcOrd="2" destOrd="0" presId="urn:microsoft.com/office/officeart/2005/8/layout/pyramid3"/>
-    <dgm:cxn modelId="{48C7EA0E-CE92-41EC-8670-B97B9F00F8A5}" type="presParOf" srcId="{26F3EB86-6DD1-482D-97B3-7A3CDA3F4298}" destId="{E39D7FAC-DA54-4A59-BCD4-1E8605024CA4}" srcOrd="0" destOrd="0" presId="urn:microsoft.com/office/officeart/2005/8/layout/pyramid3"/>
-    <dgm:cxn modelId="{C77CE395-5FA7-48D3-9F7A-BAED152529B8}" type="presParOf" srcId="{26F3EB86-6DD1-482D-97B3-7A3CDA3F4298}" destId="{B234428F-56DD-4D0E-A17B-247CED506712}" srcOrd="1" destOrd="0" presId="urn:microsoft.com/office/officeart/2005/8/layout/pyramid3"/>
-  </dgm:cxnLst>
-  <dgm:bg/>
-  <dgm:whole/>
-  <dgm:extLst>
-    <a:ext uri="http://schemas.microsoft.com/office/drawing/2008/diagram">
-      <dsp:dataModelExt xmlns:dsp="http://schemas.microsoft.com/office/drawing/2008/diagram" relId="rId6" minVer="http://schemas.openxmlformats.org/drawingml/2006/diagram"/>
-    </a:ext>
-  </dgm:extLst>
-</dgm:dataModel>
-</file>
-
-<file path=ppt/diagrams/drawing1.xml><?xml version="1.0" encoding="utf-8"?>
-<dsp:drawing xmlns:dgm="http://schemas.openxmlformats.org/drawingml/2006/diagram" xmlns:dsp="http://schemas.microsoft.com/office/drawing/2008/diagram" xmlns:a="http://schemas.openxmlformats.org/drawingml/2006/main">
-  <dsp:spTree>
-    <dsp:nvGrpSpPr>
-      <dsp:cNvPr id="0" name=""/>
-      <dsp:cNvGrpSpPr/>
-    </dsp:nvGrpSpPr>
-    <dsp:grpSpPr/>
-    <dsp:sp modelId="{E1BEEA0B-8D0C-4D8D-8299-CF2E7B557571}">
-      <dsp:nvSpPr>
-        <dsp:cNvPr id="0" name=""/>
-        <dsp:cNvSpPr/>
-      </dsp:nvSpPr>
-      <dsp:spPr>
-        <a:xfrm rot="10800000">
-          <a:off x="0" y="0"/>
-          <a:ext cx="9490348" cy="1518676"/>
-        </a:xfrm>
-        <a:prstGeom prst="trapezoid">
-          <a:avLst>
-            <a:gd name="adj" fmla="val 97301"/>
-          </a:avLst>
-        </a:prstGeom>
-        <a:solidFill>
-          <a:schemeClr val="accent1">
-            <a:shade val="80000"/>
-            <a:hueOff val="0"/>
-            <a:satOff val="0"/>
-            <a:lumOff val="0"/>
-            <a:alphaOff val="0"/>
-          </a:schemeClr>
-        </a:solidFill>
-        <a:ln w="13970" cap="flat" cmpd="sng" algn="ctr">
-          <a:solidFill>
-            <a:schemeClr val="lt1">
-              <a:hueOff val="0"/>
-              <a:satOff val="0"/>
-              <a:lumOff val="0"/>
-              <a:alphaOff val="0"/>
-            </a:schemeClr>
-          </a:solidFill>
-          <a:prstDash val="solid"/>
-        </a:ln>
-        <a:effectLst/>
-      </dsp:spPr>
-      <dsp:style>
-        <a:lnRef idx="2">
-          <a:scrgbClr r="0" g="0" b="0"/>
-        </a:lnRef>
-        <a:fillRef idx="1">
-          <a:scrgbClr r="0" g="0" b="0"/>
-        </a:fillRef>
-        <a:effectRef idx="0">
-          <a:scrgbClr r="0" g="0" b="0"/>
-        </a:effectRef>
-        <a:fontRef idx="minor">
-          <a:schemeClr val="lt1"/>
-        </a:fontRef>
-      </dsp:style>
-      <dsp:txBody>
-        <a:bodyPr spcFirstLastPara="0" vert="horz" wrap="square" lIns="31750" tIns="31750" rIns="31750" bIns="31750" numCol="1" spcCol="1270" anchor="ctr" anchorCtr="0">
-          <a:noAutofit/>
-        </a:bodyPr>
-        <a:lstStyle/>
-        <a:p>
-          <a:pPr marL="0" lvl="0" indent="0" algn="ctr" defTabSz="1111250">
-            <a:lnSpc>
-              <a:spcPct val="90000"/>
-            </a:lnSpc>
-            <a:spcBef>
-              <a:spcPct val="0"/>
-            </a:spcBef>
-            <a:spcAft>
-              <a:spcPct val="35000"/>
-            </a:spcAft>
-            <a:buNone/>
-          </a:pPr>
-          <a:r>
-            <a:rPr lang="mk-MK" sz="2500" b="1" kern="1200"/>
-            <a:t>Дизајн и активности за планот за напредок</a:t>
-          </a:r>
-          <a:endParaRPr lang="en-US" sz="2500" b="1" kern="1200"/>
-        </a:p>
-        <a:p>
-          <a:pPr marL="0" lvl="0" indent="0" algn="ctr" defTabSz="1111250">
-            <a:lnSpc>
-              <a:spcPct val="90000"/>
-            </a:lnSpc>
-            <a:spcBef>
-              <a:spcPct val="0"/>
-            </a:spcBef>
-            <a:spcAft>
-              <a:spcPct val="35000"/>
-            </a:spcAft>
-            <a:buNone/>
-          </a:pPr>
-          <a:r>
-            <a:rPr lang="mk-MK" sz="1400" b="1" kern="1200"/>
-            <a:t>Содржина и дизајн низ дијагностицираните групи</a:t>
-          </a:r>
-          <a:endParaRPr lang="da-DK" sz="1400" b="1" kern="1200"/>
-        </a:p>
-      </dsp:txBody>
-      <dsp:txXfrm rot="-10800000">
-        <a:off x="1660811" y="0"/>
-        <a:ext cx="6168726" cy="1518676"/>
-      </dsp:txXfrm>
-    </dsp:sp>
-    <dsp:sp modelId="{36238243-4967-4EC1-A630-511AC85A313F}">
-      <dsp:nvSpPr>
-        <dsp:cNvPr id="0" name=""/>
-        <dsp:cNvSpPr/>
-      </dsp:nvSpPr>
-      <dsp:spPr>
-        <a:xfrm rot="10800000">
-          <a:off x="1477687" y="1518676"/>
-          <a:ext cx="6534974" cy="1288718"/>
-        </a:xfrm>
-        <a:prstGeom prst="trapezoid">
-          <a:avLst>
-            <a:gd name="adj" fmla="val 97301"/>
-          </a:avLst>
-        </a:prstGeom>
-        <a:solidFill>
-          <a:schemeClr val="accent1">
-            <a:shade val="80000"/>
-            <a:hueOff val="128776"/>
-            <a:satOff val="-18575"/>
-            <a:lumOff val="16593"/>
-            <a:alphaOff val="0"/>
-          </a:schemeClr>
-        </a:solidFill>
-        <a:ln w="13970" cap="flat" cmpd="sng" algn="ctr">
-          <a:solidFill>
-            <a:schemeClr val="lt1">
-              <a:hueOff val="0"/>
-              <a:satOff val="0"/>
-              <a:lumOff val="0"/>
-              <a:alphaOff val="0"/>
-            </a:schemeClr>
-          </a:solidFill>
-          <a:prstDash val="solid"/>
-        </a:ln>
-        <a:effectLst/>
-      </dsp:spPr>
-      <dsp:style>
-        <a:lnRef idx="2">
-          <a:scrgbClr r="0" g="0" b="0"/>
-        </a:lnRef>
-        <a:fillRef idx="1">
-          <a:scrgbClr r="0" g="0" b="0"/>
-        </a:fillRef>
-        <a:effectRef idx="0">
-          <a:scrgbClr r="0" g="0" b="0"/>
-        </a:effectRef>
-        <a:fontRef idx="minor">
-          <a:schemeClr val="lt1"/>
-        </a:fontRef>
-      </dsp:style>
-      <dsp:txBody>
-        <a:bodyPr spcFirstLastPara="0" vert="horz" wrap="square" lIns="20320" tIns="20320" rIns="20320" bIns="20320" numCol="1" spcCol="1270" anchor="ctr" anchorCtr="0">
-          <a:noAutofit/>
-        </a:bodyPr>
-        <a:lstStyle/>
-        <a:p>
-          <a:pPr marL="0" lvl="0" indent="0" algn="ctr" defTabSz="711200">
-            <a:lnSpc>
-              <a:spcPct val="90000"/>
-            </a:lnSpc>
-            <a:spcBef>
-              <a:spcPct val="0"/>
-            </a:spcBef>
-            <a:spcAft>
-              <a:spcPct val="35000"/>
-            </a:spcAft>
-            <a:buNone/>
-          </a:pPr>
-          <a:r>
-            <a:rPr lang="mk-MK" sz="1600" b="1" kern="1200" dirty="0"/>
-            <a:t>Насоки за планирање на напредокот</a:t>
-          </a:r>
-          <a:endParaRPr lang="da-DK" sz="1600" b="1" kern="1200" dirty="0"/>
-        </a:p>
-        <a:p>
-          <a:pPr marL="0" lvl="0" indent="0" algn="ctr" defTabSz="711200">
-            <a:lnSpc>
-              <a:spcPct val="90000"/>
-            </a:lnSpc>
-            <a:spcBef>
-              <a:spcPct val="0"/>
-            </a:spcBef>
-            <a:spcAft>
-              <a:spcPct val="35000"/>
-            </a:spcAft>
-            <a:buNone/>
-          </a:pPr>
-          <a:r>
-            <a:rPr lang="mk-MK" sz="1200" b="0" kern="1200" dirty="0"/>
-            <a:t>Специфична содржина базирана на професионални препораки и земање во обзир на желбите на пациентот</a:t>
-          </a:r>
-          <a:endParaRPr lang="da-DK" sz="1200" b="0" kern="1200" dirty="0"/>
-        </a:p>
-      </dsp:txBody>
-      <dsp:txXfrm rot="-10800000">
-        <a:off x="2621307" y="1518676"/>
-        <a:ext cx="4247733" cy="1288718"/>
-      </dsp:txXfrm>
-    </dsp:sp>
-    <dsp:sp modelId="{E39D7FAC-DA54-4A59-BCD4-1E8605024CA4}">
-      <dsp:nvSpPr>
-        <dsp:cNvPr id="0" name=""/>
-        <dsp:cNvSpPr/>
-      </dsp:nvSpPr>
-      <dsp:spPr>
-        <a:xfrm rot="10800000">
-          <a:off x="2731623" y="2807394"/>
-          <a:ext cx="4027102" cy="2069405"/>
-        </a:xfrm>
-        <a:prstGeom prst="trapezoid">
-          <a:avLst>
-            <a:gd name="adj" fmla="val 97301"/>
-          </a:avLst>
-        </a:prstGeom>
-        <a:solidFill>
-          <a:schemeClr val="accent1">
-            <a:shade val="80000"/>
-            <a:hueOff val="257552"/>
-            <a:satOff val="-37150"/>
-            <a:lumOff val="33185"/>
-            <a:alphaOff val="0"/>
-          </a:schemeClr>
-        </a:solidFill>
-        <a:ln w="13970" cap="flat" cmpd="sng" algn="ctr">
-          <a:solidFill>
-            <a:schemeClr val="lt1">
-              <a:hueOff val="0"/>
-              <a:satOff val="0"/>
-              <a:lumOff val="0"/>
-              <a:alphaOff val="0"/>
-            </a:schemeClr>
-          </a:solidFill>
-          <a:prstDash val="solid"/>
-        </a:ln>
-        <a:effectLst/>
-      </dsp:spPr>
-      <dsp:style>
-        <a:lnRef idx="2">
-          <a:scrgbClr r="0" g="0" b="0"/>
-        </a:lnRef>
-        <a:fillRef idx="1">
-          <a:scrgbClr r="0" g="0" b="0"/>
-        </a:fillRef>
-        <a:effectRef idx="0">
-          <a:scrgbClr r="0" g="0" b="0"/>
-        </a:effectRef>
-        <a:fontRef idx="minor">
-          <a:schemeClr val="lt1"/>
-        </a:fontRef>
-      </dsp:style>
-      <dsp:txBody>
-        <a:bodyPr spcFirstLastPara="0" vert="horz" wrap="square" lIns="0" tIns="0" rIns="17780" bIns="822960" numCol="1" spcCol="1270" anchor="ctr" anchorCtr="0">
-          <a:noAutofit/>
-        </a:bodyPr>
-        <a:lstStyle/>
-        <a:p>
-          <a:pPr marL="0" lvl="0" indent="0" algn="ctr" defTabSz="622300">
-            <a:lnSpc>
-              <a:spcPct val="90000"/>
-            </a:lnSpc>
-            <a:spcBef>
-              <a:spcPct val="0"/>
-            </a:spcBef>
-            <a:spcAft>
-              <a:spcPct val="35000"/>
-            </a:spcAft>
-            <a:buNone/>
-          </a:pPr>
-          <a:r>
-            <a:rPr lang="mk-MK" sz="1400" b="1" kern="1200" dirty="0"/>
-            <a:t>Индивидуален план за напредок</a:t>
-          </a:r>
-          <a:endParaRPr lang="da-DK" sz="1400" b="1" kern="1200" dirty="0"/>
-        </a:p>
-        <a:p>
-          <a:pPr marL="0" lvl="0" indent="0" algn="ctr" defTabSz="622300">
-            <a:lnSpc>
-              <a:spcPct val="90000"/>
-            </a:lnSpc>
-            <a:spcBef>
-              <a:spcPct val="0"/>
-            </a:spcBef>
-            <a:spcAft>
-              <a:spcPct val="35000"/>
-            </a:spcAft>
-            <a:buNone/>
-          </a:pPr>
-          <a:r>
-            <a:rPr lang="mk-MK" sz="1200" kern="1200" dirty="0"/>
-            <a:t>Комплетиран</a:t>
-          </a:r>
-          <a:r>
-            <a:rPr lang="en-US" sz="1200" kern="1200" dirty="0"/>
-            <a:t> </a:t>
-          </a:r>
-          <a:br>
-            <a:rPr lang="en-US" sz="1200" kern="1200" dirty="0"/>
-          </a:br>
-          <a:r>
-            <a:rPr lang="mk-MK" sz="1200" kern="1200" dirty="0"/>
-            <a:t>од лекарот</a:t>
-          </a:r>
-          <a:endParaRPr lang="da-DK" sz="1200" kern="1200" dirty="0"/>
-        </a:p>
-      </dsp:txBody>
-      <dsp:txXfrm rot="-10800000">
-        <a:off x="2731623" y="2807394"/>
-        <a:ext cx="4027102" cy="2069405"/>
-      </dsp:txXfrm>
-    </dsp:sp>
-  </dsp:spTree>
-</dsp:drawing>
-</file>
-
-<file path=ppt/diagrams/layout1.xml><?xml version="1.0" encoding="utf-8"?>
-<dgm:layoutDef xmlns:dgm="http://schemas.openxmlformats.org/drawingml/2006/diagram" xmlns:a="http://schemas.openxmlformats.org/drawingml/2006/main" uniqueId="urn:microsoft.com/office/officeart/2005/8/layout/pyramid3">
-  <dgm:title val=""/>
-  <dgm:desc val=""/>
-  <dgm:catLst>
-    <dgm:cat type="pyramid" pri="2000"/>
-  </dgm:catLst>
-  <dgm:sampData useDef="1">
-    <dgm:dataModel>
-      <dgm:ptLst/>
-      <dgm:bg/>
-      <dgm:whole/>
-    </dgm:dataModel>
-  </dgm:sampData>
-  <dgm:styleData>
-    <dgm:dataModel>
-      <dgm:ptLst>
-        <dgm:pt modelId="0" type="doc"/>
-        <dgm:pt modelId="1"/>
-        <dgm:pt modelId="2"/>
-      </dgm:ptLst>
-      <dgm:cxnLst>
-        <dgm:cxn modelId="3" srcId="0" destId="1" srcOrd="0" destOrd="0"/>
-        <dgm:cxn modelId="4" srcId="0" destId="2" srcOrd="1" destOrd="0"/>
-      </dgm:cxnLst>
-      <dgm:bg/>
-      <dgm:whole/>
-    </dgm:dataModel>
-  </dgm:styleData>
-  <dgm:clrData>
-    <dgm:dataModel>
-      <dgm:ptLst>
-        <dgm:pt modelId="0" type="doc"/>
-        <dgm:pt modelId="1"/>
-        <dgm:pt modelId="2"/>
-        <dgm:pt modelId="3"/>
-        <dgm:pt modelId="4"/>
-      </dgm:ptLst>
-      <dgm:cxnLst>
-        <dgm:cxn modelId="5" srcId="0" destId="1" srcOrd="0" destOrd="0"/>
-        <dgm:cxn modelId="6" srcId="0" destId="2" srcOrd="1" destOrd="0"/>
-        <dgm:cxn modelId="7" srcId="0" destId="3" srcOrd="2" destOrd="0"/>
-        <dgm:cxn modelId="8" srcId="0" destId="4" srcOrd="3" destOrd="0"/>
-      </dgm:cxnLst>
-      <dgm:bg/>
-      <dgm:whole/>
-    </dgm:dataModel>
-  </dgm:clrData>
-  <dgm:layoutNode name="Name0">
-    <dgm:varLst>
-      <dgm:dir/>
-      <dgm:animLvl val="lvl"/>
-      <dgm:resizeHandles val="exact"/>
-    </dgm:varLst>
-    <dgm:choose name="Name1">
-      <dgm:if name="Name2" func="var" arg="dir" op="equ" val="norm">
-        <dgm:alg type="pyra">
-          <dgm:param type="linDir" val="fromT"/>
-          <dgm:param type="txDir" val="fromT"/>
-          <dgm:param type="pyraAcctPos" val="aft"/>
-          <dgm:param type="pyraAcctTxMar" val="step"/>
-          <dgm:param type="pyraAcctBkgdNode" val="acctBkgd"/>
-          <dgm:param type="pyraAcctTxNode" val="acctTx"/>
-          <dgm:param type="pyraLvlNode" val="level"/>
-        </dgm:alg>
-      </dgm:if>
-      <dgm:else name="Name3">
-        <dgm:alg type="pyra">
-          <dgm:param type="linDir" val="fromT"/>
-          <dgm:param type="txDir" val="fromT"/>
-          <dgm:param type="pyraAcctPos" val="bef"/>
-          <dgm:param type="pyraAcctTxMar" val="step"/>
-          <dgm:param type="pyraAcctBkgdNode" val="acctBkgd"/>
-          <dgm:param type="pyraAcctTxNode" val="acctTx"/>
-          <dgm:param type="pyraLvlNode" val="level"/>
-        </dgm:alg>
-      </dgm:else>
-    </dgm:choose>
-    <dgm:shape xmlns:r="http://schemas.openxmlformats.org/officeDocument/2006/relationships" r:blip="">
-      <dgm:adjLst/>
-    </dgm:shape>
-    <dgm:presOf/>
-    <dgm:choose name="Name4">
-      <dgm:if name="Name5" axis="root des" ptType="all node" func="maxDepth" op="gte" val="2">
-        <dgm:constrLst>
-          <dgm:constr type="primFontSz" for="des" forName="levelTx" op="equ"/>
-          <dgm:constr type="secFontSz" for="des" forName="acctTx" op="equ"/>
-          <dgm:constr type="pyraAcctRatio" val="0.32"/>
-        </dgm:constrLst>
-      </dgm:if>
-      <dgm:else name="Name6">
-        <dgm:constrLst>
-          <dgm:constr type="primFontSz" for="des" forName="levelTx" op="equ"/>
-          <dgm:constr type="secFontSz" for="des" forName="acctTx" op="equ"/>
-          <dgm:constr type="pyraAcctRatio"/>
-        </dgm:constrLst>
-      </dgm:else>
-    </dgm:choose>
-    <dgm:ruleLst/>
-    <dgm:forEach name="Name7" axis="ch" ptType="node">
-      <dgm:layoutNode name="Name8">
-        <dgm:alg type="composite">
-          <dgm:param type="horzAlign" val="none"/>
-        </dgm:alg>
-        <dgm:shape xmlns:r="http://schemas.openxmlformats.org/officeDocument/2006/relationships" r:blip="">
-          <dgm:adjLst/>
-        </dgm:shape>
-        <dgm:presOf/>
-        <dgm:choose name="Name9">
-          <dgm:if name="Name10" axis="self" ptType="node" func="revPos" op="equ" val="1">
-            <dgm:constrLst>
-              <dgm:constr type="ctrX" for="ch" forName="acctBkgd" val="1"/>
-              <dgm:constr type="ctrY" for="ch" forName="acctBkgd" val="1"/>
-              <dgm:constr type="w" for="ch" forName="acctBkgd" val="1"/>
-              <dgm:constr type="h" for="ch" forName="acctBkgd" val="1"/>
-              <dgm:constr type="ctrX" for="ch" forName="acctTx" val="1"/>
-              <dgm:constr type="ctrY" for="ch" forName="acctTx" val="1"/>
-              <dgm:constr type="w" for="ch" forName="acctTx" val="1"/>
-              <dgm:constr type="h" for="ch" forName="acctTx" val="1"/>
-              <dgm:constr type="ctrX" for="ch" forName="level" val="1"/>
-              <dgm:constr type="ctrY" for="ch" forName="level" val="1"/>
-              <dgm:constr type="w" for="ch" forName="level" val="1"/>
-              <dgm:constr type="h" for="ch" forName="level" val="1"/>
-              <dgm:constr type="ctrX" for="ch" forName="levelTx" refType="ctrX" refFor="ch" refForName="level"/>
-              <dgm:constr type="ctrY" for="ch" forName="levelTx" refType="ctrY" refFor="ch" refForName="level"/>
-              <dgm:constr type="w" for="ch" forName="levelTx" refType="w" refFor="ch" refForName="level"/>
-              <dgm:constr type="h" for="ch" forName="levelTx" refType="h" refFor="ch" refForName="level"/>
-            </dgm:constrLst>
-          </dgm:if>
-          <dgm:else name="Name11">
-            <dgm:constrLst>
-              <dgm:constr type="ctrX" for="ch" forName="acctBkgd" val="1"/>
-              <dgm:constr type="ctrY" for="ch" forName="acctBkgd" val="1"/>
-              <dgm:constr type="w" for="ch" forName="acctBkgd" val="1"/>
-              <dgm:constr type="h" for="ch" forName="acctBkgd" val="1"/>
-              <dgm:constr type="ctrX" for="ch" forName="acctTx" val="1"/>
-              <dgm:constr type="ctrY" for="ch" forName="acctTx" val="1"/>
-              <dgm:constr type="w" for="ch" forName="acctTx" val="1"/>
-              <dgm:constr type="h" for="ch" forName="acctTx" val="1"/>
-              <dgm:constr type="ctrX" for="ch" forName="level" val="1"/>
-              <dgm:constr type="ctrY" for="ch" forName="level" val="1"/>
-              <dgm:constr type="w" for="ch" forName="level" val="1"/>
-              <dgm:constr type="h" for="ch" forName="level" val="1"/>
-              <dgm:constr type="ctrX" for="ch" forName="levelTx" refType="ctrX" refFor="ch" refForName="level"/>
-              <dgm:constr type="ctrY" for="ch" forName="levelTx" refType="ctrY" refFor="ch" refForName="level"/>
-              <dgm:constr type="w" for="ch" forName="levelTx" refType="w" refFor="ch" refForName="level" fact="0.65"/>
-              <dgm:constr type="h" for="ch" forName="levelTx" refType="h" refFor="ch" refForName="level"/>
-            </dgm:constrLst>
-          </dgm:else>
-        </dgm:choose>
-        <dgm:ruleLst/>
-        <dgm:choose name="Name12">
-          <dgm:if name="Name13" axis="ch" ptType="node" func="cnt" op="gte" val="1">
-            <dgm:layoutNode name="acctBkgd" styleLbl="alignAcc1">
-              <dgm:alg type="sp"/>
-              <dgm:shape xmlns:r="http://schemas.openxmlformats.org/officeDocument/2006/relationships" type="nonIsoscelesTrapezoid" r:blip="">
-                <dgm:adjLst/>
-              </dgm:shape>
-              <dgm:presOf axis="des" ptType="node"/>
-              <dgm:constrLst/>
-              <dgm:ruleLst/>
-            </dgm:layoutNode>
-            <dgm:layoutNode name="acctTx" styleLbl="alignAcc1">
-              <dgm:varLst>
-                <dgm:bulletEnabled val="1"/>
-              </dgm:varLst>
-              <dgm:alg type="tx">
-                <dgm:param type="stBulletLvl" val="1"/>
-                <dgm:param type="txAnchorVertCh" val="t"/>
-              </dgm:alg>
-              <dgm:shape xmlns:r="http://schemas.openxmlformats.org/officeDocument/2006/relationships" type="nonIsoscelesTrapezoid" r:blip="" hideGeom="1">
-                <dgm:adjLst/>
-              </dgm:shape>
-              <dgm:presOf axis="des" ptType="node"/>
-              <dgm:constrLst>
-                <dgm:constr type="secFontSz" val="65"/>
-                <dgm:constr type="primFontSz" refType="secFontSz"/>
-                <dgm:constr type="tMarg" refType="secFontSz" fact="0.3"/>
-                <dgm:constr type="bMarg" refType="secFontSz" fact="0.3"/>
-                <dgm:constr type="lMarg" refType="secFontSz" fact="0.3"/>
-                <dgm:constr type="rMarg" refType="secFontSz" fact="0.3"/>
-              </dgm:constrLst>
-              <dgm:ruleLst>
-                <dgm:rule type="secFontSz" val="5" fact="NaN" max="NaN"/>
-              </dgm:ruleLst>
-            </dgm:layoutNode>
-          </dgm:if>
-          <dgm:else name="Name14"/>
-        </dgm:choose>
-        <dgm:layoutNode name="level">
-          <dgm:varLst>
-            <dgm:chMax val="1"/>
-            <dgm:bulletEnabled val="1"/>
-          </dgm:varLst>
-          <dgm:alg type="sp"/>
-          <dgm:shape xmlns:r="http://schemas.openxmlformats.org/officeDocument/2006/relationships" type="trapezoid" r:blip="">
-            <dgm:adjLst/>
-          </dgm:shape>
-          <dgm:presOf axis="self"/>
-          <dgm:constrLst>
-            <dgm:constr type="h" val="500"/>
-            <dgm:constr type="w" val="1"/>
-          </dgm:constrLst>
-          <dgm:ruleLst/>
-        </dgm:layoutNode>
-        <dgm:layoutNode name="levelTx" styleLbl="revTx">
-          <dgm:varLst>
-            <dgm:chMax val="1"/>
-            <dgm:bulletEnabled val="1"/>
-          </dgm:varLst>
-          <dgm:alg type="tx"/>
-          <dgm:shape xmlns:r="http://schemas.openxmlformats.org/officeDocument/2006/relationships" type="rect" r:blip="" hideGeom="1">
-            <dgm:adjLst/>
-          </dgm:shape>
-          <dgm:presOf axis="self"/>
-          <dgm:constrLst>
-            <dgm:constr type="tMarg" refType="primFontSz" fact="0.1"/>
-            <dgm:constr type="bMarg" refType="primFontSz" fact="0.1"/>
-            <dgm:constr type="lMarg" refType="primFontSz" fact="0.1"/>
-            <dgm:constr type="rMarg" refType="primFontSz" fact="0.1"/>
-            <dgm:constr type="primFontSz" val="65"/>
-          </dgm:constrLst>
-          <dgm:ruleLst>
-            <dgm:rule type="primFontSz" val="5" fact="NaN" max="NaN"/>
-          </dgm:ruleLst>
-        </dgm:layoutNode>
-      </dgm:layoutNode>
-    </dgm:forEach>
-  </dgm:layoutNode>
-</dgm:layoutDef>
-</file>
-
-<file path=ppt/diagrams/quickStyle1.xml><?xml version="1.0" encoding="utf-8"?>
-<dgm:styleDef xmlns:dgm="http://schemas.openxmlformats.org/drawingml/2006/diagram" xmlns:a="http://schemas.openxmlformats.org/drawingml/2006/main" uniqueId="urn:microsoft.com/office/officeart/2005/8/quickstyle/simple1">
-  <dgm:title val=""/>
-  <dgm:desc val=""/>
-  <dgm:catLst>
-    <dgm:cat type="simple" pri="10100"/>
-  </dgm:catLst>
-  <dgm:scene3d>
-    <a:camera prst="orthographicFront"/>
-    <a:lightRig rig="threePt" dir="t"/>
-  </dgm:scene3d>
-  <dgm:styleLbl name="node0">
-    <dgm:scene3d>
-      <a:camera prst="orthographicFront"/>
-      <a:lightRig rig="threePt" dir="t"/>
-    </dgm:scene3d>
-    <dgm:sp3d/>
-    <dgm:txPr/>
-    <dgm:style>
-      <a:lnRef idx="2">
-        <a:scrgbClr r="0" g="0" b="0"/>
-      </a:lnRef>
-      <a:fillRef idx="1">
-        <a:scrgbClr r="0" g="0" b="0"/>
-      </a:fillRef>
-      <a:effectRef idx="0">
-        <a:scrgbClr r="0" g="0" b="0"/>
-      </a:effectRef>
-      <a:fontRef idx="minor">
-        <a:schemeClr val="lt1"/>
-      </a:fontRef>
-    </dgm:style>
-  </dgm:styleLbl>
-  <dgm:styleLbl name="lnNode1">
-    <dgm:scene3d>
-      <a:camera prst="orthographicFront"/>
-      <a:lightRig rig="threePt" dir="t"/>
-    </dgm:scene3d>
-    <dgm:sp3d/>
-    <dgm:txPr/>
-    <dgm:style>
-      <a:lnRef idx="2">
-        <a:scrgbClr r="0" g="0" b="0"/>
-      </a:lnRef>
-      <a:fillRef idx="1">
-        <a:scrgbClr r="0" g="0" b="0"/>
-      </a:fillRef>
-      <a:effectRef idx="0">
-        <a:scrgbClr r="0" g="0" b="0"/>
-      </a:effectRef>
-      <a:fontRef idx="minor">
-        <a:schemeClr val="lt1"/>
-      </a:fontRef>
-    </dgm:style>
-  </dgm:styleLbl>
-  <dgm:styleLbl name="vennNode1">
-    <dgm:scene3d>
-      <a:camera prst="orthographicFront"/>
-      <a:lightRig rig="threePt" dir="t"/>
-    </dgm:scene3d>
-    <dgm:sp3d/>
-    <dgm:txPr/>
-    <dgm:style>
-      <a:lnRef idx="2">
-        <a:scrgbClr r="0" g="0" b="0"/>
-      </a:lnRef>
-      <a:fillRef idx="1">
-        <a:scrgbClr r="0" g="0" b="0"/>
-      </a:fillRef>
-      <a:effectRef idx="0">
-        <a:scrgbClr r="0" g="0" b="0"/>
-      </a:effectRef>
-      <a:fontRef idx="minor">
-        <a:schemeClr val="tx1"/>
-      </a:fontRef>
-    </dgm:style>
-  </dgm:styleLbl>
-  <dgm:styleLbl name="alignNode1">
-    <dgm:scene3d>
-      <a:camera prst="orthographicFront"/>
-      <a:lightRig rig="threePt" dir="t"/>
-    </dgm:scene3d>
-    <dgm:sp3d/>
-    <dgm:txPr/>
-    <dgm:style>
-      <a:lnRef idx="2">
-        <a:scrgbClr r="0" g="0" b="0"/>
-      </a:lnRef>
-      <a:fillRef idx="1">
-        <a:scrgbClr r="0" g="0" b="0"/>
-      </a:fillRef>
-      <a:effectRef idx="0">
-        <a:scrgbClr r="0" g="0" b="0"/>
-      </a:effectRef>
-      <a:fontRef idx="minor">
-        <a:schemeClr val="lt1"/>
-      </a:fontRef>
-    </dgm:style>
-  </dgm:styleLbl>
-  <dgm:styleLbl name="node1">
-    <dgm:scene3d>
-      <a:camera prst="orthographicFront"/>
-      <a:lightRig rig="threePt" dir="t"/>
-    </dgm:scene3d>
-    <dgm:sp3d/>
-    <dgm:txPr/>
-    <dgm:style>
-      <a:lnRef idx="2">
-        <a:scrgbClr r="0" g="0" b="0"/>
-      </a:lnRef>
-      <a:fillRef idx="1">
-        <a:scrgbClr r="0" g="0" b="0"/>
-      </a:fillRef>
-      <a:effectRef idx="0">
-        <a:scrgbClr r="0" g="0" b="0"/>
-      </a:effectRef>
-      <a:fontRef idx="minor">
-        <a:schemeClr val="lt1"/>
-      </a:fontRef>
-    </dgm:style>
-  </dgm:styleLbl>
-  <dgm:styleLbl name="node2">
-    <dgm:scene3d>
-      <a:camera prst="orthographicFront"/>
-      <a:lightRig rig="threePt" dir="t"/>
-    </dgm:scene3d>
-    <dgm:sp3d/>
-    <dgm:txPr/>
-    <dgm:style>
-      <a:lnRef idx="2">
-        <a:scrgbClr r="0" g="0" b="0"/>
-      </a:lnRef>
-      <a:fillRef idx="1">
-        <a:scrgbClr r="0" g="0" b="0"/>
-      </a:fillRef>
-      <a:effectRef idx="0">
-        <a:scrgbClr r="0" g="0" b="0"/>
-      </a:effectRef>
-      <a:fontRef idx="minor">
-        <a:schemeClr val="lt1"/>
-      </a:fontRef>
-    </dgm:style>
-  </dgm:styleLbl>
-  <dgm:styleLbl name="node3">
-    <dgm:scene3d>
-      <a:camera prst="orthographicFront"/>
-      <a:lightRig rig="threePt" dir="t"/>
-    </dgm:scene3d>
-    <dgm:sp3d/>
-    <dgm:txPr/>
-    <dgm:style>
-      <a:lnRef idx="2">
-        <a:scrgbClr r="0" g="0" b="0"/>
-      </a:lnRef>
-      <a:fillRef idx="1">
-        <a:scrgbClr r="0" g="0" b="0"/>
-      </a:fillRef>
-      <a:effectRef idx="0">
-        <a:scrgbClr r="0" g="0" b="0"/>
-      </a:effectRef>
-      <a:fontRef idx="minor">
-        <a:schemeClr val="lt1"/>
-      </a:fontRef>
-    </dgm:style>
-  </dgm:styleLbl>
-  <dgm:styleLbl name="node4">
-    <dgm:scene3d>
-      <a:camera prst="orthographicFront"/>
-      <a:lightRig rig="threePt" dir="t"/>
-    </dgm:scene3d>
-    <dgm:sp3d/>
-    <dgm:txPr/>
-    <dgm:style>
-      <a:lnRef idx="2">
-        <a:scrgbClr r="0" g="0" b="0"/>
-      </a:lnRef>
-      <a:fillRef idx="1">
-        <a:scrgbClr r="0" g="0" b="0"/>
-      </a:fillRef>
-      <a:effectRef idx="0">
-        <a:scrgbClr r="0" g="0" b="0"/>
-      </a:effectRef>
-      <a:fontRef idx="minor">
-        <a:schemeClr val="lt1"/>
-      </a:fontRef>
-    </dgm:style>
-  </dgm:styleLbl>
-  <dgm:styleLbl name="fgImgPlace1">
-    <dgm:scene3d>
-      <a:camera prst="orthographicFront"/>
-      <a:lightRig rig="threePt" dir="t"/>
-    </dgm:scene3d>
-    <dgm:sp3d/>
-    <dgm:txPr/>
-    <dgm:style>
-      <a:lnRef idx="2">
-        <a:scrgbClr r="0" g="0" b="0"/>
-      </a:lnRef>
-      <a:fillRef idx="1">
-        <a:scrgbClr r="0" g="0" b="0"/>
-      </a:fillRef>
-      <a:effectRef idx="0">
-        <a:scrgbClr r="0" g="0" b="0"/>
-      </a:effectRef>
-      <a:fontRef idx="minor"/>
-    </dgm:style>
-  </dgm:styleLbl>
-  <dgm:styleLbl name="alignImgPlace1">
-    <dgm:scene3d>
-      <a:camera prst="orthographicFront"/>
-      <a:lightRig rig="threePt" dir="t"/>
-    </dgm:scene3d>
-    <dgm:sp3d/>
-    <dgm:txPr/>
-    <dgm:style>
-      <a:lnRef idx="2">
-        <a:scrgbClr r="0" g="0" b="0"/>
-      </a:lnRef>
-      <a:fillRef idx="1">
-        <a:scrgbClr r="0" g="0" b="0"/>
-      </a:fillRef>
-      <a:effectRef idx="0">
-        <a:scrgbClr r="0" g="0" b="0"/>
-      </a:effectRef>
-      <a:fontRef idx="minor"/>
-    </dgm:style>
-  </dgm:styleLbl>
-  <dgm:styleLbl name="bgImgPlace1">
-    <dgm:scene3d>
-      <a:camera prst="orthographicFront"/>
-      <a:lightRig rig="threePt" dir="t"/>
-    </dgm:scene3d>
-    <dgm:sp3d/>
-    <dgm:txPr/>
-    <dgm:style>
-      <a:lnRef idx="2">
-        <a:scrgbClr r="0" g="0" b="0"/>
-      </a:lnRef>
-      <a:fillRef idx="1">
-        <a:scrgbClr r="0" g="0" b="0"/>
-      </a:fillRef>
-      <a:effectRef idx="0">
-        <a:scrgbClr r="0" g="0" b="0"/>
-      </a:effectRef>
-      <a:fontRef idx="minor"/>
-    </dgm:style>
-  </dgm:styleLbl>
-  <dgm:styleLbl name="sibTrans2D1">
-    <dgm:scene3d>
-      <a:camera prst="orthographicFront"/>
-      <a:lightRig rig="threePt" dir="t"/>
-    </dgm:scene3d>
-    <dgm:sp3d/>
-    <dgm:txPr/>
-    <dgm:style>
-      <a:lnRef idx="0">
-        <a:scrgbClr r="0" g="0" b="0"/>
-      </a:lnRef>
-      <a:fillRef idx="1">
-        <a:scrgbClr r="0" g="0" b="0"/>
-      </a:fillRef>
-      <a:effectRef idx="0">
-        <a:scrgbClr r="0" g="0" b="0"/>
-      </a:effectRef>
-      <a:fontRef idx="minor">
-        <a:schemeClr val="lt1"/>
-      </a:fontRef>
-    </dgm:style>
-  </dgm:styleLbl>
-  <dgm:styleLbl name="fgSibTrans2D1">
-    <dgm:scene3d>
-      <a:camera prst="orthographicFront"/>
-      <a:lightRig rig="threePt" dir="t"/>
-    </dgm:scene3d>
-    <dgm:sp3d/>
-    <dgm:txPr/>
-    <dgm:style>
-      <a:lnRef idx="0">
-        <a:scrgbClr r="0" g="0" b="0"/>
-      </a:lnRef>
-      <a:fillRef idx="1">
-        <a:scrgbClr r="0" g="0" b="0"/>
-      </a:fillRef>
-      <a:effectRef idx="0">
-        <a:scrgbClr r="0" g="0" b="0"/>
-      </a:effectRef>
-      <a:fontRef idx="minor">
-        <a:schemeClr val="lt1"/>
-      </a:fontRef>
-    </dgm:style>
-  </dgm:styleLbl>
-  <dgm:styleLbl name="bgSibTrans2D1">
-    <dgm:scene3d>
-      <a:camera prst="orthographicFront"/>
-      <a:lightRig rig="threePt" dir="t"/>
-    </dgm:scene3d>
-    <dgm:sp3d/>
-    <dgm:txPr/>
-    <dgm:style>
-      <a:lnRef idx="0">
-        <a:scrgbClr r="0" g="0" b="0"/>
-      </a:lnRef>
-      <a:fillRef idx="1">
-        <a:scrgbClr r="0" g="0" b="0"/>
-      </a:fillRef>
-      <a:effectRef idx="0">
-        <a:scrgbClr r="0" g="0" b="0"/>
-      </a:effectRef>
-      <a:fontRef idx="minor">
-        <a:schemeClr val="lt1"/>
-      </a:fontRef>
-    </dgm:style>
-  </dgm:styleLbl>
-  <dgm:styleLbl name="sibTrans1D1">
-    <dgm:scene3d>
-      <a:camera prst="orthographicFront"/>
-      <a:lightRig rig="threePt" dir="t"/>
-    </dgm:scene3d>
-    <dgm:sp3d/>
-    <dgm:txPr/>
-    <dgm:style>
-      <a:lnRef idx="1">
-        <a:scrgbClr r="0" g="0" b="0"/>
-      </a:lnRef>
-      <a:fillRef idx="0">
-        <a:scrgbClr r="0" g="0" b="0"/>
-      </a:fillRef>
-      <a:effectRef idx="0">
-        <a:scrgbClr r="0" g="0" b="0"/>
-      </a:effectRef>
-      <a:fontRef idx="minor"/>
-    </dgm:style>
-  </dgm:styleLbl>
-  <dgm:styleLbl name="callout">
-    <dgm:scene3d>
-      <a:camera prst="orthographicFront"/>
-      <a:lightRig rig="threePt" dir="t"/>
-    </dgm:scene3d>
-    <dgm:sp3d/>
-    <dgm:txPr/>
-    <dgm:style>
-      <a:lnRef idx="2">
-        <a:scrgbClr r="0" g="0" b="0"/>
-      </a:lnRef>
-      <a:fillRef idx="1">
-        <a:scrgbClr r="0" g="0" b="0"/>
-      </a:fillRef>
-      <a:effectRef idx="0">
-        <a:scrgbClr r="0" g="0" b="0"/>
-      </a:effectRef>
-      <a:fontRef idx="minor"/>
-    </dgm:style>
-  </dgm:styleLbl>
-  <dgm:styleLbl name="asst0">
-    <dgm:scene3d>
-      <a:camera prst="orthographicFront"/>
-      <a:lightRig rig="threePt" dir="t"/>
-    </dgm:scene3d>
-    <dgm:sp3d/>
-    <dgm:txPr/>
-    <dgm:style>
-      <a:lnRef idx="2">
-        <a:scrgbClr r="0" g="0" b="0"/>
-      </a:lnRef>
-      <a:fillRef idx="1">
-        <a:scrgbClr r="0" g="0" b="0"/>
-      </a:fillRef>
-      <a:effectRef idx="0">
-        <a:scrgbClr r="0" g="0" b="0"/>
-      </a:effectRef>
-      <a:fontRef idx="minor">
-        <a:schemeClr val="lt1"/>
-      </a:fontRef>
-    </dgm:style>
-  </dgm:styleLbl>
-  <dgm:styleLbl name="asst1">
-    <dgm:scene3d>
-      <a:camera prst="orthographicFront"/>
-      <a:lightRig rig="threePt" dir="t"/>
-    </dgm:scene3d>
-    <dgm:sp3d/>
-    <dgm:txPr/>
-    <dgm:style>
-      <a:lnRef idx="2">
-        <a:scrgbClr r="0" g="0" b="0"/>
-      </a:lnRef>
-      <a:fillRef idx="1">
-        <a:scrgbClr r="0" g="0" b="0"/>
-      </a:fillRef>
-      <a:effectRef idx="0">
-        <a:scrgbClr r="0" g="0" b="0"/>
-      </a:effectRef>
-      <a:fontRef idx="minor">
-        <a:schemeClr val="lt1"/>
-      </a:fontRef>
-    </dgm:style>
-  </dgm:styleLbl>
-  <dgm:styleLbl name="asst2">
-    <dgm:scene3d>
-      <a:camera prst="orthographicFront"/>
-      <a:lightRig rig="threePt" dir="t"/>
-    </dgm:scene3d>
-    <dgm:sp3d/>
-    <dgm:txPr/>
-    <dgm:style>
-      <a:lnRef idx="2">
-        <a:scrgbClr r="0" g="0" b="0"/>
-      </a:lnRef>
-      <a:fillRef idx="1">
-        <a:scrgbClr r="0" g="0" b="0"/>
-      </a:fillRef>
-      <a:effectRef idx="0">
-        <a:scrgbClr r="0" g="0" b="0"/>
-      </a:effectRef>
-      <a:fontRef idx="minor">
-        <a:schemeClr val="lt1"/>
-      </a:fontRef>
-    </dgm:style>
-  </dgm:styleLbl>
-  <dgm:styleLbl name="asst3">
-    <dgm:scene3d>
-      <a:camera prst="orthographicFront"/>
-      <a:lightRig rig="threePt" dir="t"/>
-    </dgm:scene3d>
-    <dgm:sp3d/>
-    <dgm:txPr/>
-    <dgm:style>
-      <a:lnRef idx="2">
-        <a:scrgbClr r="0" g="0" b="0"/>
-      </a:lnRef>
-      <a:fillRef idx="1">
-        <a:scrgbClr r="0" g="0" b="0"/>
-      </a:fillRef>
-      <a:effectRef idx="0">
-        <a:scrgbClr r="0" g="0" b="0"/>
-      </a:effectRef>
-      <a:fontRef idx="minor">
-        <a:schemeClr val="lt1"/>
-      </a:fontRef>
-    </dgm:style>
-  </dgm:styleLbl>
-  <dgm:styleLbl name="asst4">
-    <dgm:scene3d>
-      <a:camera prst="orthographicFront"/>
-      <a:lightRig rig="threePt" dir="t"/>
-    </dgm:scene3d>
-    <dgm:sp3d/>
-    <dgm:txPr/>
-    <dgm:style>
-      <a:lnRef idx="2">
-        <a:scrgbClr r="0" g="0" b="0"/>
-      </a:lnRef>
-      <a:fillRef idx="1">
-        <a:scrgbClr r="0" g="0" b="0"/>
-      </a:fillRef>
-      <a:effectRef idx="0">
-        <a:scrgbClr r="0" g="0" b="0"/>
-      </a:effectRef>
-      <a:fontRef idx="minor">
-        <a:schemeClr val="lt1"/>
-      </a:fontRef>
-    </dgm:style>
-  </dgm:styleLbl>
-  <dgm:styleLbl name="parChTrans2D1">
-    <dgm:scene3d>
-      <a:camera prst="orthographicFront"/>
-      <a:lightRig rig="threePt" dir="t"/>
-    </dgm:scene3d>
-    <dgm:sp3d/>
-    <dgm:txPr/>
-    <dgm:style>
-      <a:lnRef idx="2">
-        <a:scrgbClr r="0" g="0" b="0"/>
-      </a:lnRef>
-      <a:fillRef idx="1">
-        <a:scrgbClr r="0" g="0" b="0"/>
-      </a:fillRef>
-      <a:effectRef idx="0">
-        <a:scrgbClr r="0" g="0" b="0"/>
-      </a:effectRef>
-      <a:fontRef idx="minor">
-        <a:schemeClr val="lt1"/>
-      </a:fontRef>
-    </dgm:style>
-  </dgm:styleLbl>
-  <dgm:styleLbl name="parChTrans2D2">
-    <dgm:scene3d>
-      <a:camera prst="orthographicFront"/>
-      <a:lightRig rig="threePt" dir="t"/>
-    </dgm:scene3d>
-    <dgm:sp3d/>
-    <dgm:txPr/>
-    <dgm:style>
-      <a:lnRef idx="2">
-        <a:scrgbClr r="0" g="0" b="0"/>
-      </a:lnRef>
-      <a:fillRef idx="1">
-        <a:scrgbClr r="0" g="0" b="0"/>
-      </a:fillRef>
-      <a:effectRef idx="0">
-        <a:scrgbClr r="0" g="0" b="0"/>
-      </a:effectRef>
-      <a:fontRef idx="minor">
-        <a:schemeClr val="lt1"/>
-      </a:fontRef>
-    </dgm:style>
-  </dgm:styleLbl>
-  <dgm:styleLbl name="parChTrans2D3">
-    <dgm:scene3d>
-      <a:camera prst="orthographicFront"/>
-      <a:lightRig rig="threePt" dir="t"/>
-    </dgm:scene3d>
-    <dgm:sp3d/>
-    <dgm:txPr/>
-    <dgm:style>
-      <a:lnRef idx="2">
-        <a:scrgbClr r="0" g="0" b="0"/>
-      </a:lnRef>
-      <a:fillRef idx="1">
-        <a:scrgbClr r="0" g="0" b="0"/>
-      </a:fillRef>
-      <a:effectRef idx="0">
-        <a:scrgbClr r="0" g="0" b="0"/>
-      </a:effectRef>
-      <a:fontRef idx="minor">
-        <a:schemeClr val="lt1"/>
-      </a:fontRef>
-    </dgm:style>
-  </dgm:styleLbl>
-  <dgm:styleLbl name="parChTrans2D4">
-    <dgm:scene3d>
-      <a:camera prst="orthographicFront"/>
-      <a:lightRig rig="threePt" dir="t"/>
-    </dgm:scene3d>
-    <dgm:sp3d/>
-    <dgm:txPr/>
-    <dgm:style>
-      <a:lnRef idx="2">
-        <a:scrgbClr r="0" g="0" b="0"/>
-      </a:lnRef>
-      <a:fillRef idx="1">
-        <a:scrgbClr r="0" g="0" b="0"/>
-      </a:fillRef>
-      <a:effectRef idx="0">
-        <a:scrgbClr r="0" g="0" b="0"/>
-      </a:effectRef>
-      <a:fontRef idx="minor">
-        <a:schemeClr val="lt1"/>
-      </a:fontRef>
-    </dgm:style>
-  </dgm:styleLbl>
-  <dgm:styleLbl name="parChTrans1D1">
-    <dgm:scene3d>
-      <a:camera prst="orthographicFront"/>
-      <a:lightRig rig="threePt" dir="t"/>
-    </dgm:scene3d>
-    <dgm:sp3d/>
-    <dgm:txPr/>
-    <dgm:style>
-      <a:lnRef idx="2">
-        <a:scrgbClr r="0" g="0" b="0"/>
-      </a:lnRef>
-      <a:fillRef idx="0">
-        <a:scrgbClr r="0" g="0" b="0"/>
-      </a:fillRef>
-      <a:effectRef idx="0">
-        <a:scrgbClr r="0" g="0" b="0"/>
-      </a:effectRef>
-      <a:fontRef idx="minor"/>
-    </dgm:style>
-  </dgm:styleLbl>
-  <dgm:styleLbl name="parChTrans1D2">
-    <dgm:scene3d>
-      <a:camera prst="orthographicFront"/>
-      <a:lightRig rig="threePt" dir="t"/>
-    </dgm:scene3d>
-    <dgm:sp3d/>
-    <dgm:txPr/>
-    <dgm:style>
-      <a:lnRef idx="2">
-        <a:scrgbClr r="0" g="0" b="0"/>
-      </a:lnRef>
-      <a:fillRef idx="0">
-        <a:scrgbClr r="0" g="0" b="0"/>
-      </a:fillRef>
-      <a:effectRef idx="0">
-        <a:scrgbClr r="0" g="0" b="0"/>
-      </a:effectRef>
-      <a:fontRef idx="minor"/>
-    </dgm:style>
-  </dgm:styleLbl>
-  <dgm:styleLbl name="parChTrans1D3">
-    <dgm:scene3d>
-      <a:camera prst="orthographicFront"/>
-      <a:lightRig rig="threePt" dir="t"/>
-    </dgm:scene3d>
-    <dgm:sp3d/>
-    <dgm:txPr/>
-    <dgm:style>
-      <a:lnRef idx="2">
-        <a:scrgbClr r="0" g="0" b="0"/>
-      </a:lnRef>
-      <a:fillRef idx="0">
-        <a:scrgbClr r="0" g="0" b="0"/>
-      </a:fillRef>
-      <a:effectRef idx="0">
-        <a:scrgbClr r="0" g="0" b="0"/>
-      </a:effectRef>
-      <a:fontRef idx="minor"/>
-    </dgm:style>
-  </dgm:styleLbl>
-  <dgm:styleLbl name="parChTrans1D4">
-    <dgm:scene3d>
-      <a:camera prst="orthographicFront"/>
-      <a:lightRig rig="threePt" dir="t"/>
-    </dgm:scene3d>
-    <dgm:sp3d/>
-    <dgm:txPr/>
-    <dgm:style>
-      <a:lnRef idx="2">
-        <a:scrgbClr r="0" g="0" b="0"/>
-      </a:lnRef>
-      <a:fillRef idx="0">
-        <a:scrgbClr r="0" g="0" b="0"/>
-      </a:fillRef>
-      <a:effectRef idx="0">
-        <a:scrgbClr r="0" g="0" b="0"/>
-      </a:effectRef>
-      <a:fontRef idx="minor"/>
-    </dgm:style>
-  </dgm:styleLbl>
-  <dgm:styleLbl name="fgAcc1">
-    <dgm:scene3d>
-      <a:camera prst="orthographicFront"/>
-      <a:lightRig rig="threePt" dir="t"/>
-    </dgm:scene3d>
-    <dgm:sp3d/>
-    <dgm:txPr/>
-    <dgm:style>
-      <a:lnRef idx="2">
-        <a:scrgbClr r="0" g="0" b="0"/>
-      </a:lnRef>
-      <a:fillRef idx="1">
-        <a:scrgbClr r="0" g="0" b="0"/>
-      </a:fillRef>
-      <a:effectRef idx="0">
-        <a:scrgbClr r="0" g="0" b="0"/>
-      </a:effectRef>
-      <a:fontRef idx="minor"/>
-    </dgm:style>
-  </dgm:styleLbl>
-  <dgm:styleLbl name="conFgAcc1">
-    <dgm:scene3d>
-      <a:camera prst="orthographicFront"/>
-      <a:lightRig rig="threePt" dir="t"/>
-    </dgm:scene3d>
-    <dgm:sp3d/>
-    <dgm:txPr/>
-    <dgm:style>
-      <a:lnRef idx="2">
-        <a:scrgbClr r="0" g="0" b="0"/>
-      </a:lnRef>
-      <a:fillRef idx="1">
-        <a:scrgbClr r="0" g="0" b="0"/>
-      </a:fillRef>
-      <a:effectRef idx="0">
-        <a:scrgbClr r="0" g="0" b="0"/>
-      </a:effectRef>
-      <a:fontRef idx="minor"/>
-    </dgm:style>
-  </dgm:styleLbl>
-  <dgm:styleLbl name="alignAcc1">
-    <dgm:scene3d>
-      <a:camera prst="orthographicFront"/>
-      <a:lightRig rig="threePt" dir="t"/>
-    </dgm:scene3d>
-    <dgm:sp3d/>
-    <dgm:txPr/>
-    <dgm:style>
-      <a:lnRef idx="2">
-        <a:scrgbClr r="0" g="0" b="0"/>
-      </a:lnRef>
-      <a:fillRef idx="1">
-        <a:scrgbClr r="0" g="0" b="0"/>
-      </a:fillRef>
-      <a:effectRef idx="0">
-        <a:scrgbClr r="0" g="0" b="0"/>
-      </a:effectRef>
-      <a:fontRef idx="minor"/>
-    </dgm:style>
-  </dgm:styleLbl>
-  <dgm:styleLbl name="trAlignAcc1">
-    <dgm:scene3d>
-      <a:camera prst="orthographicFront"/>
-      <a:lightRig rig="threePt" dir="t"/>
-    </dgm:scene3d>
-    <dgm:sp3d/>
-    <dgm:txPr/>
-    <dgm:style>
-      <a:lnRef idx="1">
-        <a:scrgbClr r="0" g="0" b="0"/>
-      </a:lnRef>
-      <a:fillRef idx="1">
-        <a:scrgbClr r="0" g="0" b="0"/>
-      </a:fillRef>
-      <a:effectRef idx="0">
-        <a:scrgbClr r="0" g="0" b="0"/>
-      </a:effectRef>
-      <a:fontRef idx="minor"/>
-    </dgm:style>
-  </dgm:styleLbl>
-  <dgm:styleLbl name="bgAcc1">
-    <dgm:scene3d>
-      <a:camera prst="orthographicFront"/>
-      <a:lightRig rig="threePt" dir="t"/>
-    </dgm:scene3d>
-    <dgm:sp3d/>
-    <dgm:txPr/>
-    <dgm:style>
-      <a:lnRef idx="2">
-        <a:scrgbClr r="0" g="0" b="0"/>
-      </a:lnRef>
-      <a:fillRef idx="1">
-        <a:scrgbClr r="0" g="0" b="0"/>
-      </a:fillRef>
-      <a:effectRef idx="0">
-        <a:scrgbClr r="0" g="0" b="0"/>
-      </a:effectRef>
-      <a:fontRef idx="minor"/>
-    </dgm:style>
-  </dgm:styleLbl>
-  <dgm:styleLbl name="solidFgAcc1">
-    <dgm:scene3d>
-      <a:camera prst="orthographicFront"/>
-      <a:lightRig rig="threePt" dir="t"/>
-    </dgm:scene3d>
-    <dgm:sp3d/>
-    <dgm:txPr/>
-    <dgm:style>
-      <a:lnRef idx="2">
-        <a:scrgbClr r="0" g="0" b="0"/>
-      </a:lnRef>
-      <a:fillRef idx="1">
-        <a:scrgbClr r="0" g="0" b="0"/>
-      </a:fillRef>
-      <a:effectRef idx="0">
-        <a:scrgbClr r="0" g="0" b="0"/>
-      </a:effectRef>
-      <a:fontRef idx="minor"/>
-    </dgm:style>
-  </dgm:styleLbl>
-  <dgm:styleLbl name="solidAlignAcc1">
-    <dgm:scene3d>
-      <a:camera prst="orthographicFront"/>
-      <a:lightRig rig="threePt" dir="t"/>
-    </dgm:scene3d>
-    <dgm:sp3d/>
-    <dgm:txPr/>
-    <dgm:style>
-      <a:lnRef idx="2">
-        <a:scrgbClr r="0" g="0" b="0"/>
-      </a:lnRef>
-      <a:fillRef idx="1">
-        <a:scrgbClr r="0" g="0" b="0"/>
-      </a:fillRef>
-      <a:effectRef idx="0">
-        <a:scrgbClr r="0" g="0" b="0"/>
-      </a:effectRef>
-      <a:fontRef idx="minor"/>
-    </dgm:style>
-  </dgm:styleLbl>
-  <dgm:styleLbl name="solidBgAcc1">
-    <dgm:scene3d>
-      <a:camera prst="orthographicFront"/>
-      <a:lightRig rig="threePt" dir="t"/>
-    </dgm:scene3d>
-    <dgm:sp3d/>
-    <dgm:txPr/>
-    <dgm:style>
-      <a:lnRef idx="2">
-        <a:scrgbClr r="0" g="0" b="0"/>
-      </a:lnRef>
-      <a:fillRef idx="1">
-        <a:scrgbClr r="0" g="0" b="0"/>
-      </a:fillRef>
-      <a:effectRef idx="0">
-        <a:scrgbClr r="0" g="0" b="0"/>
-      </a:effectRef>
-      <a:fontRef idx="minor"/>
-    </dgm:style>
-  </dgm:styleLbl>
-  <dgm:styleLbl name="fgAccFollowNode1">
-    <dgm:scene3d>
-      <a:camera prst="orthographicFront"/>
-      <a:lightRig rig="threePt" dir="t"/>
-    </dgm:scene3d>
-    <dgm:sp3d/>
-    <dgm:txPr/>
-    <dgm:style>
-      <a:lnRef idx="2">
-        <a:scrgbClr r="0" g="0" b="0"/>
-      </a:lnRef>
-      <a:fillRef idx="1">
-        <a:scrgbClr r="0" g="0" b="0"/>
-      </a:fillRef>
-      <a:effectRef idx="0">
-        <a:scrgbClr r="0" g="0" b="0"/>
-      </a:effectRef>
-      <a:fontRef idx="minor"/>
-    </dgm:style>
-  </dgm:styleLbl>
-  <dgm:styleLbl name="alignAccFollowNode1">
-    <dgm:scene3d>
-      <a:camera prst="orthographicFront"/>
-      <a:lightRig rig="threePt" dir="t"/>
-    </dgm:scene3d>
-    <dgm:sp3d/>
-    <dgm:txPr/>
-    <dgm:style>
-      <a:lnRef idx="2">
-        <a:scrgbClr r="0" g="0" b="0"/>
-      </a:lnRef>
-      <a:fillRef idx="1">
-        <a:scrgbClr r="0" g="0" b="0"/>
-      </a:fillRef>
-      <a:effectRef idx="0">
-        <a:scrgbClr r="0" g="0" b="0"/>
-      </a:effectRef>
-      <a:fontRef idx="minor"/>
-    </dgm:style>
-  </dgm:styleLbl>
-  <dgm:styleLbl name="bgAccFollowNode1">
-    <dgm:scene3d>
-      <a:camera prst="orthographicFront"/>
-      <a:lightRig rig="threePt" dir="t"/>
-    </dgm:scene3d>
-    <dgm:sp3d/>
-    <dgm:txPr/>
-    <dgm:style>
-      <a:lnRef idx="2">
-        <a:scrgbClr r="0" g="0" b="0"/>
-      </a:lnRef>
-      <a:fillRef idx="1">
-        <a:scrgbClr r="0" g="0" b="0"/>
-      </a:fillRef>
-      <a:effectRef idx="0">
-        <a:scrgbClr r="0" g="0" b="0"/>
-      </a:effectRef>
-      <a:fontRef idx="minor"/>
-    </dgm:style>
-  </dgm:styleLbl>
-  <dgm:styleLbl name="fgAcc0">
-    <dgm:scene3d>
-      <a:camera prst="orthographicFront"/>
-      <a:lightRig rig="threePt" dir="t"/>
-    </dgm:scene3d>
-    <dgm:sp3d/>
-    <dgm:txPr/>
-    <dgm:style>
-      <a:lnRef idx="2">
-        <a:scrgbClr r="0" g="0" b="0"/>
-      </a:lnRef>
-      <a:fillRef idx="1">
-        <a:scrgbClr r="0" g="0" b="0"/>
-      </a:fillRef>
-      <a:effectRef idx="0">
-        <a:scrgbClr r="0" g="0" b="0"/>
-      </a:effectRef>
-      <a:fontRef idx="minor"/>
-    </dgm:style>
-  </dgm:styleLbl>
-  <dgm:styleLbl name="fgAcc2">
-    <dgm:scene3d>
-      <a:camera prst="orthographicFront"/>
-      <a:lightRig rig="threePt" dir="t"/>
-    </dgm:scene3d>
-    <dgm:sp3d/>
-    <dgm:txPr/>
-    <dgm:style>
-      <a:lnRef idx="2">
-        <a:scrgbClr r="0" g="0" b="0"/>
-      </a:lnRef>
-      <a:fillRef idx="1">
-        <a:scrgbClr r="0" g="0" b="0"/>
-      </a:fillRef>
-      <a:effectRef idx="0">
-        <a:scrgbClr r="0" g="0" b="0"/>
-      </a:effectRef>
-      <a:fontRef idx="minor"/>
-    </dgm:style>
-  </dgm:styleLbl>
-  <dgm:styleLbl name="fgAcc3">
-    <dgm:scene3d>
-      <a:camera prst="orthographicFront"/>
-      <a:lightRig rig="threePt" dir="t"/>
-    </dgm:scene3d>
-    <dgm:sp3d/>
-    <dgm:txPr/>
-    <dgm:style>
-      <a:lnRef idx="2">
-        <a:scrgbClr r="0" g="0" b="0"/>
-      </a:lnRef>
-      <a:fillRef idx="1">
-        <a:scrgbClr r="0" g="0" b="0"/>
-      </a:fillRef>
-      <a:effectRef idx="0">
-        <a:scrgbClr r="0" g="0" b="0"/>
-      </a:effectRef>
-      <a:fontRef idx="minor"/>
-    </dgm:style>
-  </dgm:styleLbl>
-  <dgm:styleLbl name="fgAcc4">
-    <dgm:scene3d>
-      <a:camera prst="orthographicFront"/>
-      <a:lightRig rig="threePt" dir="t"/>
-    </dgm:scene3d>
-    <dgm:sp3d/>
-    <dgm:txPr/>
-    <dgm:style>
-      <a:lnRef idx="2">
-        <a:scrgbClr r="0" g="0" b="0"/>
-      </a:lnRef>
-      <a:fillRef idx="1">
-        <a:scrgbClr r="0" g="0" b="0"/>
-      </a:fillRef>
-      <a:effectRef idx="0">
-        <a:scrgbClr r="0" g="0" b="0"/>
-      </a:effectRef>
-      <a:fontRef idx="minor"/>
-    </dgm:style>
-  </dgm:styleLbl>
-  <dgm:styleLbl name="bgShp">
-    <dgm:scene3d>
-      <a:camera prst="orthographicFront"/>
-      <a:lightRig rig="threePt" dir="t"/>
-    </dgm:scene3d>
-    <dgm:sp3d/>
-    <dgm:txPr/>
-    <dgm:style>
-      <a:lnRef idx="0">
-        <a:scrgbClr r="0" g="0" b="0"/>
-      </a:lnRef>
-      <a:fillRef idx="1">
-        <a:scrgbClr r="0" g="0" b="0"/>
-      </a:fillRef>
-      <a:effectRef idx="0">
-        <a:scrgbClr r="0" g="0" b="0"/>
-      </a:effectRef>
-      <a:fontRef idx="minor"/>
-    </dgm:style>
-  </dgm:styleLbl>
-  <dgm:styleLbl name="dkBgShp">
-    <dgm:scene3d>
-      <a:camera prst="orthographicFront"/>
-      <a:lightRig rig="threePt" dir="t"/>
-    </dgm:scene3d>
-    <dgm:sp3d/>
-    <dgm:txPr/>
-    <dgm:style>
-      <a:lnRef idx="0">
-        <a:scrgbClr r="0" g="0" b="0"/>
-      </a:lnRef>
-      <a:fillRef idx="1">
-        <a:scrgbClr r="0" g="0" b="0"/>
-      </a:fillRef>
-      <a:effectRef idx="0">
-        <a:scrgbClr r="0" g="0" b="0"/>
-      </a:effectRef>
-      <a:fontRef idx="minor"/>
-    </dgm:style>
-  </dgm:styleLbl>
-  <dgm:styleLbl name="trBgShp">
-    <dgm:scene3d>
-      <a:camera prst="orthographicFront"/>
-      <a:lightRig rig="threePt" dir="t"/>
-    </dgm:scene3d>
-    <dgm:sp3d/>
-    <dgm:txPr/>
-    <dgm:style>
-      <a:lnRef idx="0">
-        <a:scrgbClr r="0" g="0" b="0"/>
-      </a:lnRef>
-      <a:fillRef idx="1">
-        <a:scrgbClr r="0" g="0" b="0"/>
-      </a:fillRef>
-      <a:effectRef idx="0">
-        <a:scrgbClr r="0" g="0" b="0"/>
-      </a:effectRef>
-      <a:fontRef idx="minor"/>
-    </dgm:style>
-  </dgm:styleLbl>
-  <dgm:styleLbl name="fgShp">
-    <dgm:scene3d>
-      <a:camera prst="orthographicFront"/>
-      <a:lightRig rig="threePt" dir="t"/>
-    </dgm:scene3d>
-    <dgm:sp3d/>
-    <dgm:txPr/>
-    <dgm:style>
-      <a:lnRef idx="2">
-        <a:scrgbClr r="0" g="0" b="0"/>
-      </a:lnRef>
-      <a:fillRef idx="1">
-        <a:scrgbClr r="0" g="0" b="0"/>
-      </a:fillRef>
-      <a:effectRef idx="0">
-        <a:scrgbClr r="0" g="0" b="0"/>
-      </a:effectRef>
-      <a:fontRef idx="minor"/>
-    </dgm:style>
-  </dgm:styleLbl>
-  <dgm:styleLbl name="revTx">
-    <dgm:scene3d>
-      <a:camera prst="orthographicFront"/>
-      <a:lightRig rig="threePt" dir="t"/>
-    </dgm:scene3d>
-    <dgm:sp3d/>
-    <dgm:txPr/>
-    <dgm:style>
-      <a:lnRef idx="0">
-        <a:scrgbClr r="0" g="0" b="0"/>
-      </a:lnRef>
-      <a:fillRef idx="0">
-        <a:scrgbClr r="0" g="0" b="0"/>
-      </a:fillRef>
-      <a:effectRef idx="0">
-        <a:scrgbClr r="0" g="0" b="0"/>
-      </a:effectRef>
-      <a:fontRef idx="minor"/>
-    </dgm:style>
-  </dgm:styleLbl>
-</dgm:styleDef>
-</file>
-
 <file path=ppt/handoutMasters/handoutMaster1.xml><?xml version="1.0" encoding="utf-8"?>
 <p:handoutMaster xmlns:a="http://schemas.openxmlformats.org/drawingml/2006/main" xmlns:r="http://schemas.openxmlformats.org/officeDocument/2006/relationships" xmlns:p="http://schemas.openxmlformats.org/presentationml/2006/main">
   <p:cSld>
@@ -2981,7 +253,7 @@
           <a:p>
             <a:fld id="{128FCA9C-FF92-4024-BDEC-A6D3B663DC09}" type="datetimeFigureOut">
               <a:rPr lang="en-US"/>
-              <a:t>2/7/2018</a:t>
+              <a:t>2/20/2018</a:t>
             </a:fld>
             <a:endParaRPr/>
           </a:p>
@@ -3146,7 +418,7 @@
           <a:p>
             <a:fld id="{772AB877-E7B1-4681-847E-D0918612832B}" type="datetimeFigureOut">
               <a:rPr lang="en-US"/>
-              <a:t>2/7/2018</a:t>
+              <a:t>2/20/2018</a:t>
             </a:fld>
             <a:endParaRPr/>
           </a:p>
@@ -3609,7 +881,7 @@
           <a:p>
             <a:fld id="{147B5819-5A74-4F34-88FE-ED935EAA0F15}" type="datetimeFigureOut">
               <a:rPr lang="en-US" smtClean="0"/>
-              <a:t>2/7/2018</a:t>
+              <a:t>2/20/2018</a:t>
             </a:fld>
             <a:endParaRPr lang="en-US"/>
           </a:p>
@@ -3831,7 +1103,7 @@
           <a:p>
             <a:fld id="{EDF33987-6305-4E2A-BF18-EF013ECE927B}" type="datetimeFigureOut">
               <a:rPr lang="en-US" smtClean="0"/>
-              <a:t>2/7/2018</a:t>
+              <a:t>2/20/2018</a:t>
             </a:fld>
             <a:endParaRPr lang="en-US"/>
           </a:p>
@@ -4027,7 +1299,7 @@
           <a:p>
             <a:fld id="{EDF33987-6305-4E2A-BF18-EF013ECE927B}" type="datetimeFigureOut">
               <a:rPr lang="en-US" smtClean="0"/>
-              <a:t>2/7/2018</a:t>
+              <a:t>2/20/2018</a:t>
             </a:fld>
             <a:endParaRPr lang="en-US"/>
           </a:p>
@@ -4213,7 +1485,7 @@
           <a:p>
             <a:fld id="{EDF33987-6305-4E2A-BF18-EF013ECE927B}" type="datetimeFigureOut">
               <a:rPr lang="en-US" smtClean="0"/>
-              <a:t>2/7/2018</a:t>
+              <a:t>2/20/2018</a:t>
             </a:fld>
             <a:endParaRPr lang="en-US"/>
           </a:p>
@@ -4483,7 +1755,7 @@
           <a:p>
             <a:fld id="{EDF33987-6305-4E2A-BF18-EF013ECE927B}" type="datetimeFigureOut">
               <a:rPr lang="en-US" smtClean="0"/>
-              <a:t>2/7/2018</a:t>
+              <a:t>2/20/2018</a:t>
             </a:fld>
             <a:endParaRPr lang="en-US"/>
           </a:p>
@@ -4825,7 +2097,7 @@
           <a:p>
             <a:fld id="{EDF33987-6305-4E2A-BF18-EF013ECE927B}" type="datetimeFigureOut">
               <a:rPr lang="en-US" smtClean="0"/>
-              <a:t>2/7/2018</a:t>
+              <a:t>2/20/2018</a:t>
             </a:fld>
             <a:endParaRPr lang="en-US"/>
           </a:p>
@@ -5297,7 +2569,7 @@
           <a:p>
             <a:fld id="{EDF33987-6305-4E2A-BF18-EF013ECE927B}" type="datetimeFigureOut">
               <a:rPr lang="en-US" smtClean="0"/>
-              <a:t>2/7/2018</a:t>
+              <a:t>2/20/2018</a:t>
             </a:fld>
             <a:endParaRPr lang="en-US"/>
           </a:p>
@@ -5436,7 +2708,7 @@
           <a:p>
             <a:fld id="{EDF33987-6305-4E2A-BF18-EF013ECE927B}" type="datetimeFigureOut">
               <a:rPr lang="en-US" smtClean="0"/>
-              <a:t>2/7/2018</a:t>
+              <a:t>2/20/2018</a:t>
             </a:fld>
             <a:endParaRPr lang="en-US"/>
           </a:p>
@@ -5547,7 +2819,7 @@
           <a:p>
             <a:fld id="{EDF33987-6305-4E2A-BF18-EF013ECE927B}" type="datetimeFigureOut">
               <a:rPr lang="en-US" smtClean="0"/>
-              <a:t>2/7/2018</a:t>
+              <a:t>2/20/2018</a:t>
             </a:fld>
             <a:endParaRPr lang="en-US"/>
           </a:p>
@@ -5850,7 +3122,7 @@
           <a:p>
             <a:fld id="{EDF33987-6305-4E2A-BF18-EF013ECE927B}" type="datetimeFigureOut">
               <a:rPr lang="en-US" smtClean="0"/>
-              <a:t>2/7/2018</a:t>
+              <a:t>2/20/2018</a:t>
             </a:fld>
             <a:endParaRPr lang="en-US"/>
           </a:p>
@@ -6189,7 +3461,7 @@
           <a:p>
             <a:fld id="{EDF33987-6305-4E2A-BF18-EF013ECE927B}" type="datetimeFigureOut">
               <a:rPr lang="en-US" smtClean="0"/>
-              <a:t>2/7/2018</a:t>
+              <a:t>2/20/2018</a:t>
             </a:fld>
             <a:endParaRPr lang="en-US"/>
           </a:p>
@@ -6454,7 +3726,7 @@
             <a:fld id="{EDF33987-6305-4E2A-BF18-EF013ECE927B}" type="datetimeFigureOut">
               <a:rPr lang="en-US" smtClean="0"/>
               <a:pPr/>
-              <a:t>2/7/2018</a:t>
+              <a:t>2/20/2018</a:t>
             </a:fld>
             <a:endParaRPr lang="en-US"/>
           </a:p>
@@ -7523,12 +4795,171 @@
           <a:chExt cx="0" cy="0"/>
         </a:xfrm>
       </p:grpSpPr>
+      <p:sp>
+        <p:nvSpPr>
+          <p:cNvPr id="2" name="Title 1"/>
+          <p:cNvSpPr>
+            <a:spLocks noGrp="1"/>
+          </p:cNvSpPr>
+          <p:nvPr>
+            <p:ph type="title"/>
+          </p:nvPr>
+        </p:nvSpPr>
+        <p:spPr>
+          <a:xfrm>
+            <a:off x="713046" y="1"/>
+            <a:ext cx="9690116" cy="1066800"/>
+          </a:xfrm>
+        </p:spPr>
+        <p:txBody>
+          <a:bodyPr>
+            <a:normAutofit/>
+          </a:bodyPr>
+          <a:lstStyle/>
+          <a:p>
+            <a:r>
+              <a:rPr lang="mk-MK" sz="3700" dirty="0">
+                <a:latin typeface="Open Sans" panose="020B0606030504020204" pitchFamily="34" charset="0"/>
+                <a:ea typeface="Open Sans" panose="020B0606030504020204" pitchFamily="34" charset="0"/>
+                <a:cs typeface="Open Sans" panose="020B0606030504020204" pitchFamily="34" charset="0"/>
+              </a:rPr>
+              <a:t>Кориснички ориентиран дизајн</a:t>
+            </a:r>
+            <a:endParaRPr lang="en-US" sz="3700" dirty="0">
+              <a:latin typeface="Open Sans" panose="020B0606030504020204" pitchFamily="34" charset="0"/>
+              <a:ea typeface="Open Sans" panose="020B0606030504020204" pitchFamily="34" charset="0"/>
+              <a:cs typeface="Open Sans" panose="020B0606030504020204" pitchFamily="34" charset="0"/>
+            </a:endParaRPr>
+          </a:p>
+        </p:txBody>
+      </p:sp>
+      <p:sp>
+        <p:nvSpPr>
+          <p:cNvPr id="3" name="Content Placeholder 2"/>
+          <p:cNvSpPr>
+            <a:spLocks noGrp="1"/>
+          </p:cNvSpPr>
+          <p:nvPr>
+            <p:ph idx="1"/>
+          </p:nvPr>
+        </p:nvSpPr>
+        <p:spPr>
+          <a:xfrm>
+            <a:off x="836612" y="3505200"/>
+            <a:ext cx="8593122" cy="4351337"/>
+          </a:xfrm>
+        </p:spPr>
+        <p:txBody>
+          <a:bodyPr/>
+          <a:lstStyle/>
+          <a:p>
+            <a:r>
+              <a:rPr lang="mk-MK" sz="2200" b="1" dirty="0">
+                <a:latin typeface="Open Sans" panose="020B0606030504020204" pitchFamily="34" charset="0"/>
+                <a:ea typeface="Open Sans" panose="020B0606030504020204" pitchFamily="34" charset="0"/>
+                <a:cs typeface="Open Sans" panose="020B0606030504020204" pitchFamily="34" charset="0"/>
+              </a:rPr>
+              <a:t>План</a:t>
+            </a:r>
+            <a:r>
+              <a:rPr lang="en-US" sz="2200" b="1" dirty="0">
+                <a:latin typeface="Open Sans" panose="020B0606030504020204" pitchFamily="34" charset="0"/>
+                <a:ea typeface="Open Sans" panose="020B0606030504020204" pitchFamily="34" charset="0"/>
+                <a:cs typeface="Open Sans" panose="020B0606030504020204" pitchFamily="34" charset="0"/>
+              </a:rPr>
+              <a:t> </a:t>
+            </a:r>
+            <a:r>
+              <a:rPr lang="en-US" sz="2200" dirty="0">
+                <a:latin typeface="Open Sans" panose="020B0606030504020204" pitchFamily="34" charset="0"/>
+                <a:ea typeface="Open Sans" panose="020B0606030504020204" pitchFamily="34" charset="0"/>
+                <a:cs typeface="Open Sans" panose="020B0606030504020204" pitchFamily="34" charset="0"/>
+              </a:rPr>
+              <a:t>– </a:t>
+            </a:r>
+            <a:r>
+              <a:rPr lang="mk-MK" sz="2200" dirty="0">
+                <a:latin typeface="Open Sans" panose="020B0606030504020204" pitchFamily="34" charset="0"/>
+                <a:ea typeface="Open Sans" panose="020B0606030504020204" pitchFamily="34" charset="0"/>
+                <a:cs typeface="Open Sans" panose="020B0606030504020204" pitchFamily="34" charset="0"/>
+              </a:rPr>
+              <a:t>Дефинирање на корисничките побарувања</a:t>
+            </a:r>
+          </a:p>
+          <a:p>
+            <a:r>
+              <a:rPr lang="mk-MK" sz="2200" b="1" dirty="0">
+                <a:latin typeface="Open Sans" panose="020B0606030504020204" pitchFamily="34" charset="0"/>
+                <a:ea typeface="Open Sans" panose="020B0606030504020204" pitchFamily="34" charset="0"/>
+                <a:cs typeface="Open Sans" panose="020B0606030504020204" pitchFamily="34" charset="0"/>
+              </a:rPr>
+              <a:t>Дизајн </a:t>
+            </a:r>
+            <a:r>
+              <a:rPr lang="mk-MK" sz="2200" dirty="0">
+                <a:latin typeface="Open Sans" panose="020B0606030504020204" pitchFamily="34" charset="0"/>
+                <a:ea typeface="Open Sans" panose="020B0606030504020204" pitchFamily="34" charset="0"/>
+                <a:cs typeface="Open Sans" panose="020B0606030504020204" pitchFamily="34" charset="0"/>
+              </a:rPr>
+              <a:t>– Дизајнирање на архитектурата и на навигацијата</a:t>
+            </a:r>
+          </a:p>
+          <a:p>
+            <a:r>
+              <a:rPr lang="mk-MK" sz="2200" b="1" dirty="0">
+                <a:latin typeface="Open Sans" panose="020B0606030504020204" pitchFamily="34" charset="0"/>
+                <a:ea typeface="Open Sans" panose="020B0606030504020204" pitchFamily="34" charset="0"/>
+                <a:cs typeface="Open Sans" panose="020B0606030504020204" pitchFamily="34" charset="0"/>
+              </a:rPr>
+              <a:t>Прототип </a:t>
+            </a:r>
+            <a:r>
+              <a:rPr lang="mk-MK" sz="2200" dirty="0">
+                <a:latin typeface="Open Sans" panose="020B0606030504020204" pitchFamily="34" charset="0"/>
+                <a:ea typeface="Open Sans" panose="020B0606030504020204" pitchFamily="34" charset="0"/>
+                <a:cs typeface="Open Sans" panose="020B0606030504020204" pitchFamily="34" charset="0"/>
+              </a:rPr>
+              <a:t>– Развивање и тестирање на проторипи</a:t>
+            </a:r>
+          </a:p>
+          <a:p>
+            <a:r>
+              <a:rPr lang="mk-MK" sz="2200" b="1" dirty="0">
+                <a:latin typeface="Open Sans" panose="020B0606030504020204" pitchFamily="34" charset="0"/>
+                <a:ea typeface="Open Sans" panose="020B0606030504020204" pitchFamily="34" charset="0"/>
+                <a:cs typeface="Open Sans" panose="020B0606030504020204" pitchFamily="34" charset="0"/>
+              </a:rPr>
+              <a:t>Преглед </a:t>
+            </a:r>
+            <a:r>
+              <a:rPr lang="mk-MK" sz="2200" dirty="0">
+                <a:latin typeface="Open Sans" panose="020B0606030504020204" pitchFamily="34" charset="0"/>
+                <a:ea typeface="Open Sans" panose="020B0606030504020204" pitchFamily="34" charset="0"/>
+                <a:cs typeface="Open Sans" panose="020B0606030504020204" pitchFamily="34" charset="0"/>
+              </a:rPr>
+              <a:t>– Преглед на дизајните со корисниците</a:t>
+            </a:r>
+            <a:endParaRPr lang="en-US" sz="2200" b="1" dirty="0">
+              <a:latin typeface="Open Sans" panose="020B0606030504020204" pitchFamily="34" charset="0"/>
+              <a:ea typeface="Open Sans" panose="020B0606030504020204" pitchFamily="34" charset="0"/>
+              <a:cs typeface="Open Sans" panose="020B0606030504020204" pitchFamily="34" charset="0"/>
+            </a:endParaRPr>
+          </a:p>
+          <a:p>
+            <a:endParaRPr lang="en-US" dirty="0">
+              <a:latin typeface="Open Sans" panose="020B0606030504020204" pitchFamily="34" charset="0"/>
+              <a:ea typeface="Open Sans" panose="020B0606030504020204" pitchFamily="34" charset="0"/>
+              <a:cs typeface="Open Sans" panose="020B0606030504020204" pitchFamily="34" charset="0"/>
+            </a:endParaRPr>
+          </a:p>
+        </p:txBody>
+      </p:sp>
       <p:pic>
         <p:nvPicPr>
-          <p:cNvPr id="8" name="Picture 7">
+          <p:cNvPr id="4" name="Picture 3">
             <a:extLst>
               <a:ext uri="{FF2B5EF4-FFF2-40B4-BE49-F238E27FC236}">
-                <a16:creationId xmlns:a16="http://schemas.microsoft.com/office/drawing/2014/main" id="{E449DAFC-1E4C-4C71-92DD-5B841FD81751}"/>
+                <a16:creationId xmlns:a16="http://schemas.microsoft.com/office/drawing/2014/main" id="{1854B6CF-90A7-433C-B212-7CBD0E150B38}"/>
               </a:ext>
             </a:extLst>
           </p:cNvPr>
@@ -7545,221 +4976,18 @@
         </p:blipFill>
         <p:spPr>
           <a:xfrm>
-            <a:off x="-77788" y="0"/>
-            <a:ext cx="11410438" cy="6858000"/>
+            <a:off x="836612" y="1454215"/>
+            <a:ext cx="6048375" cy="1657350"/>
           </a:xfrm>
           <a:prstGeom prst="rect">
             <a:avLst/>
           </a:prstGeom>
         </p:spPr>
       </p:pic>
-      <p:sp>
-        <p:nvSpPr>
-          <p:cNvPr id="9" name="Title 1">
-            <a:extLst>
-              <a:ext uri="{FF2B5EF4-FFF2-40B4-BE49-F238E27FC236}">
-                <a16:creationId xmlns:a16="http://schemas.microsoft.com/office/drawing/2014/main" id="{D35E7273-D171-41AC-9627-F58D00A1986A}"/>
-              </a:ext>
-            </a:extLst>
-          </p:cNvPr>
-          <p:cNvSpPr>
-            <a:spLocks noGrp="1"/>
-          </p:cNvSpPr>
-          <p:nvPr>
-            <p:ph type="title"/>
-          </p:nvPr>
-        </p:nvSpPr>
-        <p:spPr>
-          <a:xfrm>
-            <a:off x="713046" y="1"/>
-            <a:ext cx="9690116" cy="1066800"/>
-          </a:xfrm>
-        </p:spPr>
-        <p:txBody>
-          <a:bodyPr>
-            <a:normAutofit/>
-          </a:bodyPr>
-          <a:lstStyle/>
-          <a:p>
-            <a:r>
-              <a:rPr lang="mk-MK" sz="3700" dirty="0">
-                <a:latin typeface="Open Sans" panose="020B0606030504020204" pitchFamily="34" charset="0"/>
-                <a:ea typeface="Open Sans" panose="020B0606030504020204" pitchFamily="34" charset="0"/>
-                <a:cs typeface="Open Sans" panose="020B0606030504020204" pitchFamily="34" charset="0"/>
-              </a:rPr>
-              <a:t>Студија на случај</a:t>
-            </a:r>
-            <a:r>
-              <a:rPr lang="en-US" sz="3700" dirty="0">
-                <a:latin typeface="Open Sans" panose="020B0606030504020204" pitchFamily="34" charset="0"/>
-                <a:ea typeface="Open Sans" panose="020B0606030504020204" pitchFamily="34" charset="0"/>
-                <a:cs typeface="Open Sans" panose="020B0606030504020204" pitchFamily="34" charset="0"/>
-              </a:rPr>
-              <a:t>: </a:t>
-            </a:r>
-            <a:r>
-              <a:rPr lang="mk-MK" sz="3700" dirty="0">
-                <a:latin typeface="Open Sans" panose="020B0606030504020204" pitchFamily="34" charset="0"/>
-                <a:ea typeface="Open Sans" panose="020B0606030504020204" pitchFamily="34" charset="0"/>
-                <a:cs typeface="Open Sans" panose="020B0606030504020204" pitchFamily="34" charset="0"/>
-              </a:rPr>
-              <a:t>Данска</a:t>
-            </a:r>
-            <a:endParaRPr lang="en-US" sz="3700" dirty="0">
-              <a:latin typeface="Open Sans" panose="020B0606030504020204" pitchFamily="34" charset="0"/>
-              <a:ea typeface="Open Sans" panose="020B0606030504020204" pitchFamily="34" charset="0"/>
-              <a:cs typeface="Open Sans" panose="020B0606030504020204" pitchFamily="34" charset="0"/>
-            </a:endParaRPr>
-          </a:p>
-        </p:txBody>
-      </p:sp>
-      <p:sp>
-        <p:nvSpPr>
-          <p:cNvPr id="10" name="Content Placeholder 2">
-            <a:extLst>
-              <a:ext uri="{FF2B5EF4-FFF2-40B4-BE49-F238E27FC236}">
-                <a16:creationId xmlns:a16="http://schemas.microsoft.com/office/drawing/2014/main" id="{6F366A0A-0FC8-4848-AE05-DA4258C58BCD}"/>
-              </a:ext>
-            </a:extLst>
-          </p:cNvPr>
-          <p:cNvSpPr>
-            <a:spLocks noGrp="1"/>
-          </p:cNvSpPr>
-          <p:nvPr>
-            <p:ph idx="1"/>
-          </p:nvPr>
-        </p:nvSpPr>
-        <p:spPr>
-          <a:xfrm>
-            <a:off x="912812" y="1447800"/>
-            <a:ext cx="8593122" cy="4351337"/>
-          </a:xfrm>
-        </p:spPr>
-        <p:txBody>
-          <a:bodyPr/>
-          <a:lstStyle/>
-          <a:p>
-            <a:r>
-              <a:rPr lang="mk-MK" sz="2200" dirty="0">
-                <a:solidFill>
-                  <a:schemeClr val="tx1"/>
-                </a:solidFill>
-                <a:latin typeface="Open Sans" panose="020B0606030504020204" pitchFamily="34" charset="0"/>
-                <a:ea typeface="Open Sans" panose="020B0606030504020204" pitchFamily="34" charset="0"/>
-                <a:cs typeface="Open Sans" panose="020B0606030504020204" pitchFamily="34" charset="0"/>
-              </a:rPr>
-              <a:t>Искуството покажало дека за едно ИТ решение во медицината да биде успешно треба да бидат исполнети следните услови</a:t>
-            </a:r>
-            <a:r>
-              <a:rPr lang="en-US" sz="2200" dirty="0">
-                <a:solidFill>
-                  <a:schemeClr val="tx1"/>
-                </a:solidFill>
-                <a:latin typeface="Open Sans" panose="020B0606030504020204" pitchFamily="34" charset="0"/>
-                <a:ea typeface="Open Sans" panose="020B0606030504020204" pitchFamily="34" charset="0"/>
-                <a:cs typeface="Open Sans" panose="020B0606030504020204" pitchFamily="34" charset="0"/>
-              </a:rPr>
-              <a:t>:</a:t>
-            </a:r>
-          </a:p>
-          <a:p>
-            <a:pPr lvl="1"/>
-            <a:r>
-              <a:rPr lang="mk-MK" sz="2000" dirty="0">
-                <a:solidFill>
-                  <a:schemeClr val="tx1"/>
-                </a:solidFill>
-                <a:latin typeface="Open Sans" panose="020B0606030504020204" pitchFamily="34" charset="0"/>
-                <a:ea typeface="Open Sans" panose="020B0606030504020204" pitchFamily="34" charset="0"/>
-                <a:cs typeface="Open Sans" panose="020B0606030504020204" pitchFamily="34" charset="0"/>
-              </a:rPr>
-              <a:t>рана инволвираност на медицинските работници</a:t>
-            </a:r>
-            <a:endParaRPr lang="en-US" sz="2000" dirty="0">
-              <a:solidFill>
-                <a:schemeClr val="tx1"/>
-              </a:solidFill>
-              <a:latin typeface="Open Sans" panose="020B0606030504020204" pitchFamily="34" charset="0"/>
-              <a:ea typeface="Open Sans" panose="020B0606030504020204" pitchFamily="34" charset="0"/>
-              <a:cs typeface="Open Sans" panose="020B0606030504020204" pitchFamily="34" charset="0"/>
-            </a:endParaRPr>
-          </a:p>
-          <a:p>
-            <a:pPr lvl="1"/>
-            <a:r>
-              <a:rPr lang="mk-MK" sz="2000" dirty="0">
-                <a:solidFill>
-                  <a:schemeClr val="tx1"/>
-                </a:solidFill>
-                <a:latin typeface="Open Sans" panose="020B0606030504020204" pitchFamily="34" charset="0"/>
-                <a:ea typeface="Open Sans" panose="020B0606030504020204" pitchFamily="34" charset="0"/>
-                <a:cs typeface="Open Sans" panose="020B0606030504020204" pitchFamily="34" charset="0"/>
-              </a:rPr>
-              <a:t>заедничко носење на одлуките</a:t>
-            </a:r>
-            <a:endParaRPr lang="en-US" sz="2000" dirty="0">
-              <a:solidFill>
-                <a:schemeClr val="tx1"/>
-              </a:solidFill>
-              <a:latin typeface="Open Sans" panose="020B0606030504020204" pitchFamily="34" charset="0"/>
-              <a:ea typeface="Open Sans" panose="020B0606030504020204" pitchFamily="34" charset="0"/>
-              <a:cs typeface="Open Sans" panose="020B0606030504020204" pitchFamily="34" charset="0"/>
-            </a:endParaRPr>
-          </a:p>
-          <a:p>
-            <a:pPr lvl="1"/>
-            <a:r>
-              <a:rPr lang="mk-MK" sz="2000" dirty="0">
-                <a:solidFill>
-                  <a:schemeClr val="tx1"/>
-                </a:solidFill>
-                <a:latin typeface="Open Sans" panose="020B0606030504020204" pitchFamily="34" charset="0"/>
-                <a:ea typeface="Open Sans" panose="020B0606030504020204" pitchFamily="34" charset="0"/>
-                <a:cs typeface="Open Sans" panose="020B0606030504020204" pitchFamily="34" charset="0"/>
-              </a:rPr>
-              <a:t>прифаќање на решението од страна на лекарите</a:t>
-            </a:r>
-          </a:p>
-          <a:p>
-            <a:pPr lvl="1"/>
-            <a:r>
-              <a:rPr lang="mk-MK" sz="2000" dirty="0">
-                <a:solidFill>
-                  <a:schemeClr val="tx1"/>
-                </a:solidFill>
-                <a:latin typeface="Open Sans" panose="020B0606030504020204" pitchFamily="34" charset="0"/>
-                <a:ea typeface="Open Sans" panose="020B0606030504020204" pitchFamily="34" charset="0"/>
-                <a:cs typeface="Open Sans" panose="020B0606030504020204" pitchFamily="34" charset="0"/>
-              </a:rPr>
-              <a:t>подолг процес на планирање</a:t>
-            </a:r>
-          </a:p>
-          <a:p>
-            <a:r>
-              <a:rPr lang="mk-MK" sz="2200" dirty="0">
-                <a:solidFill>
-                  <a:schemeClr val="tx1"/>
-                </a:solidFill>
-                <a:latin typeface="Open Sans" panose="020B0606030504020204" pitchFamily="34" charset="0"/>
-                <a:ea typeface="Open Sans" panose="020B0606030504020204" pitchFamily="34" charset="0"/>
-                <a:cs typeface="Open Sans" panose="020B0606030504020204" pitchFamily="34" charset="0"/>
-              </a:rPr>
-              <a:t>Лекарите мора да имаат значајна улога во фазите на планирање, развивање и имплементација на дигиталните решенија</a:t>
-            </a:r>
-          </a:p>
-          <a:p>
-            <a:endParaRPr lang="en-US" dirty="0">
-              <a:latin typeface="Open Sans" panose="020B0606030504020204" pitchFamily="34" charset="0"/>
-              <a:ea typeface="Open Sans" panose="020B0606030504020204" pitchFamily="34" charset="0"/>
-              <a:cs typeface="Open Sans" panose="020B0606030504020204" pitchFamily="34" charset="0"/>
-            </a:endParaRPr>
-          </a:p>
-        </p:txBody>
-      </p:sp>
     </p:spTree>
     <p:extLst>
       <p:ext uri="{BB962C8B-B14F-4D97-AF65-F5344CB8AC3E}">
-        <p14:creationId xmlns:p14="http://schemas.microsoft.com/office/powerpoint/2010/main" val="416076927"/>
+        <p14:creationId xmlns:p14="http://schemas.microsoft.com/office/powerpoint/2010/main" val="836262221"/>
       </p:ext>
     </p:extLst>
   </p:cSld>
@@ -7798,45 +5026,9 @@
           <a:chExt cx="0" cy="0"/>
         </a:xfrm>
       </p:grpSpPr>
-      <p:pic>
-        <p:nvPicPr>
-          <p:cNvPr id="8" name="Picture 7">
-            <a:extLst>
-              <a:ext uri="{FF2B5EF4-FFF2-40B4-BE49-F238E27FC236}">
-                <a16:creationId xmlns:a16="http://schemas.microsoft.com/office/drawing/2014/main" id="{276129B1-A0E6-466A-BCA4-CC85E6E03298}"/>
-              </a:ext>
-            </a:extLst>
-          </p:cNvPr>
-          <p:cNvPicPr>
-            <a:picLocks noChangeAspect="1"/>
-          </p:cNvPicPr>
-          <p:nvPr/>
-        </p:nvPicPr>
-        <p:blipFill>
-          <a:blip r:embed="rId2"/>
-          <a:stretch>
-            <a:fillRect/>
-          </a:stretch>
-        </p:blipFill>
-        <p:spPr>
-          <a:xfrm>
-            <a:off x="-18366" y="0"/>
-            <a:ext cx="11340446" cy="6858000"/>
-          </a:xfrm>
-          <a:prstGeom prst="rect">
-            <a:avLst/>
-          </a:prstGeom>
-        </p:spPr>
-      </p:pic>
-      <p:sp>
-        <p:nvSpPr>
-          <p:cNvPr id="9" name="Title 1">
-            <a:extLst>
-              <a:ext uri="{FF2B5EF4-FFF2-40B4-BE49-F238E27FC236}">
-                <a16:creationId xmlns:a16="http://schemas.microsoft.com/office/drawing/2014/main" id="{7C17CDE7-9626-45A0-B8F6-6AE284FEF1DD}"/>
-              </a:ext>
-            </a:extLst>
-          </p:cNvPr>
+      <p:sp>
+        <p:nvSpPr>
+          <p:cNvPr id="2" name="Title 1"/>
           <p:cNvSpPr>
             <a:spLocks noGrp="1"/>
           </p:cNvSpPr>
@@ -7862,7 +5054,7 @@
                 <a:ea typeface="Open Sans" panose="020B0606030504020204" pitchFamily="34" charset="0"/>
                 <a:cs typeface="Open Sans" panose="020B0606030504020204" pitchFamily="34" charset="0"/>
               </a:rPr>
-              <a:t>Студија на случај</a:t>
+              <a:t>Целна група</a:t>
             </a:r>
             <a:r>
               <a:rPr lang="en-US" sz="3700" dirty="0">
@@ -7878,7 +5070,7 @@
                 <a:ea typeface="Open Sans" panose="020B0606030504020204" pitchFamily="34" charset="0"/>
                 <a:cs typeface="Open Sans" panose="020B0606030504020204" pitchFamily="34" charset="0"/>
               </a:rPr>
-              <a:t>САД</a:t>
+              <a:t>Пациенти</a:t>
             </a:r>
             <a:endParaRPr lang="en-US" sz="3700" dirty="0">
               <a:latin typeface="Open Sans" panose="020B0606030504020204" pitchFamily="34" charset="0"/>
@@ -7890,13 +5082,7 @@
       </p:sp>
       <p:sp>
         <p:nvSpPr>
-          <p:cNvPr id="10" name="Content Placeholder 2">
-            <a:extLst>
-              <a:ext uri="{FF2B5EF4-FFF2-40B4-BE49-F238E27FC236}">
-                <a16:creationId xmlns:a16="http://schemas.microsoft.com/office/drawing/2014/main" id="{C00789C3-3BD1-40F4-B3C8-9768127E04AF}"/>
-              </a:ext>
-            </a:extLst>
-          </p:cNvPr>
+          <p:cNvPr id="3" name="Content Placeholder 2"/>
           <p:cNvSpPr>
             <a:spLocks noGrp="1"/>
           </p:cNvSpPr>
@@ -7907,11 +5093,13 @@
         <p:spPr>
           <a:xfrm>
             <a:off x="912812" y="1447800"/>
-            <a:ext cx="8593122" cy="4351337"/>
+            <a:ext cx="8593122" cy="5410199"/>
           </a:xfrm>
         </p:spPr>
         <p:txBody>
-          <a:bodyPr/>
+          <a:bodyPr>
+            <a:normAutofit/>
+          </a:bodyPr>
           <a:lstStyle/>
           <a:p>
             <a:r>
@@ -7920,7 +5108,7 @@
                 <a:ea typeface="Open Sans" panose="020B0606030504020204" pitchFamily="34" charset="0"/>
                 <a:cs typeface="Open Sans" panose="020B0606030504020204" pitchFamily="34" charset="0"/>
               </a:rPr>
-              <a:t>Повеќето болници во САД се приватни и секоја болница има сопствен софтвер</a:t>
+              <a:t>Болните од хронични опструктивни белодробни заболувања и од дијабетес</a:t>
             </a:r>
           </a:p>
           <a:p>
@@ -7930,7 +5118,7 @@
                 <a:ea typeface="Open Sans" panose="020B0606030504020204" pitchFamily="34" charset="0"/>
                 <a:cs typeface="Open Sans" panose="020B0606030504020204" pitchFamily="34" charset="0"/>
               </a:rPr>
-              <a:t>Многу тешко стандардизирање на досиејата</a:t>
+              <a:t>Постари и/или изнемоштени лица</a:t>
             </a:r>
           </a:p>
           <a:p>
@@ -7940,7 +5128,7 @@
                 <a:ea typeface="Open Sans" panose="020B0606030504020204" pitchFamily="34" charset="0"/>
                 <a:cs typeface="Open Sans" panose="020B0606030504020204" pitchFamily="34" charset="0"/>
               </a:rPr>
-              <a:t>Нема меѓусебна соработка</a:t>
+              <a:t>Потешко се справуваат со новата технологијата и не се во тек со најновите технолошки иновации</a:t>
             </a:r>
           </a:p>
           <a:p>
@@ -7950,7 +5138,42 @@
                 <a:ea typeface="Open Sans" panose="020B0606030504020204" pitchFamily="34" charset="0"/>
                 <a:cs typeface="Open Sans" panose="020B0606030504020204" pitchFamily="34" charset="0"/>
               </a:rPr>
-              <a:t>Голем трошок во администрација</a:t>
+              <a:t>Тешко навигираат низ здравствениот систем</a:t>
+            </a:r>
+          </a:p>
+          <a:p>
+            <a:r>
+              <a:rPr lang="mk-MK" sz="2200" dirty="0">
+                <a:latin typeface="Open Sans" panose="020B0606030504020204" pitchFamily="34" charset="0"/>
+                <a:ea typeface="Open Sans" panose="020B0606030504020204" pitchFamily="34" charset="0"/>
+                <a:cs typeface="Open Sans" panose="020B0606030504020204" pitchFamily="34" charset="0"/>
+              </a:rPr>
+              <a:t>Квалитетот на живот кај овие пациенти е на многу ниско ниво</a:t>
+            </a:r>
+            <a:endParaRPr lang="en-US" sz="2200" dirty="0">
+              <a:latin typeface="Open Sans" panose="020B0606030504020204" pitchFamily="34" charset="0"/>
+              <a:ea typeface="Open Sans" panose="020B0606030504020204" pitchFamily="34" charset="0"/>
+              <a:cs typeface="Open Sans" panose="020B0606030504020204" pitchFamily="34" charset="0"/>
+            </a:endParaRPr>
+          </a:p>
+          <a:p>
+            <a:r>
+              <a:rPr lang="mk-MK" sz="2200" dirty="0">
+                <a:latin typeface="Open Sans" panose="020B0606030504020204" pitchFamily="34" charset="0"/>
+                <a:ea typeface="Open Sans" panose="020B0606030504020204" pitchFamily="34" charset="0"/>
+                <a:cs typeface="Open Sans" panose="020B0606030504020204" pitchFamily="34" charset="0"/>
+              </a:rPr>
+              <a:t>На домашно лекување со често посетување на болница</a:t>
+            </a:r>
+          </a:p>
+          <a:p>
+            <a:r>
+              <a:rPr lang="mk-MK" sz="2200" dirty="0">
+                <a:latin typeface="Open Sans" panose="020B0606030504020204" pitchFamily="34" charset="0"/>
+                <a:ea typeface="Open Sans" panose="020B0606030504020204" pitchFamily="34" charset="0"/>
+                <a:cs typeface="Open Sans" panose="020B0606030504020204" pitchFamily="34" charset="0"/>
+              </a:rPr>
+              <a:t>Бројот на овие пациенти постојано се зголемува</a:t>
             </a:r>
           </a:p>
           <a:p>
@@ -7965,7 +5188,7 @@
     </p:spTree>
     <p:extLst>
       <p:ext uri="{BB962C8B-B14F-4D97-AF65-F5344CB8AC3E}">
-        <p14:creationId xmlns:p14="http://schemas.microsoft.com/office/powerpoint/2010/main" val="2416687390"/>
+        <p14:creationId xmlns:p14="http://schemas.microsoft.com/office/powerpoint/2010/main" val="1900576397"/>
       </p:ext>
     </p:extLst>
   </p:cSld>
@@ -8048,7 +5271,7 @@
                 <a:ea typeface="Open Sans" panose="020B0606030504020204" pitchFamily="34" charset="0"/>
                 <a:cs typeface="Open Sans" panose="020B0606030504020204" pitchFamily="34" charset="0"/>
               </a:rPr>
-              <a:t>Пациенти</a:t>
+              <a:t>Лекари</a:t>
             </a:r>
             <a:endParaRPr lang="en-US" sz="3700" dirty="0">
               <a:latin typeface="Open Sans" panose="020B0606030504020204" pitchFamily="34" charset="0"/>
@@ -8071,7 +5294,7 @@
         <p:spPr>
           <a:xfrm>
             <a:off x="912812" y="1447800"/>
-            <a:ext cx="8593122" cy="5410199"/>
+            <a:ext cx="8593122" cy="5334000"/>
           </a:xfrm>
         </p:spPr>
         <p:txBody>
@@ -8081,52 +5304,134 @@
           <a:lstStyle/>
           <a:p>
             <a:r>
+              <a:rPr lang="en-US" sz="2200" dirty="0">
+                <a:latin typeface="Open Sans" panose="020B0606030504020204" pitchFamily="34" charset="0"/>
+                <a:ea typeface="Open Sans" panose="020B0606030504020204" pitchFamily="34" charset="0"/>
+                <a:cs typeface="Open Sans" panose="020B0606030504020204" pitchFamily="34" charset="0"/>
+              </a:rPr>
+              <a:t>  </a:t>
+            </a:r>
+            <a:r>
               <a:rPr lang="mk-MK" sz="2200" dirty="0">
                 <a:latin typeface="Open Sans" panose="020B0606030504020204" pitchFamily="34" charset="0"/>
                 <a:ea typeface="Open Sans" panose="020B0606030504020204" pitchFamily="34" charset="0"/>
                 <a:cs typeface="Open Sans" panose="020B0606030504020204" pitchFamily="34" charset="0"/>
               </a:rPr>
-              <a:t>Болните од хронични опструктивни белодробни заболувања и од дијабетес</a:t>
-            </a:r>
-          </a:p>
-          <a:p>
+              <a:t>4 главни теми кои влијаат на односот на лекарите кон       </a:t>
+            </a:r>
+            <a:r>
+              <a:rPr lang="en-US" sz="2200" dirty="0">
+                <a:latin typeface="Open Sans" panose="020B0606030504020204" pitchFamily="34" charset="0"/>
+                <a:ea typeface="Open Sans" panose="020B0606030504020204" pitchFamily="34" charset="0"/>
+                <a:cs typeface="Open Sans" panose="020B0606030504020204" pitchFamily="34" charset="0"/>
+              </a:rPr>
+              <a:t>      </a:t>
+            </a:r>
             <a:r>
               <a:rPr lang="mk-MK" sz="2200" dirty="0">
                 <a:latin typeface="Open Sans" panose="020B0606030504020204" pitchFamily="34" charset="0"/>
                 <a:ea typeface="Open Sans" panose="020B0606030504020204" pitchFamily="34" charset="0"/>
                 <a:cs typeface="Open Sans" panose="020B0606030504020204" pitchFamily="34" charset="0"/>
               </a:rPr>
-              <a:t>Постари и/или изнемоштени лица</a:t>
-            </a:r>
-          </a:p>
-          <a:p>
+              <a:t>имплементација на нова технологија или апликација</a:t>
+            </a:r>
+          </a:p>
+          <a:p>
+            <a:pPr marL="1093334" lvl="2" indent="-514350">
+              <a:buFont typeface="+mj-lt"/>
+              <a:buAutoNum type="arabicPeriod"/>
+            </a:pPr>
+            <a:r>
+              <a:rPr lang="mk-MK" sz="1800" dirty="0">
+                <a:latin typeface="Open Sans" panose="020B0606030504020204" pitchFamily="34" charset="0"/>
+                <a:ea typeface="Open Sans" panose="020B0606030504020204" pitchFamily="34" charset="0"/>
+                <a:cs typeface="Open Sans" panose="020B0606030504020204" pitchFamily="34" charset="0"/>
+              </a:rPr>
+              <a:t>Значајни и квалитетни подобрувања</a:t>
+            </a:r>
+            <a:endParaRPr lang="en-US" sz="1800" dirty="0">
+              <a:latin typeface="Open Sans" panose="020B0606030504020204" pitchFamily="34" charset="0"/>
+              <a:ea typeface="Open Sans" panose="020B0606030504020204" pitchFamily="34" charset="0"/>
+              <a:cs typeface="Open Sans" panose="020B0606030504020204" pitchFamily="34" charset="0"/>
+            </a:endParaRPr>
+          </a:p>
+          <a:p>
+            <a:pPr marL="1093334" lvl="2" indent="-514350">
+              <a:buFont typeface="+mj-lt"/>
+              <a:buAutoNum type="arabicPeriod"/>
+            </a:pPr>
+            <a:r>
+              <a:rPr lang="mk-MK" sz="1800" dirty="0">
+                <a:latin typeface="Open Sans" panose="020B0606030504020204" pitchFamily="34" charset="0"/>
+                <a:ea typeface="Open Sans" panose="020B0606030504020204" pitchFamily="34" charset="0"/>
+                <a:cs typeface="Open Sans" panose="020B0606030504020204" pitchFamily="34" charset="0"/>
+              </a:rPr>
+              <a:t>Поделба на одговорноста</a:t>
+            </a:r>
+            <a:endParaRPr lang="en-US" sz="1800" dirty="0">
+              <a:latin typeface="Open Sans" panose="020B0606030504020204" pitchFamily="34" charset="0"/>
+              <a:ea typeface="Open Sans" panose="020B0606030504020204" pitchFamily="34" charset="0"/>
+              <a:cs typeface="Open Sans" panose="020B0606030504020204" pitchFamily="34" charset="0"/>
+            </a:endParaRPr>
+          </a:p>
+          <a:p>
+            <a:pPr marL="1093334" lvl="2" indent="-514350">
+              <a:buFont typeface="+mj-lt"/>
+              <a:buAutoNum type="arabicPeriod"/>
+            </a:pPr>
+            <a:r>
+              <a:rPr lang="mk-MK" sz="1800" dirty="0">
+                <a:latin typeface="Open Sans" panose="020B0606030504020204" pitchFamily="34" charset="0"/>
+                <a:ea typeface="Open Sans" panose="020B0606030504020204" pitchFamily="34" charset="0"/>
+                <a:cs typeface="Open Sans" panose="020B0606030504020204" pitchFamily="34" charset="0"/>
+              </a:rPr>
+              <a:t>Неадекватна имплементација</a:t>
+            </a:r>
+            <a:endParaRPr lang="en-US" sz="1800" dirty="0">
+              <a:latin typeface="Open Sans" panose="020B0606030504020204" pitchFamily="34" charset="0"/>
+              <a:ea typeface="Open Sans" panose="020B0606030504020204" pitchFamily="34" charset="0"/>
+              <a:cs typeface="Open Sans" panose="020B0606030504020204" pitchFamily="34" charset="0"/>
+            </a:endParaRPr>
+          </a:p>
+          <a:p>
+            <a:pPr marL="1093334" lvl="2" indent="-514350">
+              <a:buFont typeface="+mj-lt"/>
+              <a:buAutoNum type="arabicPeriod"/>
+            </a:pPr>
+            <a:r>
+              <a:rPr lang="mk-MK" sz="1800" dirty="0">
+                <a:latin typeface="Open Sans" panose="020B0606030504020204" pitchFamily="34" charset="0"/>
+                <a:ea typeface="Open Sans" panose="020B0606030504020204" pitchFamily="34" charset="0"/>
+                <a:cs typeface="Open Sans" panose="020B0606030504020204" pitchFamily="34" charset="0"/>
+              </a:rPr>
+              <a:t>Софтверски проблеми и човечкиот фактор</a:t>
+            </a:r>
+            <a:endParaRPr lang="en-US" sz="1800" dirty="0">
+              <a:latin typeface="Open Sans" panose="020B0606030504020204" pitchFamily="34" charset="0"/>
+              <a:ea typeface="Open Sans" panose="020B0606030504020204" pitchFamily="34" charset="0"/>
+              <a:cs typeface="Open Sans" panose="020B0606030504020204" pitchFamily="34" charset="0"/>
+            </a:endParaRPr>
+          </a:p>
+          <a:p>
+            <a:pPr marL="373408" indent="-342900"/>
             <a:r>
               <a:rPr lang="mk-MK" sz="2200" dirty="0">
                 <a:latin typeface="Open Sans" panose="020B0606030504020204" pitchFamily="34" charset="0"/>
                 <a:ea typeface="Open Sans" panose="020B0606030504020204" pitchFamily="34" charset="0"/>
                 <a:cs typeface="Open Sans" panose="020B0606030504020204" pitchFamily="34" charset="0"/>
               </a:rPr>
-              <a:t>Потешко се справуваат со новата технологијата и не се во тек со најновите технолошки иновации</a:t>
-            </a:r>
-          </a:p>
-          <a:p>
+              <a:t>Имаат разбирање и се отворени кон тоа да се имплементираат нови знаења и нови технологии</a:t>
+            </a:r>
+          </a:p>
+          <a:p>
+            <a:pPr marL="373408" indent="-342900"/>
             <a:r>
               <a:rPr lang="mk-MK" sz="2200" dirty="0">
                 <a:latin typeface="Open Sans" panose="020B0606030504020204" pitchFamily="34" charset="0"/>
                 <a:ea typeface="Open Sans" panose="020B0606030504020204" pitchFamily="34" charset="0"/>
                 <a:cs typeface="Open Sans" panose="020B0606030504020204" pitchFamily="34" charset="0"/>
               </a:rPr>
-              <a:t>Тешко навигираат низ здравствениот систем</a:t>
-            </a:r>
-          </a:p>
-          <a:p>
-            <a:r>
-              <a:rPr lang="mk-MK" sz="2200" dirty="0">
-                <a:latin typeface="Open Sans" panose="020B0606030504020204" pitchFamily="34" charset="0"/>
-                <a:ea typeface="Open Sans" panose="020B0606030504020204" pitchFamily="34" charset="0"/>
-                <a:cs typeface="Open Sans" panose="020B0606030504020204" pitchFamily="34" charset="0"/>
-              </a:rPr>
-              <a:t>Квалитетот на живот кај овие пациенти е на многу ниско ниво</a:t>
+              <a:t>Сакаат да сносат одговорност само за третманот кои тие самите го извршиле</a:t>
             </a:r>
             <a:endParaRPr lang="en-US" sz="2200" dirty="0">
               <a:latin typeface="Open Sans" panose="020B0606030504020204" pitchFamily="34" charset="0"/>
@@ -8135,24 +5440,31 @@
             </a:endParaRPr>
           </a:p>
           <a:p>
+            <a:pPr marL="373408" indent="-342900"/>
             <a:r>
               <a:rPr lang="mk-MK" sz="2200" dirty="0">
                 <a:latin typeface="Open Sans" panose="020B0606030504020204" pitchFamily="34" charset="0"/>
                 <a:ea typeface="Open Sans" panose="020B0606030504020204" pitchFamily="34" charset="0"/>
                 <a:cs typeface="Open Sans" panose="020B0606030504020204" pitchFamily="34" charset="0"/>
               </a:rPr>
-              <a:t>На домашно лекување со често посетување на болница</a:t>
-            </a:r>
-          </a:p>
-          <a:p>
-            <a:r>
-              <a:rPr lang="mk-MK" sz="2200" dirty="0">
-                <a:latin typeface="Open Sans" panose="020B0606030504020204" pitchFamily="34" charset="0"/>
-                <a:ea typeface="Open Sans" panose="020B0606030504020204" pitchFamily="34" charset="0"/>
-                <a:cs typeface="Open Sans" panose="020B0606030504020204" pitchFamily="34" charset="0"/>
-              </a:rPr>
-              <a:t>Бројот на овие пациенти постојано се зголемува</a:t>
-            </a:r>
+              <a:t>Имаат релативно лошо искуство со медицински софтвер кој не бил имплементиран до крај и бил тежок за користење</a:t>
+            </a:r>
+          </a:p>
+          <a:p>
+            <a:pPr marL="373408" indent="-342900"/>
+            <a:endParaRPr lang="mk-MK" sz="2200" dirty="0">
+              <a:latin typeface="Open Sans" panose="020B0606030504020204" pitchFamily="34" charset="0"/>
+              <a:ea typeface="Open Sans" panose="020B0606030504020204" pitchFamily="34" charset="0"/>
+              <a:cs typeface="Open Sans" panose="020B0606030504020204" pitchFamily="34" charset="0"/>
+            </a:endParaRPr>
+          </a:p>
+          <a:p>
+            <a:pPr marL="373408" indent="-342900"/>
+            <a:endParaRPr lang="mk-MK" dirty="0"/>
+          </a:p>
+          <a:p>
+            <a:pPr marL="373408" indent="-342900"/>
+            <a:endParaRPr lang="mk-MK" dirty="0"/>
           </a:p>
           <a:p>
             <a:endParaRPr lang="en-US" dirty="0">
@@ -8166,7 +5478,7 @@
     </p:spTree>
     <p:extLst>
       <p:ext uri="{BB962C8B-B14F-4D97-AF65-F5344CB8AC3E}">
-        <p14:creationId xmlns:p14="http://schemas.microsoft.com/office/powerpoint/2010/main" val="1900576397"/>
+        <p14:creationId xmlns:p14="http://schemas.microsoft.com/office/powerpoint/2010/main" val="391042453"/>
       </p:ext>
     </p:extLst>
   </p:cSld>
@@ -8233,23 +5545,7 @@
                 <a:ea typeface="Open Sans" panose="020B0606030504020204" pitchFamily="34" charset="0"/>
                 <a:cs typeface="Open Sans" panose="020B0606030504020204" pitchFamily="34" charset="0"/>
               </a:rPr>
-              <a:t>Целна група</a:t>
-            </a:r>
-            <a:r>
-              <a:rPr lang="en-US" sz="3700" dirty="0">
-                <a:latin typeface="Open Sans" panose="020B0606030504020204" pitchFamily="34" charset="0"/>
-                <a:ea typeface="Open Sans" panose="020B0606030504020204" pitchFamily="34" charset="0"/>
-                <a:cs typeface="Open Sans" panose="020B0606030504020204" pitchFamily="34" charset="0"/>
-              </a:rPr>
-              <a:t>: </a:t>
-            </a:r>
-            <a:r>
-              <a:rPr lang="mk-MK" sz="3700" dirty="0">
-                <a:latin typeface="Open Sans" panose="020B0606030504020204" pitchFamily="34" charset="0"/>
-                <a:ea typeface="Open Sans" panose="020B0606030504020204" pitchFamily="34" charset="0"/>
-                <a:cs typeface="Open Sans" panose="020B0606030504020204" pitchFamily="34" charset="0"/>
-              </a:rPr>
-              <a:t>Лекари</a:t>
+              <a:t>План за напредок</a:t>
             </a:r>
             <a:endParaRPr lang="en-US" sz="3700" dirty="0">
               <a:latin typeface="Open Sans" panose="020B0606030504020204" pitchFamily="34" charset="0"/>
@@ -8272,7 +5568,7 @@
         <p:spPr>
           <a:xfrm>
             <a:off x="912812" y="1447800"/>
-            <a:ext cx="8593122" cy="5334000"/>
+            <a:ext cx="8593122" cy="5410200"/>
           </a:xfrm>
         </p:spPr>
         <p:txBody>
@@ -8282,168 +5578,142 @@
           <a:lstStyle/>
           <a:p>
             <a:r>
+              <a:rPr lang="mk-MK" sz="2200" dirty="0">
+                <a:latin typeface="Open Sans" panose="020B0606030504020204" pitchFamily="34" charset="0"/>
+                <a:ea typeface="Open Sans" panose="020B0606030504020204" pitchFamily="34" charset="0"/>
+                <a:cs typeface="Open Sans" panose="020B0606030504020204" pitchFamily="34" charset="0"/>
+              </a:rPr>
+              <a:t>Еден вид на мерило за обезбедување на квалитетна нега за пациентот</a:t>
+            </a:r>
+          </a:p>
+          <a:p>
+            <a:r>
+              <a:rPr lang="mk-MK" sz="2200" dirty="0">
+                <a:latin typeface="Open Sans" panose="020B0606030504020204" pitchFamily="34" charset="0"/>
+                <a:ea typeface="Open Sans" panose="020B0606030504020204" pitchFamily="34" charset="0"/>
+                <a:cs typeface="Open Sans" panose="020B0606030504020204" pitchFamily="34" charset="0"/>
+              </a:rPr>
+              <a:t>Генерички преглед на релевантните чекори од процесот за оздравување</a:t>
+            </a:r>
+          </a:p>
+          <a:p>
+            <a:r>
+              <a:rPr lang="mk-MK" sz="2200" dirty="0">
+                <a:latin typeface="Open Sans" panose="020B0606030504020204" pitchFamily="34" charset="0"/>
+                <a:ea typeface="Open Sans" panose="020B0606030504020204" pitchFamily="34" charset="0"/>
+                <a:cs typeface="Open Sans" panose="020B0606030504020204" pitchFamily="34" charset="0"/>
+              </a:rPr>
+              <a:t>Секој план за напредок треба да ги содржи следните информации</a:t>
+            </a:r>
+            <a:r>
               <a:rPr lang="en-US" sz="2200" dirty="0">
                 <a:latin typeface="Open Sans" panose="020B0606030504020204" pitchFamily="34" charset="0"/>
                 <a:ea typeface="Open Sans" panose="020B0606030504020204" pitchFamily="34" charset="0"/>
                 <a:cs typeface="Open Sans" panose="020B0606030504020204" pitchFamily="34" charset="0"/>
               </a:rPr>
-              <a:t>  </a:t>
-            </a:r>
-            <a:r>
-              <a:rPr lang="mk-MK" sz="2200" dirty="0">
-                <a:latin typeface="Open Sans" panose="020B0606030504020204" pitchFamily="34" charset="0"/>
-                <a:ea typeface="Open Sans" panose="020B0606030504020204" pitchFamily="34" charset="0"/>
-                <a:cs typeface="Open Sans" panose="020B0606030504020204" pitchFamily="34" charset="0"/>
-              </a:rPr>
-              <a:t>4 главни теми кои влијаат на односот на лекарите кон       </a:t>
-            </a:r>
-            <a:r>
-              <a:rPr lang="en-US" sz="2200" dirty="0">
-                <a:latin typeface="Open Sans" panose="020B0606030504020204" pitchFamily="34" charset="0"/>
-                <a:ea typeface="Open Sans" panose="020B0606030504020204" pitchFamily="34" charset="0"/>
-                <a:cs typeface="Open Sans" panose="020B0606030504020204" pitchFamily="34" charset="0"/>
-              </a:rPr>
-              <a:t>      </a:t>
-            </a:r>
-            <a:r>
-              <a:rPr lang="mk-MK" sz="2200" dirty="0">
-                <a:latin typeface="Open Sans" panose="020B0606030504020204" pitchFamily="34" charset="0"/>
-                <a:ea typeface="Open Sans" panose="020B0606030504020204" pitchFamily="34" charset="0"/>
-                <a:cs typeface="Open Sans" panose="020B0606030504020204" pitchFamily="34" charset="0"/>
-              </a:rPr>
-              <a:t>имплементација на нова технологија или апликација</a:t>
-            </a:r>
-          </a:p>
-          <a:p>
-            <a:pPr marL="1093334" lvl="2" indent="-514350">
-              <a:buFont typeface="+mj-lt"/>
-              <a:buAutoNum type="arabicPeriod"/>
-            </a:pPr>
-            <a:r>
-              <a:rPr lang="mk-MK" sz="1800" dirty="0">
-                <a:latin typeface="Open Sans" panose="020B0606030504020204" pitchFamily="34" charset="0"/>
-                <a:ea typeface="Open Sans" panose="020B0606030504020204" pitchFamily="34" charset="0"/>
-                <a:cs typeface="Open Sans" panose="020B0606030504020204" pitchFamily="34" charset="0"/>
-              </a:rPr>
-              <a:t>Значајни и квалитетни подобрувања</a:t>
-            </a:r>
-            <a:endParaRPr lang="en-US" sz="1800" dirty="0">
-              <a:latin typeface="Open Sans" panose="020B0606030504020204" pitchFamily="34" charset="0"/>
-              <a:ea typeface="Open Sans" panose="020B0606030504020204" pitchFamily="34" charset="0"/>
-              <a:cs typeface="Open Sans" panose="020B0606030504020204" pitchFamily="34" charset="0"/>
-            </a:endParaRPr>
-          </a:p>
-          <a:p>
-            <a:pPr marL="1093334" lvl="2" indent="-514350">
-              <a:buFont typeface="+mj-lt"/>
-              <a:buAutoNum type="arabicPeriod"/>
-            </a:pPr>
-            <a:r>
-              <a:rPr lang="mk-MK" sz="1800" dirty="0">
-                <a:latin typeface="Open Sans" panose="020B0606030504020204" pitchFamily="34" charset="0"/>
-                <a:ea typeface="Open Sans" panose="020B0606030504020204" pitchFamily="34" charset="0"/>
-                <a:cs typeface="Open Sans" panose="020B0606030504020204" pitchFamily="34" charset="0"/>
-              </a:rPr>
-              <a:t>Поделба на одговорноста</a:t>
-            </a:r>
-            <a:endParaRPr lang="en-US" sz="1800" dirty="0">
-              <a:latin typeface="Open Sans" panose="020B0606030504020204" pitchFamily="34" charset="0"/>
-              <a:ea typeface="Open Sans" panose="020B0606030504020204" pitchFamily="34" charset="0"/>
-              <a:cs typeface="Open Sans" panose="020B0606030504020204" pitchFamily="34" charset="0"/>
-            </a:endParaRPr>
-          </a:p>
-          <a:p>
-            <a:pPr marL="1093334" lvl="2" indent="-514350">
-              <a:buFont typeface="+mj-lt"/>
-              <a:buAutoNum type="arabicPeriod"/>
-            </a:pPr>
-            <a:r>
-              <a:rPr lang="mk-MK" sz="1800" dirty="0">
-                <a:latin typeface="Open Sans" panose="020B0606030504020204" pitchFamily="34" charset="0"/>
-                <a:ea typeface="Open Sans" panose="020B0606030504020204" pitchFamily="34" charset="0"/>
-                <a:cs typeface="Open Sans" panose="020B0606030504020204" pitchFamily="34" charset="0"/>
-              </a:rPr>
-              <a:t>Неадекватна имплементација</a:t>
-            </a:r>
-            <a:endParaRPr lang="en-US" sz="1800" dirty="0">
-              <a:latin typeface="Open Sans" panose="020B0606030504020204" pitchFamily="34" charset="0"/>
-              <a:ea typeface="Open Sans" panose="020B0606030504020204" pitchFamily="34" charset="0"/>
-              <a:cs typeface="Open Sans" panose="020B0606030504020204" pitchFamily="34" charset="0"/>
-            </a:endParaRPr>
-          </a:p>
-          <a:p>
-            <a:pPr marL="1093334" lvl="2" indent="-514350">
-              <a:buFont typeface="+mj-lt"/>
-              <a:buAutoNum type="arabicPeriod"/>
-            </a:pPr>
-            <a:r>
-              <a:rPr lang="mk-MK" sz="1800" dirty="0">
-                <a:latin typeface="Open Sans" panose="020B0606030504020204" pitchFamily="34" charset="0"/>
-                <a:ea typeface="Open Sans" panose="020B0606030504020204" pitchFamily="34" charset="0"/>
-                <a:cs typeface="Open Sans" panose="020B0606030504020204" pitchFamily="34" charset="0"/>
-              </a:rPr>
-              <a:t>Софтверски проблеми и човечкиот фактор</a:t>
-            </a:r>
-            <a:endParaRPr lang="en-US" sz="1800" dirty="0">
-              <a:latin typeface="Open Sans" panose="020B0606030504020204" pitchFamily="34" charset="0"/>
-              <a:ea typeface="Open Sans" panose="020B0606030504020204" pitchFamily="34" charset="0"/>
-              <a:cs typeface="Open Sans" panose="020B0606030504020204" pitchFamily="34" charset="0"/>
-            </a:endParaRPr>
-          </a:p>
-          <a:p>
-            <a:pPr marL="373408" indent="-342900"/>
-            <a:r>
-              <a:rPr lang="mk-MK" sz="2200" dirty="0">
-                <a:latin typeface="Open Sans" panose="020B0606030504020204" pitchFamily="34" charset="0"/>
-                <a:ea typeface="Open Sans" panose="020B0606030504020204" pitchFamily="34" charset="0"/>
-                <a:cs typeface="Open Sans" panose="020B0606030504020204" pitchFamily="34" charset="0"/>
-              </a:rPr>
-              <a:t>Имаат релативно лошо искуство со медицински софтвер кој не бил имплементиран до крај и бил тежок за користење</a:t>
-            </a:r>
-          </a:p>
-          <a:p>
-            <a:pPr marL="373408" indent="-342900"/>
-            <a:r>
-              <a:rPr lang="mk-MK" sz="2200" dirty="0">
-                <a:latin typeface="Open Sans" panose="020B0606030504020204" pitchFamily="34" charset="0"/>
-                <a:ea typeface="Open Sans" panose="020B0606030504020204" pitchFamily="34" charset="0"/>
-                <a:cs typeface="Open Sans" panose="020B0606030504020204" pitchFamily="34" charset="0"/>
-              </a:rPr>
-              <a:t>Имаат разбирање и се отворени кон тоа да се имплементираат нови знаења и нови технологии</a:t>
-            </a:r>
-          </a:p>
-          <a:p>
-            <a:pPr marL="373408" indent="-342900"/>
-            <a:r>
-              <a:rPr lang="mk-MK" sz="2200" dirty="0">
-                <a:latin typeface="Open Sans" panose="020B0606030504020204" pitchFamily="34" charset="0"/>
-                <a:ea typeface="Open Sans" panose="020B0606030504020204" pitchFamily="34" charset="0"/>
-                <a:cs typeface="Open Sans" panose="020B0606030504020204" pitchFamily="34" charset="0"/>
-              </a:rPr>
-              <a:t>Сакаат да сносат одговорност само за третманот кои тие самите го извршиле</a:t>
-            </a:r>
-          </a:p>
-          <a:p>
-            <a:pPr marL="373408" indent="-342900"/>
-            <a:endParaRPr lang="mk-MK" dirty="0"/>
-          </a:p>
-          <a:p>
-            <a:pPr marL="373408" indent="-342900"/>
-            <a:endParaRPr lang="mk-MK" dirty="0"/>
-          </a:p>
-          <a:p>
+              <a:t>:</a:t>
+            </a:r>
+          </a:p>
+          <a:p>
+            <a:pPr lvl="1"/>
+            <a:r>
+              <a:rPr lang="mk-MK" dirty="0">
+                <a:latin typeface="Open Sans" panose="020B0606030504020204" pitchFamily="34" charset="0"/>
+                <a:ea typeface="Open Sans" panose="020B0606030504020204" pitchFamily="34" charset="0"/>
+                <a:cs typeface="Open Sans" panose="020B0606030504020204" pitchFamily="34" charset="0"/>
+              </a:rPr>
+              <a:t>Целите на пациентот</a:t>
+            </a:r>
+          </a:p>
+          <a:p>
+            <a:pPr lvl="1"/>
+            <a:r>
+              <a:rPr lang="mk-MK" dirty="0">
+                <a:latin typeface="Open Sans" panose="020B0606030504020204" pitchFamily="34" charset="0"/>
+                <a:ea typeface="Open Sans" panose="020B0606030504020204" pitchFamily="34" charset="0"/>
+                <a:cs typeface="Open Sans" panose="020B0606030504020204" pitchFamily="34" charset="0"/>
+              </a:rPr>
+              <a:t>Третман</a:t>
+            </a:r>
+          </a:p>
+          <a:p>
+            <a:pPr lvl="1"/>
+            <a:r>
+              <a:rPr lang="mk-MK" dirty="0">
+                <a:latin typeface="Open Sans" panose="020B0606030504020204" pitchFamily="34" charset="0"/>
+                <a:ea typeface="Open Sans" panose="020B0606030504020204" pitchFamily="34" charset="0"/>
+                <a:cs typeface="Open Sans" panose="020B0606030504020204" pitchFamily="34" charset="0"/>
+              </a:rPr>
+              <a:t>Информации за рехабилитација и едукација на пациентот</a:t>
+            </a:r>
+          </a:p>
+          <a:p>
+            <a:pPr lvl="1"/>
+            <a:r>
+              <a:rPr lang="mk-MK" dirty="0">
+                <a:latin typeface="Open Sans" panose="020B0606030504020204" pitchFamily="34" charset="0"/>
+                <a:ea typeface="Open Sans" panose="020B0606030504020204" pitchFamily="34" charset="0"/>
+                <a:cs typeface="Open Sans" panose="020B0606030504020204" pitchFamily="34" charset="0"/>
+              </a:rPr>
+              <a:t>Инструкции и информативни видеа</a:t>
+            </a:r>
+          </a:p>
+          <a:p>
+            <a:pPr lvl="1"/>
+            <a:r>
+              <a:rPr lang="mk-MK" dirty="0">
+                <a:latin typeface="Open Sans" panose="020B0606030504020204" pitchFamily="34" charset="0"/>
+                <a:ea typeface="Open Sans" panose="020B0606030504020204" pitchFamily="34" charset="0"/>
+                <a:cs typeface="Open Sans" panose="020B0606030504020204" pitchFamily="34" charset="0"/>
+              </a:rPr>
+              <a:t>Мерења и тестирања</a:t>
+            </a:r>
+          </a:p>
+          <a:p>
+            <a:pPr lvl="1"/>
+            <a:r>
+              <a:rPr lang="mk-MK" dirty="0">
+                <a:latin typeface="Open Sans" panose="020B0606030504020204" pitchFamily="34" charset="0"/>
+                <a:ea typeface="Open Sans" panose="020B0606030504020204" pitchFamily="34" charset="0"/>
+                <a:cs typeface="Open Sans" panose="020B0606030504020204" pitchFamily="34" charset="0"/>
+              </a:rPr>
+              <a:t>Информации за комуникација и инволвираност</a:t>
+            </a:r>
             <a:endParaRPr lang="en-US" dirty="0">
               <a:latin typeface="Open Sans" panose="020B0606030504020204" pitchFamily="34" charset="0"/>
               <a:ea typeface="Open Sans" panose="020B0606030504020204" pitchFamily="34" charset="0"/>
               <a:cs typeface="Open Sans" panose="020B0606030504020204" pitchFamily="34" charset="0"/>
             </a:endParaRPr>
           </a:p>
+          <a:p>
+            <a:pPr lvl="1"/>
+            <a:r>
+              <a:rPr lang="mk-MK" dirty="0">
+                <a:latin typeface="Open Sans" panose="020B0606030504020204" pitchFamily="34" charset="0"/>
+                <a:ea typeface="Open Sans" panose="020B0606030504020204" pitchFamily="34" charset="0"/>
+                <a:cs typeface="Open Sans" panose="020B0606030504020204" pitchFamily="34" charset="0"/>
+              </a:rPr>
+              <a:t>Распоред на термини</a:t>
+            </a:r>
+            <a:endParaRPr lang="en-US" dirty="0">
+              <a:latin typeface="Open Sans" panose="020B0606030504020204" pitchFamily="34" charset="0"/>
+              <a:ea typeface="Open Sans" panose="020B0606030504020204" pitchFamily="34" charset="0"/>
+              <a:cs typeface="Open Sans" panose="020B0606030504020204" pitchFamily="34" charset="0"/>
+            </a:endParaRPr>
+          </a:p>
+          <a:p>
+            <a:endParaRPr lang="en-US" dirty="0">
+              <a:latin typeface="Open Sans" panose="020B0606030504020204" pitchFamily="34" charset="0"/>
+              <a:ea typeface="Open Sans" panose="020B0606030504020204" pitchFamily="34" charset="0"/>
+              <a:cs typeface="Open Sans" panose="020B0606030504020204" pitchFamily="34" charset="0"/>
+            </a:endParaRPr>
+          </a:p>
         </p:txBody>
       </p:sp>
     </p:spTree>
     <p:extLst>
       <p:ext uri="{BB962C8B-B14F-4D97-AF65-F5344CB8AC3E}">
-        <p14:creationId xmlns:p14="http://schemas.microsoft.com/office/powerpoint/2010/main" val="391042453"/>
+        <p14:creationId xmlns:p14="http://schemas.microsoft.com/office/powerpoint/2010/main" val="804713421"/>
       </p:ext>
     </p:extLst>
   </p:cSld>
@@ -8495,7 +5765,7 @@
         <p:spPr>
           <a:xfrm>
             <a:off x="713046" y="1"/>
-            <a:ext cx="9690116" cy="1066800"/>
+            <a:ext cx="10181966" cy="1066800"/>
           </a:xfrm>
         </p:spPr>
         <p:txBody>
@@ -8510,7 +5780,7 @@
                 <a:ea typeface="Open Sans" panose="020B0606030504020204" pitchFamily="34" charset="0"/>
                 <a:cs typeface="Open Sans" panose="020B0606030504020204" pitchFamily="34" charset="0"/>
               </a:rPr>
-              <a:t>План за напредок</a:t>
+              <a:t>ИТ решение за приказ на план за напредок</a:t>
             </a:r>
             <a:endParaRPr lang="en-US" sz="3700" dirty="0">
               <a:latin typeface="Open Sans" panose="020B0606030504020204" pitchFamily="34" charset="0"/>
@@ -8533,7 +5803,7 @@
         <p:spPr>
           <a:xfrm>
             <a:off x="912812" y="1447800"/>
-            <a:ext cx="8593122" cy="5410200"/>
+            <a:ext cx="8593122" cy="4648200"/>
           </a:xfrm>
         </p:spPr>
         <p:txBody>
@@ -8543,35 +5813,35 @@
           <a:lstStyle/>
           <a:p>
             <a:r>
-              <a:rPr lang="mk-MK" sz="2200" dirty="0">
-                <a:latin typeface="Open Sans" panose="020B0606030504020204" pitchFamily="34" charset="0"/>
-                <a:ea typeface="Open Sans" panose="020B0606030504020204" pitchFamily="34" charset="0"/>
-                <a:cs typeface="Open Sans" panose="020B0606030504020204" pitchFamily="34" charset="0"/>
-              </a:rPr>
-              <a:t>Еден вид на мерило за обезбедување на квалитетна нега за пациентот</a:t>
-            </a:r>
-          </a:p>
-          <a:p>
-            <a:r>
-              <a:rPr lang="mk-MK" sz="2200" dirty="0">
-                <a:latin typeface="Open Sans" panose="020B0606030504020204" pitchFamily="34" charset="0"/>
-                <a:ea typeface="Open Sans" panose="020B0606030504020204" pitchFamily="34" charset="0"/>
-                <a:cs typeface="Open Sans" panose="020B0606030504020204" pitchFamily="34" charset="0"/>
-              </a:rPr>
-              <a:t>Генерички преглед на релевантните чекори од процесот за оздравување</a:t>
-            </a:r>
-          </a:p>
-          <a:p>
-            <a:r>
-              <a:rPr lang="mk-MK" sz="2200" dirty="0">
-                <a:latin typeface="Open Sans" panose="020B0606030504020204" pitchFamily="34" charset="0"/>
-                <a:ea typeface="Open Sans" panose="020B0606030504020204" pitchFamily="34" charset="0"/>
-                <a:cs typeface="Open Sans" panose="020B0606030504020204" pitchFamily="34" charset="0"/>
-              </a:rPr>
-              <a:t>Секој план за напредок треба да ги содржи следните информации</a:t>
-            </a:r>
-            <a:r>
-              <a:rPr lang="en-US" sz="2200" dirty="0">
+              <a:rPr lang="mk-MK" dirty="0">
+                <a:latin typeface="Open Sans" panose="020B0606030504020204" pitchFamily="34" charset="0"/>
+                <a:ea typeface="Open Sans" panose="020B0606030504020204" pitchFamily="34" charset="0"/>
+                <a:cs typeface="Open Sans" panose="020B0606030504020204" pitchFamily="34" charset="0"/>
+              </a:rPr>
+              <a:t>Мора да биде лесно за употреба</a:t>
+            </a:r>
+          </a:p>
+          <a:p>
+            <a:r>
+              <a:rPr lang="mk-MK" dirty="0">
+                <a:latin typeface="Open Sans" panose="020B0606030504020204" pitchFamily="34" charset="0"/>
+                <a:ea typeface="Open Sans" panose="020B0606030504020204" pitchFamily="34" charset="0"/>
+                <a:cs typeface="Open Sans" panose="020B0606030504020204" pitchFamily="34" charset="0"/>
+              </a:rPr>
+              <a:t>Мора да биде во можност да прикаже било каков план за напредок, односно сите можни графици и податоци</a:t>
+            </a:r>
+          </a:p>
+          <a:p>
+            <a:r>
+              <a:rPr lang="mk-MK" dirty="0">
+                <a:latin typeface="Open Sans" panose="020B0606030504020204" pitchFamily="34" charset="0"/>
+                <a:ea typeface="Open Sans" panose="020B0606030504020204" pitchFamily="34" charset="0"/>
+                <a:cs typeface="Open Sans" panose="020B0606030504020204" pitchFamily="34" charset="0"/>
+              </a:rPr>
+              <a:t>Процесот на развивање на апликација треба да содржи 3 главни процеси, кои се меѓусебно зависни и кои се преклопуваат</a:t>
+            </a:r>
+            <a:r>
+              <a:rPr lang="ru-RU" dirty="0">
                 <a:latin typeface="Open Sans" panose="020B0606030504020204" pitchFamily="34" charset="0"/>
                 <a:ea typeface="Open Sans" panose="020B0606030504020204" pitchFamily="34" charset="0"/>
                 <a:cs typeface="Open Sans" panose="020B0606030504020204" pitchFamily="34" charset="0"/>
@@ -8580,69 +5850,17 @@
             </a:r>
           </a:p>
           <a:p>
-            <a:pPr lvl="1"/>
+            <a:pPr marL="835086" lvl="1" indent="-457200">
+              <a:buFont typeface="+mj-lt"/>
+              <a:buAutoNum type="arabicPeriod"/>
+            </a:pPr>
             <a:r>
               <a:rPr lang="mk-MK" dirty="0">
                 <a:latin typeface="Open Sans" panose="020B0606030504020204" pitchFamily="34" charset="0"/>
                 <a:ea typeface="Open Sans" panose="020B0606030504020204" pitchFamily="34" charset="0"/>
                 <a:cs typeface="Open Sans" panose="020B0606030504020204" pitchFamily="34" charset="0"/>
               </a:rPr>
-              <a:t>Целите на пациентот</a:t>
-            </a:r>
-          </a:p>
-          <a:p>
-            <a:pPr lvl="1"/>
-            <a:r>
-              <a:rPr lang="mk-MK" dirty="0">
-                <a:latin typeface="Open Sans" panose="020B0606030504020204" pitchFamily="34" charset="0"/>
-                <a:ea typeface="Open Sans" panose="020B0606030504020204" pitchFamily="34" charset="0"/>
-                <a:cs typeface="Open Sans" panose="020B0606030504020204" pitchFamily="34" charset="0"/>
-              </a:rPr>
-              <a:t>Третман</a:t>
-            </a:r>
-          </a:p>
-          <a:p>
-            <a:pPr lvl="1"/>
-            <a:r>
-              <a:rPr lang="mk-MK" dirty="0">
-                <a:latin typeface="Open Sans" panose="020B0606030504020204" pitchFamily="34" charset="0"/>
-                <a:ea typeface="Open Sans" panose="020B0606030504020204" pitchFamily="34" charset="0"/>
-                <a:cs typeface="Open Sans" panose="020B0606030504020204" pitchFamily="34" charset="0"/>
-              </a:rPr>
-              <a:t>Информации за рехабилитација и едукација на пациентот</a:t>
-            </a:r>
-          </a:p>
-          <a:p>
-            <a:pPr lvl="1"/>
-            <a:r>
-              <a:rPr lang="mk-MK" dirty="0">
-                <a:latin typeface="Open Sans" panose="020B0606030504020204" pitchFamily="34" charset="0"/>
-                <a:ea typeface="Open Sans" panose="020B0606030504020204" pitchFamily="34" charset="0"/>
-                <a:cs typeface="Open Sans" panose="020B0606030504020204" pitchFamily="34" charset="0"/>
-              </a:rPr>
-              <a:t>Инструкции и информативни видеа</a:t>
-            </a:r>
-          </a:p>
-          <a:p>
-            <a:pPr lvl="1"/>
-            <a:r>
-              <a:rPr lang="mk-MK" dirty="0">
-                <a:latin typeface="Open Sans" panose="020B0606030504020204" pitchFamily="34" charset="0"/>
-                <a:ea typeface="Open Sans" panose="020B0606030504020204" pitchFamily="34" charset="0"/>
-                <a:cs typeface="Open Sans" panose="020B0606030504020204" pitchFamily="34" charset="0"/>
-              </a:rPr>
-              <a:t>Мерења и тестирања</a:t>
-            </a:r>
-          </a:p>
-          <a:p>
-            <a:pPr lvl="1"/>
-            <a:r>
-              <a:rPr lang="mk-MK" dirty="0">
-                <a:latin typeface="Open Sans" panose="020B0606030504020204" pitchFamily="34" charset="0"/>
-                <a:ea typeface="Open Sans" panose="020B0606030504020204" pitchFamily="34" charset="0"/>
-                <a:cs typeface="Open Sans" panose="020B0606030504020204" pitchFamily="34" charset="0"/>
-              </a:rPr>
-              <a:t>Информации за комуникација и инволвираност</a:t>
+              <a:t>Прибирање на желбите и побарувањата на медицинските работници и на пациентите за содржината на информациите и дизајнот и подготовка на прототип</a:t>
             </a:r>
             <a:endParaRPr lang="en-US" dirty="0">
               <a:latin typeface="Open Sans" panose="020B0606030504020204" pitchFamily="34" charset="0"/>
@@ -8651,14 +5869,17 @@
             </a:endParaRPr>
           </a:p>
           <a:p>
-            <a:pPr lvl="1"/>
+            <a:pPr marL="835086" lvl="1" indent="-457200">
+              <a:buFont typeface="+mj-lt"/>
+              <a:buAutoNum type="arabicPeriod"/>
+            </a:pPr>
             <a:r>
               <a:rPr lang="mk-MK" dirty="0">
                 <a:latin typeface="Open Sans" panose="020B0606030504020204" pitchFamily="34" charset="0"/>
                 <a:ea typeface="Open Sans" panose="020B0606030504020204" pitchFamily="34" charset="0"/>
                 <a:cs typeface="Open Sans" panose="020B0606030504020204" pitchFamily="34" charset="0"/>
               </a:rPr>
-              <a:t>Распоред на термини</a:t>
+              <a:t>Овозможување на системска поддршка и искористување на веќе постоечки информации</a:t>
             </a:r>
             <a:endParaRPr lang="en-US" dirty="0">
               <a:latin typeface="Open Sans" panose="020B0606030504020204" pitchFamily="34" charset="0"/>
@@ -8667,265 +5888,6 @@
             </a:endParaRPr>
           </a:p>
           <a:p>
-            <a:endParaRPr lang="en-US" dirty="0">
-              <a:latin typeface="Open Sans" panose="020B0606030504020204" pitchFamily="34" charset="0"/>
-              <a:ea typeface="Open Sans" panose="020B0606030504020204" pitchFamily="34" charset="0"/>
-              <a:cs typeface="Open Sans" panose="020B0606030504020204" pitchFamily="34" charset="0"/>
-            </a:endParaRPr>
-          </a:p>
-        </p:txBody>
-      </p:sp>
-    </p:spTree>
-    <p:extLst>
-      <p:ext uri="{BB962C8B-B14F-4D97-AF65-F5344CB8AC3E}">
-        <p14:creationId xmlns:p14="http://schemas.microsoft.com/office/powerpoint/2010/main" val="804713421"/>
-      </p:ext>
-    </p:extLst>
-  </p:cSld>
-  <p:clrMapOvr>
-    <a:masterClrMapping/>
-  </p:clrMapOvr>
-  <mc:AlternateContent xmlns:mc="http://schemas.openxmlformats.org/markup-compatibility/2006" xmlns:p14="http://schemas.microsoft.com/office/powerpoint/2010/main">
-    <mc:Choice Requires="p14">
-      <p:transition spd="med" p14:dur="700">
-        <p:fade/>
-      </p:transition>
-    </mc:Choice>
-    <mc:Fallback xmlns="">
-      <p:transition spd="med">
-        <p:fade/>
-      </p:transition>
-    </mc:Fallback>
-  </mc:AlternateContent>
-</p:sld>
-</file>
-
-<file path=ppt/slides/slide15.xml><?xml version="1.0" encoding="utf-8"?>
-<p:sld xmlns:a="http://schemas.openxmlformats.org/drawingml/2006/main" xmlns:r="http://schemas.openxmlformats.org/officeDocument/2006/relationships" xmlns:p="http://schemas.openxmlformats.org/presentationml/2006/main">
-  <p:cSld>
-    <p:spTree>
-      <p:nvGrpSpPr>
-        <p:cNvPr id="1" name=""/>
-        <p:cNvGrpSpPr/>
-        <p:nvPr/>
-      </p:nvGrpSpPr>
-      <p:grpSpPr>
-        <a:xfrm>
-          <a:off x="0" y="0"/>
-          <a:ext cx="0" cy="0"/>
-          <a:chOff x="0" y="0"/>
-          <a:chExt cx="0" cy="0"/>
-        </a:xfrm>
-      </p:grpSpPr>
-      <p:sp>
-        <p:nvSpPr>
-          <p:cNvPr id="2" name="Title 1"/>
-          <p:cNvSpPr>
-            <a:spLocks noGrp="1"/>
-          </p:cNvSpPr>
-          <p:nvPr>
-            <p:ph type="title"/>
-          </p:nvPr>
-        </p:nvSpPr>
-        <p:spPr>
-          <a:xfrm>
-            <a:off x="713046" y="1"/>
-            <a:ext cx="9690116" cy="1066800"/>
-          </a:xfrm>
-        </p:spPr>
-        <p:txBody>
-          <a:bodyPr>
-            <a:normAutofit/>
-          </a:bodyPr>
-          <a:lstStyle/>
-          <a:p>
-            <a:r>
-              <a:rPr lang="mk-MK" sz="3700" dirty="0">
-                <a:latin typeface="Open Sans" panose="020B0606030504020204" pitchFamily="34" charset="0"/>
-                <a:ea typeface="Open Sans" panose="020B0606030504020204" pitchFamily="34" charset="0"/>
-                <a:cs typeface="Open Sans" panose="020B0606030504020204" pitchFamily="34" charset="0"/>
-              </a:rPr>
-              <a:t>Креирање на план за напредок</a:t>
-            </a:r>
-            <a:endParaRPr lang="en-US" sz="3700" dirty="0">
-              <a:latin typeface="Open Sans" panose="020B0606030504020204" pitchFamily="34" charset="0"/>
-              <a:ea typeface="Open Sans" panose="020B0606030504020204" pitchFamily="34" charset="0"/>
-              <a:cs typeface="Open Sans" panose="020B0606030504020204" pitchFamily="34" charset="0"/>
-            </a:endParaRPr>
-          </a:p>
-        </p:txBody>
-      </p:sp>
-      <p:graphicFrame>
-        <p:nvGraphicFramePr>
-          <p:cNvPr id="4" name="Content Placeholder 3">
-            <a:extLst>
-              <a:ext uri="{FF2B5EF4-FFF2-40B4-BE49-F238E27FC236}">
-                <a16:creationId xmlns:a16="http://schemas.microsoft.com/office/drawing/2014/main" id="{1C26C3B1-4F32-4E8B-8A81-9EE6A2056A5E}"/>
-              </a:ext>
-            </a:extLst>
-          </p:cNvPr>
-          <p:cNvGraphicFramePr>
-            <a:graphicFrameLocks noGrp="1"/>
-          </p:cNvGraphicFramePr>
-          <p:nvPr>
-            <p:ph idx="1"/>
-            <p:extLst>
-              <p:ext uri="{D42A27DB-BD31-4B8C-83A1-F6EECF244321}">
-                <p14:modId xmlns:p14="http://schemas.microsoft.com/office/powerpoint/2010/main" val="4243948083"/>
-              </p:ext>
-            </p:extLst>
-          </p:nvPr>
-        </p:nvGraphicFramePr>
-        <p:xfrm>
-          <a:off x="812929" y="1447800"/>
-          <a:ext cx="9490349" cy="4876800"/>
-        </p:xfrm>
-        <a:graphic>
-          <a:graphicData uri="http://schemas.openxmlformats.org/drawingml/2006/diagram">
-            <dgm:relIds xmlns:dgm="http://schemas.openxmlformats.org/drawingml/2006/diagram" xmlns:r="http://schemas.openxmlformats.org/officeDocument/2006/relationships" r:dm="rId2" r:lo="rId3" r:qs="rId4" r:cs="rId5"/>
-          </a:graphicData>
-        </a:graphic>
-      </p:graphicFrame>
-    </p:spTree>
-    <p:extLst>
-      <p:ext uri="{BB962C8B-B14F-4D97-AF65-F5344CB8AC3E}">
-        <p14:creationId xmlns:p14="http://schemas.microsoft.com/office/powerpoint/2010/main" val="2865946622"/>
-      </p:ext>
-    </p:extLst>
-  </p:cSld>
-  <p:clrMapOvr>
-    <a:masterClrMapping/>
-  </p:clrMapOvr>
-  <mc:AlternateContent xmlns:mc="http://schemas.openxmlformats.org/markup-compatibility/2006" xmlns:p14="http://schemas.microsoft.com/office/powerpoint/2010/main">
-    <mc:Choice Requires="p14">
-      <p:transition spd="med" p14:dur="700">
-        <p:fade/>
-      </p:transition>
-    </mc:Choice>
-    <mc:Fallback xmlns="">
-      <p:transition spd="med">
-        <p:fade/>
-      </p:transition>
-    </mc:Fallback>
-  </mc:AlternateContent>
-</p:sld>
-</file>
-
-<file path=ppt/slides/slide16.xml><?xml version="1.0" encoding="utf-8"?>
-<p:sld xmlns:a="http://schemas.openxmlformats.org/drawingml/2006/main" xmlns:r="http://schemas.openxmlformats.org/officeDocument/2006/relationships" xmlns:p="http://schemas.openxmlformats.org/presentationml/2006/main">
-  <p:cSld>
-    <p:spTree>
-      <p:nvGrpSpPr>
-        <p:cNvPr id="1" name=""/>
-        <p:cNvGrpSpPr/>
-        <p:nvPr/>
-      </p:nvGrpSpPr>
-      <p:grpSpPr>
-        <a:xfrm>
-          <a:off x="0" y="0"/>
-          <a:ext cx="0" cy="0"/>
-          <a:chOff x="0" y="0"/>
-          <a:chExt cx="0" cy="0"/>
-        </a:xfrm>
-      </p:grpSpPr>
-      <p:sp>
-        <p:nvSpPr>
-          <p:cNvPr id="2" name="Title 1"/>
-          <p:cNvSpPr>
-            <a:spLocks noGrp="1"/>
-          </p:cNvSpPr>
-          <p:nvPr>
-            <p:ph type="title"/>
-          </p:nvPr>
-        </p:nvSpPr>
-        <p:spPr>
-          <a:xfrm>
-            <a:off x="713046" y="1"/>
-            <a:ext cx="10181966" cy="1066800"/>
-          </a:xfrm>
-        </p:spPr>
-        <p:txBody>
-          <a:bodyPr>
-            <a:normAutofit/>
-          </a:bodyPr>
-          <a:lstStyle/>
-          <a:p>
-            <a:r>
-              <a:rPr lang="mk-MK" sz="3700" dirty="0">
-                <a:latin typeface="Open Sans" panose="020B0606030504020204" pitchFamily="34" charset="0"/>
-                <a:ea typeface="Open Sans" panose="020B0606030504020204" pitchFamily="34" charset="0"/>
-                <a:cs typeface="Open Sans" panose="020B0606030504020204" pitchFamily="34" charset="0"/>
-              </a:rPr>
-              <a:t>ИТ решение за приказ на план за напредок</a:t>
-            </a:r>
-            <a:endParaRPr lang="en-US" sz="3700" dirty="0">
-              <a:latin typeface="Open Sans" panose="020B0606030504020204" pitchFamily="34" charset="0"/>
-              <a:ea typeface="Open Sans" panose="020B0606030504020204" pitchFamily="34" charset="0"/>
-              <a:cs typeface="Open Sans" panose="020B0606030504020204" pitchFamily="34" charset="0"/>
-            </a:endParaRPr>
-          </a:p>
-        </p:txBody>
-      </p:sp>
-      <p:sp>
-        <p:nvSpPr>
-          <p:cNvPr id="3" name="Content Placeholder 2"/>
-          <p:cNvSpPr>
-            <a:spLocks noGrp="1"/>
-          </p:cNvSpPr>
-          <p:nvPr>
-            <p:ph idx="1"/>
-          </p:nvPr>
-        </p:nvSpPr>
-        <p:spPr>
-          <a:xfrm>
-            <a:off x="912812" y="1447800"/>
-            <a:ext cx="8593122" cy="5334000"/>
-          </a:xfrm>
-        </p:spPr>
-        <p:txBody>
-          <a:bodyPr>
-            <a:normAutofit/>
-          </a:bodyPr>
-          <a:lstStyle/>
-          <a:p>
-            <a:r>
-              <a:rPr lang="mk-MK" dirty="0">
-                <a:latin typeface="Open Sans" panose="020B0606030504020204" pitchFamily="34" charset="0"/>
-                <a:ea typeface="Open Sans" panose="020B0606030504020204" pitchFamily="34" charset="0"/>
-                <a:cs typeface="Open Sans" panose="020B0606030504020204" pitchFamily="34" charset="0"/>
-              </a:rPr>
-              <a:t>Мора да биде лесно за употреба</a:t>
-            </a:r>
-          </a:p>
-          <a:p>
-            <a:r>
-              <a:rPr lang="mk-MK" dirty="0">
-                <a:latin typeface="Open Sans" panose="020B0606030504020204" pitchFamily="34" charset="0"/>
-                <a:ea typeface="Open Sans" panose="020B0606030504020204" pitchFamily="34" charset="0"/>
-                <a:cs typeface="Open Sans" panose="020B0606030504020204" pitchFamily="34" charset="0"/>
-              </a:rPr>
-              <a:t>Мора да биде во можност да прикаже било каков план за напредок, односно сите можни графици и податоци</a:t>
-            </a:r>
-          </a:p>
-          <a:p>
-            <a:r>
-              <a:rPr lang="mk-MK" dirty="0">
-                <a:latin typeface="Open Sans" panose="020B0606030504020204" pitchFamily="34" charset="0"/>
-                <a:ea typeface="Open Sans" panose="020B0606030504020204" pitchFamily="34" charset="0"/>
-                <a:cs typeface="Open Sans" panose="020B0606030504020204" pitchFamily="34" charset="0"/>
-              </a:rPr>
-              <a:t>Процесот на развивање на апликација треба да содржи 3 главни процеси, кои се меѓусебно зависни и кои се преклопуваат</a:t>
-            </a:r>
-            <a:r>
-              <a:rPr lang="ru-RU" dirty="0">
-                <a:latin typeface="Open Sans" panose="020B0606030504020204" pitchFamily="34" charset="0"/>
-                <a:ea typeface="Open Sans" panose="020B0606030504020204" pitchFamily="34" charset="0"/>
-                <a:cs typeface="Open Sans" panose="020B0606030504020204" pitchFamily="34" charset="0"/>
-              </a:rPr>
-              <a:t>:</a:t>
-            </a:r>
-          </a:p>
-          <a:p>
             <a:pPr marL="835086" lvl="1" indent="-457200">
               <a:buFont typeface="+mj-lt"/>
               <a:buAutoNum type="arabicPeriod"/>
@@ -8936,62 +5898,8 @@
                 <a:ea typeface="Open Sans" panose="020B0606030504020204" pitchFamily="34" charset="0"/>
                 <a:cs typeface="Open Sans" panose="020B0606030504020204" pitchFamily="34" charset="0"/>
               </a:rPr>
-              <a:t>Прибирање на желбите и побарувањата на медицинските работници и на пациентите за содржината на информациите и дизајнот и подготовка на прототип</a:t>
-            </a:r>
-            <a:endParaRPr lang="en-US" dirty="0">
-              <a:latin typeface="Open Sans" panose="020B0606030504020204" pitchFamily="34" charset="0"/>
-              <a:ea typeface="Open Sans" panose="020B0606030504020204" pitchFamily="34" charset="0"/>
-              <a:cs typeface="Open Sans" panose="020B0606030504020204" pitchFamily="34" charset="0"/>
-            </a:endParaRPr>
-          </a:p>
-          <a:p>
-            <a:pPr marL="835086" lvl="1" indent="-457200">
-              <a:buFont typeface="+mj-lt"/>
-              <a:buAutoNum type="arabicPeriod"/>
-            </a:pPr>
-            <a:r>
-              <a:rPr lang="mk-MK" dirty="0">
-                <a:latin typeface="Open Sans" panose="020B0606030504020204" pitchFamily="34" charset="0"/>
-                <a:ea typeface="Open Sans" panose="020B0606030504020204" pitchFamily="34" charset="0"/>
-                <a:cs typeface="Open Sans" panose="020B0606030504020204" pitchFamily="34" charset="0"/>
-              </a:rPr>
-              <a:t>Овозможување на системска поддршка и искористување на веќе постоечки информации</a:t>
-            </a:r>
-            <a:endParaRPr lang="en-US" dirty="0">
-              <a:latin typeface="Open Sans" panose="020B0606030504020204" pitchFamily="34" charset="0"/>
-              <a:ea typeface="Open Sans" panose="020B0606030504020204" pitchFamily="34" charset="0"/>
-              <a:cs typeface="Open Sans" panose="020B0606030504020204" pitchFamily="34" charset="0"/>
-            </a:endParaRPr>
-          </a:p>
-          <a:p>
-            <a:pPr marL="835086" lvl="1" indent="-457200">
-              <a:buFont typeface="+mj-lt"/>
-              <a:buAutoNum type="arabicPeriod"/>
-            </a:pPr>
-            <a:r>
-              <a:rPr lang="mk-MK" dirty="0">
-                <a:latin typeface="Open Sans" panose="020B0606030504020204" pitchFamily="34" charset="0"/>
-                <a:ea typeface="Open Sans" panose="020B0606030504020204" pitchFamily="34" charset="0"/>
-                <a:cs typeface="Open Sans" panose="020B0606030504020204" pitchFamily="34" charset="0"/>
-              </a:rPr>
               <a:t>Тестирање и пребирање на повратни одговори со корисниците на апликацијата  </a:t>
             </a:r>
-          </a:p>
-          <a:p>
-            <a:pPr marL="416040" indent="-342900"/>
-            <a:r>
-              <a:rPr lang="mk-MK" dirty="0">
-                <a:latin typeface="Open Sans" panose="020B0606030504020204" pitchFamily="34" charset="0"/>
-                <a:ea typeface="Open Sans" panose="020B0606030504020204" pitchFamily="34" charset="0"/>
-                <a:cs typeface="Open Sans" panose="020B0606030504020204" pitchFamily="34" charset="0"/>
-              </a:rPr>
-              <a:t>Повеќеплатформската апликација, која што е резултатот на ова магистерска работа, требаше да го изработи првиот процес</a:t>
-            </a:r>
-            <a:endParaRPr lang="en-US" dirty="0">
-              <a:latin typeface="Open Sans" panose="020B0606030504020204" pitchFamily="34" charset="0"/>
-              <a:ea typeface="Open Sans" panose="020B0606030504020204" pitchFamily="34" charset="0"/>
-              <a:cs typeface="Open Sans" panose="020B0606030504020204" pitchFamily="34" charset="0"/>
-            </a:endParaRPr>
           </a:p>
           <a:p>
             <a:endParaRPr lang="en-US" dirty="0">
@@ -9027,7 +5935,7 @@
 </p:sld>
 </file>
 
-<file path=ppt/slides/slide17.xml><?xml version="1.0" encoding="utf-8"?>
+<file path=ppt/slides/slide15.xml><?xml version="1.0" encoding="utf-8"?>
 <p:sld xmlns:a="http://schemas.openxmlformats.org/drawingml/2006/main" xmlns:r="http://schemas.openxmlformats.org/officeDocument/2006/relationships" xmlns:p="http://schemas.openxmlformats.org/presentationml/2006/main">
   <p:cSld>
     <p:spTree>
@@ -9143,7 +6051,7 @@
 </p:sld>
 </file>
 
-<file path=ppt/slides/slide18.xml><?xml version="1.0" encoding="utf-8"?>
+<file path=ppt/slides/slide16.xml><?xml version="1.0" encoding="utf-8"?>
 <p:sld xmlns:a="http://schemas.openxmlformats.org/drawingml/2006/main" xmlns:r="http://schemas.openxmlformats.org/officeDocument/2006/relationships" xmlns:p="http://schemas.openxmlformats.org/presentationml/2006/main">
   <p:cSld>
     <p:spTree>
@@ -9255,7 +6163,7 @@
 </p:sld>
 </file>
 
-<file path=ppt/slides/slide19.xml><?xml version="1.0" encoding="utf-8"?>
+<file path=ppt/slides/slide17.xml><?xml version="1.0" encoding="utf-8"?>
 <p:sld xmlns:a="http://schemas.openxmlformats.org/drawingml/2006/main" xmlns:r="http://schemas.openxmlformats.org/officeDocument/2006/relationships" xmlns:p="http://schemas.openxmlformats.org/presentationml/2006/main">
   <p:cSld>
     <p:spTree>
@@ -9453,364 +6361,7 @@
 </p:sld>
 </file>
 
-<file path=ppt/slides/slide2.xml><?xml version="1.0" encoding="utf-8"?>
-<p:sld xmlns:a="http://schemas.openxmlformats.org/drawingml/2006/main" xmlns:r="http://schemas.openxmlformats.org/officeDocument/2006/relationships" xmlns:p="http://schemas.openxmlformats.org/presentationml/2006/main">
-  <p:cSld>
-    <p:spTree>
-      <p:nvGrpSpPr>
-        <p:cNvPr id="1" name=""/>
-        <p:cNvGrpSpPr/>
-        <p:nvPr/>
-      </p:nvGrpSpPr>
-      <p:grpSpPr>
-        <a:xfrm>
-          <a:off x="0" y="0"/>
-          <a:ext cx="0" cy="0"/>
-          <a:chOff x="0" y="0"/>
-          <a:chExt cx="0" cy="0"/>
-        </a:xfrm>
-      </p:grpSpPr>
-      <p:sp>
-        <p:nvSpPr>
-          <p:cNvPr id="2" name="Title 1"/>
-          <p:cNvSpPr>
-            <a:spLocks noGrp="1"/>
-          </p:cNvSpPr>
-          <p:nvPr>
-            <p:ph type="title"/>
-          </p:nvPr>
-        </p:nvSpPr>
-        <p:spPr>
-          <a:xfrm>
-            <a:off x="713046" y="1"/>
-            <a:ext cx="9690116" cy="1066800"/>
-          </a:xfrm>
-        </p:spPr>
-        <p:txBody>
-          <a:bodyPr>
-            <a:normAutofit/>
-          </a:bodyPr>
-          <a:lstStyle/>
-          <a:p>
-            <a:r>
-              <a:rPr lang="mk-MK" sz="3700" dirty="0">
-                <a:latin typeface="Open Sans" panose="020B0606030504020204" pitchFamily="34" charset="0"/>
-                <a:ea typeface="Open Sans" panose="020B0606030504020204" pitchFamily="34" charset="0"/>
-                <a:cs typeface="Open Sans" panose="020B0606030504020204" pitchFamily="34" charset="0"/>
-              </a:rPr>
-              <a:t>Цели на магистерскиот труд</a:t>
-            </a:r>
-            <a:endParaRPr lang="en-US" sz="3700" dirty="0">
-              <a:latin typeface="Open Sans" panose="020B0606030504020204" pitchFamily="34" charset="0"/>
-              <a:ea typeface="Open Sans" panose="020B0606030504020204" pitchFamily="34" charset="0"/>
-              <a:cs typeface="Open Sans" panose="020B0606030504020204" pitchFamily="34" charset="0"/>
-            </a:endParaRPr>
-          </a:p>
-        </p:txBody>
-      </p:sp>
-      <p:sp>
-        <p:nvSpPr>
-          <p:cNvPr id="3" name="Content Placeholder 2"/>
-          <p:cNvSpPr>
-            <a:spLocks noGrp="1"/>
-          </p:cNvSpPr>
-          <p:nvPr>
-            <p:ph idx="1"/>
-          </p:nvPr>
-        </p:nvSpPr>
-        <p:spPr>
-          <a:xfrm>
-            <a:off x="912812" y="1447800"/>
-            <a:ext cx="8593122" cy="4351337"/>
-          </a:xfrm>
-        </p:spPr>
-        <p:txBody>
-          <a:bodyPr/>
-          <a:lstStyle/>
-          <a:p>
-            <a:r>
-              <a:rPr lang="mk-MK" sz="2200" dirty="0">
-                <a:latin typeface="Open Sans" panose="020B0606030504020204" pitchFamily="34" charset="0"/>
-                <a:ea typeface="Open Sans" panose="020B0606030504020204" pitchFamily="34" charset="0"/>
-                <a:cs typeface="Open Sans" panose="020B0606030504020204" pitchFamily="34" charset="0"/>
-              </a:rPr>
-              <a:t>Истражување за дигитални досиеја</a:t>
-            </a:r>
-          </a:p>
-          <a:p>
-            <a:r>
-              <a:rPr lang="mk-MK" sz="2200" dirty="0">
-                <a:latin typeface="Open Sans" panose="020B0606030504020204" pitchFamily="34" charset="0"/>
-                <a:ea typeface="Open Sans" panose="020B0606030504020204" pitchFamily="34" charset="0"/>
-                <a:cs typeface="Open Sans" panose="020B0606030504020204" pitchFamily="34" charset="0"/>
-              </a:rPr>
-              <a:t>Креирање на студии на случај од различни земји</a:t>
-            </a:r>
-          </a:p>
-          <a:p>
-            <a:r>
-              <a:rPr lang="mk-MK" sz="2200" dirty="0">
-                <a:latin typeface="Open Sans" panose="020B0606030504020204" pitchFamily="34" charset="0"/>
-                <a:ea typeface="Open Sans" panose="020B0606030504020204" pitchFamily="34" charset="0"/>
-                <a:cs typeface="Open Sans" panose="020B0606030504020204" pitchFamily="34" charset="0"/>
-              </a:rPr>
-              <a:t>Детално дефинирање на целните група</a:t>
-            </a:r>
-          </a:p>
-          <a:p>
-            <a:r>
-              <a:rPr lang="mk-MK" sz="2200" dirty="0">
-                <a:latin typeface="Open Sans" panose="020B0606030504020204" pitchFamily="34" charset="0"/>
-                <a:ea typeface="Open Sans" panose="020B0606030504020204" pitchFamily="34" charset="0"/>
-                <a:cs typeface="Open Sans" panose="020B0606030504020204" pitchFamily="34" charset="0"/>
-              </a:rPr>
-              <a:t>Креирање на повеќе-платформска медицинска апликација за луѓе болни од хронични опструктивни белодробни заболувања и дијабетес</a:t>
-            </a:r>
-            <a:endParaRPr lang="en-US" sz="2200" dirty="0">
-              <a:latin typeface="Open Sans" panose="020B0606030504020204" pitchFamily="34" charset="0"/>
-              <a:ea typeface="Open Sans" panose="020B0606030504020204" pitchFamily="34" charset="0"/>
-              <a:cs typeface="Open Sans" panose="020B0606030504020204" pitchFamily="34" charset="0"/>
-            </a:endParaRPr>
-          </a:p>
-          <a:p>
-            <a:endParaRPr lang="en-US" dirty="0">
-              <a:latin typeface="Open Sans" panose="020B0606030504020204" pitchFamily="34" charset="0"/>
-              <a:ea typeface="Open Sans" panose="020B0606030504020204" pitchFamily="34" charset="0"/>
-              <a:cs typeface="Open Sans" panose="020B0606030504020204" pitchFamily="34" charset="0"/>
-            </a:endParaRPr>
-          </a:p>
-        </p:txBody>
-      </p:sp>
-    </p:spTree>
-    <p:extLst>
-      <p:ext uri="{BB962C8B-B14F-4D97-AF65-F5344CB8AC3E}">
-        <p14:creationId xmlns:p14="http://schemas.microsoft.com/office/powerpoint/2010/main" val="1982292017"/>
-      </p:ext>
-    </p:extLst>
-  </p:cSld>
-  <p:clrMapOvr>
-    <a:masterClrMapping/>
-  </p:clrMapOvr>
-  <mc:AlternateContent xmlns:mc="http://schemas.openxmlformats.org/markup-compatibility/2006" xmlns:p14="http://schemas.microsoft.com/office/powerpoint/2010/main">
-    <mc:Choice Requires="p14">
-      <p:transition spd="med" p14:dur="700">
-        <p:fade/>
-      </p:transition>
-    </mc:Choice>
-    <mc:Fallback xmlns="">
-      <p:transition spd="med">
-        <p:fade/>
-      </p:transition>
-    </mc:Fallback>
-  </mc:AlternateContent>
-</p:sld>
-</file>
-
-<file path=ppt/slides/slide20.xml><?xml version="1.0" encoding="utf-8"?>
-<p:sld xmlns:a="http://schemas.openxmlformats.org/drawingml/2006/main" xmlns:r="http://schemas.openxmlformats.org/officeDocument/2006/relationships" xmlns:p="http://schemas.openxmlformats.org/presentationml/2006/main">
-  <p:cSld>
-    <p:spTree>
-      <p:nvGrpSpPr>
-        <p:cNvPr id="1" name=""/>
-        <p:cNvGrpSpPr/>
-        <p:nvPr/>
-      </p:nvGrpSpPr>
-      <p:grpSpPr>
-        <a:xfrm>
-          <a:off x="0" y="0"/>
-          <a:ext cx="0" cy="0"/>
-          <a:chOff x="0" y="0"/>
-          <a:chExt cx="0" cy="0"/>
-        </a:xfrm>
-      </p:grpSpPr>
-      <p:sp>
-        <p:nvSpPr>
-          <p:cNvPr id="2" name="Title 1"/>
-          <p:cNvSpPr>
-            <a:spLocks noGrp="1"/>
-          </p:cNvSpPr>
-          <p:nvPr>
-            <p:ph type="title"/>
-          </p:nvPr>
-        </p:nvSpPr>
-        <p:spPr>
-          <a:xfrm>
-            <a:off x="713046" y="1"/>
-            <a:ext cx="9690116" cy="1066800"/>
-          </a:xfrm>
-        </p:spPr>
-        <p:txBody>
-          <a:bodyPr>
-            <a:normAutofit/>
-          </a:bodyPr>
-          <a:lstStyle/>
-          <a:p>
-            <a:r>
-              <a:rPr lang="en-US" sz="3700" dirty="0">
-                <a:latin typeface="Open Sans" panose="020B0606030504020204" pitchFamily="34" charset="0"/>
-                <a:ea typeface="Open Sans" panose="020B0606030504020204" pitchFamily="34" charset="0"/>
-                <a:cs typeface="Open Sans" panose="020B0606030504020204" pitchFamily="34" charset="0"/>
-              </a:rPr>
-              <a:t>A</a:t>
-            </a:r>
-            <a:r>
-              <a:rPr lang="mk-MK" sz="3700" dirty="0">
-                <a:latin typeface="Open Sans" panose="020B0606030504020204" pitchFamily="34" charset="0"/>
-                <a:ea typeface="Open Sans" panose="020B0606030504020204" pitchFamily="34" charset="0"/>
-                <a:cs typeface="Open Sans" panose="020B0606030504020204" pitchFamily="34" charset="0"/>
-              </a:rPr>
-              <a:t>нализа</a:t>
-            </a:r>
-            <a:endParaRPr lang="en-US" sz="3700" dirty="0">
-              <a:latin typeface="Open Sans" panose="020B0606030504020204" pitchFamily="34" charset="0"/>
-              <a:ea typeface="Open Sans" panose="020B0606030504020204" pitchFamily="34" charset="0"/>
-              <a:cs typeface="Open Sans" panose="020B0606030504020204" pitchFamily="34" charset="0"/>
-            </a:endParaRPr>
-          </a:p>
-        </p:txBody>
-      </p:sp>
-      <p:sp>
-        <p:nvSpPr>
-          <p:cNvPr id="3" name="Content Placeholder 2"/>
-          <p:cNvSpPr>
-            <a:spLocks noGrp="1"/>
-          </p:cNvSpPr>
-          <p:nvPr>
-            <p:ph idx="1"/>
-          </p:nvPr>
-        </p:nvSpPr>
-        <p:spPr>
-          <a:xfrm>
-            <a:off x="912812" y="1447800"/>
-            <a:ext cx="8593122" cy="5257800"/>
-          </a:xfrm>
-        </p:spPr>
-        <p:txBody>
-          <a:bodyPr>
-            <a:normAutofit fontScale="92500" lnSpcReduction="10000"/>
-          </a:bodyPr>
-          <a:lstStyle/>
-          <a:p>
-            <a:r>
-              <a:rPr lang="mk-MK" sz="2400" dirty="0">
-                <a:latin typeface="Open Sans" panose="020B0606030504020204" pitchFamily="34" charset="0"/>
-                <a:ea typeface="Open Sans" panose="020B0606030504020204" pitchFamily="34" charset="0"/>
-                <a:cs typeface="Open Sans" panose="020B0606030504020204" pitchFamily="34" charset="0"/>
-              </a:rPr>
-              <a:t>Голем недостиг на најважните информации кои се значајни за пациентите или пак истите не се лесно достапни</a:t>
-            </a:r>
-          </a:p>
-          <a:p>
-            <a:r>
-              <a:rPr lang="mk-MK" sz="2400" dirty="0">
-                <a:latin typeface="Open Sans" panose="020B0606030504020204" pitchFamily="34" charset="0"/>
-                <a:ea typeface="Open Sans" panose="020B0606030504020204" pitchFamily="34" charset="0"/>
-                <a:cs typeface="Open Sans" panose="020B0606030504020204" pitchFamily="34" charset="0"/>
-              </a:rPr>
-              <a:t>Бидејќи физичка состојба на пациентите не е многу добра</a:t>
-            </a:r>
-            <a:r>
-              <a:rPr lang="ru-RU" sz="2400" dirty="0">
-                <a:latin typeface="Open Sans" panose="020B0606030504020204" pitchFamily="34" charset="0"/>
-                <a:ea typeface="Open Sans" panose="020B0606030504020204" pitchFamily="34" charset="0"/>
-                <a:cs typeface="Open Sans" panose="020B0606030504020204" pitchFamily="34" charset="0"/>
-              </a:rPr>
-              <a:t>,</a:t>
-            </a:r>
-            <a:r>
-              <a:rPr lang="mk-MK" sz="2400" dirty="0">
-                <a:latin typeface="Open Sans" panose="020B0606030504020204" pitchFamily="34" charset="0"/>
-                <a:ea typeface="Open Sans" panose="020B0606030504020204" pitchFamily="34" charset="0"/>
-                <a:cs typeface="Open Sans" panose="020B0606030504020204" pitchFamily="34" charset="0"/>
-              </a:rPr>
-              <a:t> тие тешко се движат низ здравствениот систем</a:t>
-            </a:r>
-          </a:p>
-          <a:p>
-            <a:r>
-              <a:rPr lang="mk-MK" sz="2400" dirty="0">
-                <a:latin typeface="Open Sans" panose="020B0606030504020204" pitchFamily="34" charset="0"/>
-                <a:ea typeface="Open Sans" panose="020B0606030504020204" pitchFamily="34" charset="0"/>
-                <a:cs typeface="Open Sans" panose="020B0606030504020204" pitchFamily="34" charset="0"/>
-              </a:rPr>
-              <a:t>Пациенти не добиваат насоки и совети во текот на терапијата</a:t>
-            </a:r>
-          </a:p>
-          <a:p>
-            <a:r>
-              <a:rPr lang="mk-MK" sz="2400" dirty="0">
-                <a:latin typeface="Open Sans" panose="020B0606030504020204" pitchFamily="34" charset="0"/>
-                <a:ea typeface="Open Sans" panose="020B0606030504020204" pitchFamily="34" charset="0"/>
-                <a:cs typeface="Open Sans" panose="020B0606030504020204" pitchFamily="34" charset="0"/>
-              </a:rPr>
-              <a:t>Пациенти рекоа дека сакаат и/или имаат желба да бидат повеќе вклучени во нивното лекување и нивната грижа</a:t>
-            </a:r>
-            <a:endParaRPr lang="en-US" sz="2400" dirty="0">
-              <a:latin typeface="Open Sans" panose="020B0606030504020204" pitchFamily="34" charset="0"/>
-              <a:ea typeface="Open Sans" panose="020B0606030504020204" pitchFamily="34" charset="0"/>
-              <a:cs typeface="Open Sans" panose="020B0606030504020204" pitchFamily="34" charset="0"/>
-            </a:endParaRPr>
-          </a:p>
-          <a:p>
-            <a:r>
-              <a:rPr lang="mk-MK" sz="2400" dirty="0">
-                <a:latin typeface="Open Sans" panose="020B0606030504020204" pitchFamily="34" charset="0"/>
-                <a:ea typeface="Open Sans" panose="020B0606030504020204" pitchFamily="34" charset="0"/>
-                <a:cs typeface="Open Sans" panose="020B0606030504020204" pitchFamily="34" charset="0"/>
-              </a:rPr>
-              <a:t>Лекарите се скептични дека со дигитализирање на уште еден процес нивната работа ќе стане полесна</a:t>
-            </a:r>
-          </a:p>
-          <a:p>
-            <a:r>
-              <a:rPr lang="mk-MK" sz="2400" dirty="0">
-                <a:latin typeface="Open Sans" panose="020B0606030504020204" pitchFamily="34" charset="0"/>
-                <a:ea typeface="Open Sans" panose="020B0606030504020204" pitchFamily="34" charset="0"/>
-                <a:cs typeface="Open Sans" panose="020B0606030504020204" pitchFamily="34" charset="0"/>
-              </a:rPr>
-              <a:t>Двете целни групи сакаат да бидат инволвирани во процесот на развивање</a:t>
-            </a:r>
-            <a:endParaRPr lang="en-US" sz="2400" dirty="0">
-              <a:latin typeface="Open Sans" panose="020B0606030504020204" pitchFamily="34" charset="0"/>
-              <a:ea typeface="Open Sans" panose="020B0606030504020204" pitchFamily="34" charset="0"/>
-              <a:cs typeface="Open Sans" panose="020B0606030504020204" pitchFamily="34" charset="0"/>
-            </a:endParaRPr>
-          </a:p>
-          <a:p>
-            <a:endParaRPr lang="en-US" dirty="0">
-              <a:latin typeface="Open Sans" panose="020B0606030504020204" pitchFamily="34" charset="0"/>
-              <a:ea typeface="Open Sans" panose="020B0606030504020204" pitchFamily="34" charset="0"/>
-              <a:cs typeface="Open Sans" panose="020B0606030504020204" pitchFamily="34" charset="0"/>
-            </a:endParaRPr>
-          </a:p>
-        </p:txBody>
-      </p:sp>
-    </p:spTree>
-    <p:extLst>
-      <p:ext uri="{BB962C8B-B14F-4D97-AF65-F5344CB8AC3E}">
-        <p14:creationId xmlns:p14="http://schemas.microsoft.com/office/powerpoint/2010/main" val="2119650150"/>
-      </p:ext>
-    </p:extLst>
-  </p:cSld>
-  <p:clrMapOvr>
-    <a:masterClrMapping/>
-  </p:clrMapOvr>
-  <mc:AlternateContent xmlns:mc="http://schemas.openxmlformats.org/markup-compatibility/2006" xmlns:p14="http://schemas.microsoft.com/office/powerpoint/2010/main">
-    <mc:Choice Requires="p14">
-      <p:transition spd="med" p14:dur="700">
-        <p:fade/>
-      </p:transition>
-    </mc:Choice>
-    <mc:Fallback xmlns="">
-      <p:transition spd="med">
-        <p:fade/>
-      </p:transition>
-    </mc:Fallback>
-  </mc:AlternateContent>
-</p:sld>
-</file>
-
-<file path=ppt/slides/slide21.xml><?xml version="1.0" encoding="utf-8"?>
+<file path=ppt/slides/slide18.xml><?xml version="1.0" encoding="utf-8"?>
 <p:sld xmlns:a="http://schemas.openxmlformats.org/drawingml/2006/main" xmlns:r="http://schemas.openxmlformats.org/officeDocument/2006/relationships" xmlns:p="http://schemas.openxmlformats.org/presentationml/2006/main">
   <p:cSld>
     <p:spTree>
@@ -10322,7 +6873,7 @@
 </p:sld>
 </file>
 
-<file path=ppt/slides/slide22.xml><?xml version="1.0" encoding="utf-8"?>
+<file path=ppt/slides/slide19.xml><?xml version="1.0" encoding="utf-8"?>
 <p:sld xmlns:a="http://schemas.openxmlformats.org/drawingml/2006/main" xmlns:r="http://schemas.openxmlformats.org/officeDocument/2006/relationships" xmlns:p="http://schemas.openxmlformats.org/presentationml/2006/main">
   <p:cSld>
     <p:spTree>
@@ -10826,7 +7377,173 @@
 </p:sld>
 </file>
 
-<file path=ppt/slides/slide23.xml><?xml version="1.0" encoding="utf-8"?>
+<file path=ppt/slides/slide2.xml><?xml version="1.0" encoding="utf-8"?>
+<p:sld xmlns:a="http://schemas.openxmlformats.org/drawingml/2006/main" xmlns:r="http://schemas.openxmlformats.org/officeDocument/2006/relationships" xmlns:p="http://schemas.openxmlformats.org/presentationml/2006/main">
+  <p:cSld>
+    <p:spTree>
+      <p:nvGrpSpPr>
+        <p:cNvPr id="1" name=""/>
+        <p:cNvGrpSpPr/>
+        <p:nvPr/>
+      </p:nvGrpSpPr>
+      <p:grpSpPr>
+        <a:xfrm>
+          <a:off x="0" y="0"/>
+          <a:ext cx="0" cy="0"/>
+          <a:chOff x="0" y="0"/>
+          <a:chExt cx="0" cy="0"/>
+        </a:xfrm>
+      </p:grpSpPr>
+      <p:sp>
+        <p:nvSpPr>
+          <p:cNvPr id="2" name="Title 1"/>
+          <p:cNvSpPr>
+            <a:spLocks noGrp="1"/>
+          </p:cNvSpPr>
+          <p:nvPr>
+            <p:ph type="title"/>
+          </p:nvPr>
+        </p:nvSpPr>
+        <p:spPr>
+          <a:xfrm>
+            <a:off x="713046" y="1"/>
+            <a:ext cx="9690116" cy="1066800"/>
+          </a:xfrm>
+        </p:spPr>
+        <p:txBody>
+          <a:bodyPr>
+            <a:normAutofit/>
+          </a:bodyPr>
+          <a:lstStyle/>
+          <a:p>
+            <a:r>
+              <a:rPr lang="mk-MK" sz="3700" dirty="0">
+                <a:latin typeface="Open Sans" panose="020B0606030504020204" pitchFamily="34" charset="0"/>
+                <a:ea typeface="Open Sans" panose="020B0606030504020204" pitchFamily="34" charset="0"/>
+                <a:cs typeface="Open Sans" panose="020B0606030504020204" pitchFamily="34" charset="0"/>
+              </a:rPr>
+              <a:t>Цели на магистерскиот труд</a:t>
+            </a:r>
+            <a:endParaRPr lang="en-US" sz="3700" dirty="0">
+              <a:latin typeface="Open Sans" panose="020B0606030504020204" pitchFamily="34" charset="0"/>
+              <a:ea typeface="Open Sans" panose="020B0606030504020204" pitchFamily="34" charset="0"/>
+              <a:cs typeface="Open Sans" panose="020B0606030504020204" pitchFamily="34" charset="0"/>
+            </a:endParaRPr>
+          </a:p>
+        </p:txBody>
+      </p:sp>
+      <p:sp>
+        <p:nvSpPr>
+          <p:cNvPr id="3" name="Content Placeholder 2"/>
+          <p:cNvSpPr>
+            <a:spLocks noGrp="1"/>
+          </p:cNvSpPr>
+          <p:nvPr>
+            <p:ph idx="1"/>
+          </p:nvPr>
+        </p:nvSpPr>
+        <p:spPr>
+          <a:xfrm>
+            <a:off x="912812" y="1447800"/>
+            <a:ext cx="8593122" cy="4351337"/>
+          </a:xfrm>
+        </p:spPr>
+        <p:txBody>
+          <a:bodyPr/>
+          <a:lstStyle/>
+          <a:p>
+            <a:r>
+              <a:rPr lang="mk-MK" sz="2200" dirty="0">
+                <a:latin typeface="Open Sans" panose="020B0606030504020204" pitchFamily="34" charset="0"/>
+                <a:ea typeface="Open Sans" panose="020B0606030504020204" pitchFamily="34" charset="0"/>
+                <a:cs typeface="Open Sans" panose="020B0606030504020204" pitchFamily="34" charset="0"/>
+              </a:rPr>
+              <a:t>Истражување за дигитални досиеја</a:t>
+            </a:r>
+          </a:p>
+          <a:p>
+            <a:r>
+              <a:rPr lang="mk-MK" sz="2200" dirty="0">
+                <a:latin typeface="Open Sans" panose="020B0606030504020204" pitchFamily="34" charset="0"/>
+                <a:ea typeface="Open Sans" panose="020B0606030504020204" pitchFamily="34" charset="0"/>
+                <a:cs typeface="Open Sans" panose="020B0606030504020204" pitchFamily="34" charset="0"/>
+              </a:rPr>
+              <a:t>Креирање на студии на случај од различни земји</a:t>
+            </a:r>
+          </a:p>
+          <a:p>
+            <a:r>
+              <a:rPr lang="mk-MK" sz="2200" dirty="0">
+                <a:latin typeface="Open Sans" panose="020B0606030504020204" pitchFamily="34" charset="0"/>
+                <a:ea typeface="Open Sans" panose="020B0606030504020204" pitchFamily="34" charset="0"/>
+                <a:cs typeface="Open Sans" panose="020B0606030504020204" pitchFamily="34" charset="0"/>
+              </a:rPr>
+              <a:t>Детално дефинирање на </a:t>
+            </a:r>
+            <a:r>
+              <a:rPr lang="mk-MK" sz="2200">
+                <a:latin typeface="Open Sans" panose="020B0606030504020204" pitchFamily="34" charset="0"/>
+                <a:ea typeface="Open Sans" panose="020B0606030504020204" pitchFamily="34" charset="0"/>
+                <a:cs typeface="Open Sans" panose="020B0606030504020204" pitchFamily="34" charset="0"/>
+              </a:rPr>
+              <a:t>целните групи</a:t>
+            </a:r>
+            <a:endParaRPr lang="mk-MK" sz="2200" dirty="0">
+              <a:latin typeface="Open Sans" panose="020B0606030504020204" pitchFamily="34" charset="0"/>
+              <a:ea typeface="Open Sans" panose="020B0606030504020204" pitchFamily="34" charset="0"/>
+              <a:cs typeface="Open Sans" panose="020B0606030504020204" pitchFamily="34" charset="0"/>
+            </a:endParaRPr>
+          </a:p>
+          <a:p>
+            <a:r>
+              <a:rPr lang="mk-MK" sz="2200" dirty="0">
+                <a:latin typeface="Open Sans" panose="020B0606030504020204" pitchFamily="34" charset="0"/>
+                <a:ea typeface="Open Sans" panose="020B0606030504020204" pitchFamily="34" charset="0"/>
+                <a:cs typeface="Open Sans" panose="020B0606030504020204" pitchFamily="34" charset="0"/>
+              </a:rPr>
+              <a:t>Креирање на повеќе-платформска медицинска апликација за луѓе болни од хронични опструктивни белодробни заболувања и дијабетес</a:t>
+            </a:r>
+            <a:endParaRPr lang="en-US" sz="2200" dirty="0">
+              <a:latin typeface="Open Sans" panose="020B0606030504020204" pitchFamily="34" charset="0"/>
+              <a:ea typeface="Open Sans" panose="020B0606030504020204" pitchFamily="34" charset="0"/>
+              <a:cs typeface="Open Sans" panose="020B0606030504020204" pitchFamily="34" charset="0"/>
+            </a:endParaRPr>
+          </a:p>
+          <a:p>
+            <a:endParaRPr lang="en-US" dirty="0">
+              <a:latin typeface="Open Sans" panose="020B0606030504020204" pitchFamily="34" charset="0"/>
+              <a:ea typeface="Open Sans" panose="020B0606030504020204" pitchFamily="34" charset="0"/>
+              <a:cs typeface="Open Sans" panose="020B0606030504020204" pitchFamily="34" charset="0"/>
+            </a:endParaRPr>
+          </a:p>
+        </p:txBody>
+      </p:sp>
+    </p:spTree>
+    <p:extLst>
+      <p:ext uri="{BB962C8B-B14F-4D97-AF65-F5344CB8AC3E}">
+        <p14:creationId xmlns:p14="http://schemas.microsoft.com/office/powerpoint/2010/main" val="1982292017"/>
+      </p:ext>
+    </p:extLst>
+  </p:cSld>
+  <p:clrMapOvr>
+    <a:masterClrMapping/>
+  </p:clrMapOvr>
+  <mc:AlternateContent xmlns:mc="http://schemas.openxmlformats.org/markup-compatibility/2006" xmlns:p14="http://schemas.microsoft.com/office/powerpoint/2010/main">
+    <mc:Choice Requires="p14">
+      <p:transition spd="med" p14:dur="700">
+        <p:fade/>
+      </p:transition>
+    </mc:Choice>
+    <mc:Fallback xmlns="">
+      <p:transition spd="med">
+        <p:fade/>
+      </p:transition>
+    </mc:Fallback>
+  </mc:AlternateContent>
+</p:sld>
+</file>
+
+<file path=ppt/slides/slide20.xml><?xml version="1.0" encoding="utf-8"?>
 <p:sld xmlns:a="http://schemas.openxmlformats.org/drawingml/2006/main" xmlns:r="http://schemas.openxmlformats.org/officeDocument/2006/relationships" xmlns:p="http://schemas.openxmlformats.org/presentationml/2006/main">
   <p:cSld>
     <p:spTree>
@@ -11329,7 +8046,7 @@
 </p:sld>
 </file>
 
-<file path=ppt/slides/slide24.xml><?xml version="1.0" encoding="utf-8"?>
+<file path=ppt/slides/slide21.xml><?xml version="1.0" encoding="utf-8"?>
 <p:sld xmlns:a="http://schemas.openxmlformats.org/drawingml/2006/main" xmlns:r="http://schemas.openxmlformats.org/officeDocument/2006/relationships" xmlns:p="http://schemas.openxmlformats.org/presentationml/2006/main">
   <p:cSld>
     <p:spTree>
@@ -11369,7 +8086,7 @@
           <a:lstStyle/>
           <a:p>
             <a:r>
-              <a:rPr lang="mk-MK" sz="3700" b="0" dirty="0">
+              <a:rPr lang="mk-MK" sz="3700" dirty="0">
                 <a:latin typeface="Open Sans" panose="020B0606030504020204" pitchFamily="34" charset="0"/>
                 <a:ea typeface="Open Sans" panose="020B0606030504020204" pitchFamily="34" charset="0"/>
                 <a:cs typeface="Open Sans" panose="020B0606030504020204" pitchFamily="34" charset="0"/>
@@ -11377,7 +8094,7 @@
               <a:t>Пилот прототип</a:t>
             </a:r>
             <a:r>
-              <a:rPr lang="en-US" sz="3700" b="0" dirty="0">
+              <a:rPr lang="en-US" sz="3700" dirty="0">
                 <a:latin typeface="Open Sans" panose="020B0606030504020204" pitchFamily="34" charset="0"/>
                 <a:ea typeface="Open Sans" panose="020B0606030504020204" pitchFamily="34" charset="0"/>
                 <a:cs typeface="Open Sans" panose="020B0606030504020204" pitchFamily="34" charset="0"/>
@@ -11844,7 +8561,7 @@
 </p:sld>
 </file>
 
-<file path=ppt/slides/slide25.xml><?xml version="1.0" encoding="utf-8"?>
+<file path=ppt/slides/slide22.xml><?xml version="1.0" encoding="utf-8"?>
 <p:sld xmlns:a="http://schemas.openxmlformats.org/drawingml/2006/main" xmlns:r="http://schemas.openxmlformats.org/officeDocument/2006/relationships" xmlns:p="http://schemas.openxmlformats.org/presentationml/2006/main">
   <p:cSld>
     <p:spTree>
@@ -11976,7 +8693,7 @@
 </p:sld>
 </file>
 
-<file path=ppt/slides/slide26.xml><?xml version="1.0" encoding="utf-8"?>
+<file path=ppt/slides/slide23.xml><?xml version="1.0" encoding="utf-8"?>
 <p:sld xmlns:a="http://schemas.openxmlformats.org/drawingml/2006/main" xmlns:r="http://schemas.openxmlformats.org/officeDocument/2006/relationships" xmlns:p="http://schemas.openxmlformats.org/presentationml/2006/main">
   <p:cSld>
     <p:spTree>
@@ -12115,7 +8832,7 @@
 </p:sld>
 </file>
 
-<file path=ppt/slides/slide27.xml><?xml version="1.0" encoding="utf-8"?>
+<file path=ppt/slides/slide24.xml><?xml version="1.0" encoding="utf-8"?>
 <p:sld xmlns:a="http://schemas.openxmlformats.org/drawingml/2006/main" xmlns:r="http://schemas.openxmlformats.org/officeDocument/2006/relationships" xmlns:p="http://schemas.openxmlformats.org/presentationml/2006/main">
   <p:cSld>
     <p:spTree>
@@ -12252,146 +8969,7 @@
 </p:sld>
 </file>
 
-<file path=ppt/slides/slide28.xml><?xml version="1.0" encoding="utf-8"?>
-<p:sld xmlns:a="http://schemas.openxmlformats.org/drawingml/2006/main" xmlns:r="http://schemas.openxmlformats.org/officeDocument/2006/relationships" xmlns:p="http://schemas.openxmlformats.org/presentationml/2006/main">
-  <p:cSld>
-    <p:spTree>
-      <p:nvGrpSpPr>
-        <p:cNvPr id="1" name=""/>
-        <p:cNvGrpSpPr/>
-        <p:nvPr/>
-      </p:nvGrpSpPr>
-      <p:grpSpPr>
-        <a:xfrm>
-          <a:off x="0" y="0"/>
-          <a:ext cx="0" cy="0"/>
-          <a:chOff x="0" y="0"/>
-          <a:chExt cx="0" cy="0"/>
-        </a:xfrm>
-      </p:grpSpPr>
-      <p:sp>
-        <p:nvSpPr>
-          <p:cNvPr id="2" name="Title 1"/>
-          <p:cNvSpPr>
-            <a:spLocks noGrp="1"/>
-          </p:cNvSpPr>
-          <p:nvPr>
-            <p:ph type="title"/>
-          </p:nvPr>
-        </p:nvSpPr>
-        <p:spPr>
-          <a:xfrm>
-            <a:off x="713046" y="145409"/>
-            <a:ext cx="9690116" cy="1066800"/>
-          </a:xfrm>
-        </p:spPr>
-        <p:txBody>
-          <a:bodyPr>
-            <a:noAutofit/>
-          </a:bodyPr>
-          <a:lstStyle/>
-          <a:p>
-            <a:r>
-              <a:rPr lang="mk-MK" sz="3700" dirty="0">
-                <a:latin typeface="Open Sans" panose="020B0606030504020204" pitchFamily="34" charset="0"/>
-                <a:ea typeface="Open Sans" panose="020B0606030504020204" pitchFamily="34" charset="0"/>
-                <a:cs typeface="Open Sans" panose="020B0606030504020204" pitchFamily="34" charset="0"/>
-              </a:rPr>
-              <a:t>Итерација 2</a:t>
-            </a:r>
-            <a:r>
-              <a:rPr lang="en-US" sz="3700" dirty="0">
-                <a:latin typeface="Open Sans" panose="020B0606030504020204" pitchFamily="34" charset="0"/>
-                <a:ea typeface="Open Sans" panose="020B0606030504020204" pitchFamily="34" charset="0"/>
-                <a:cs typeface="Open Sans" panose="020B0606030504020204" pitchFamily="34" charset="0"/>
-              </a:rPr>
-              <a:t>: </a:t>
-            </a:r>
-            <a:r>
-              <a:rPr lang="mk-MK" sz="3700" dirty="0">
-                <a:latin typeface="Open Sans" panose="020B0606030504020204" pitchFamily="34" charset="0"/>
-                <a:ea typeface="Open Sans" panose="020B0606030504020204" pitchFamily="34" charset="0"/>
-                <a:cs typeface="Open Sans" panose="020B0606030504020204" pitchFamily="34" charset="0"/>
-              </a:rPr>
-              <a:t>Прозорец со информативна содржина</a:t>
-            </a:r>
-            <a:endParaRPr lang="en-US" sz="3700" dirty="0">
-              <a:latin typeface="Open Sans" panose="020B0606030504020204" pitchFamily="34" charset="0"/>
-              <a:ea typeface="Open Sans" panose="020B0606030504020204" pitchFamily="34" charset="0"/>
-              <a:cs typeface="Open Sans" panose="020B0606030504020204" pitchFamily="34" charset="0"/>
-            </a:endParaRPr>
-          </a:p>
-        </p:txBody>
-      </p:sp>
-      <p:pic>
-        <p:nvPicPr>
-          <p:cNvPr id="4" name="Content Placeholder 3">
-            <a:extLst>
-              <a:ext uri="{FF2B5EF4-FFF2-40B4-BE49-F238E27FC236}">
-                <a16:creationId xmlns:a16="http://schemas.microsoft.com/office/drawing/2014/main" id="{05497208-2B56-4302-AF61-8E9CAC5DD41C}"/>
-              </a:ext>
-            </a:extLst>
-          </p:cNvPr>
-          <p:cNvPicPr>
-            <a:picLocks noGrp="1"/>
-          </p:cNvPicPr>
-          <p:nvPr>
-            <p:ph idx="1"/>
-          </p:nvPr>
-        </p:nvPicPr>
-        <p:blipFill>
-          <a:blip r:embed="rId2">
-            <a:extLst>
-              <a:ext uri="{28A0092B-C50C-407E-A947-70E740481C1C}">
-                <a14:useLocalDpi xmlns:a14="http://schemas.microsoft.com/office/drawing/2010/main" val="0"/>
-              </a:ext>
-            </a:extLst>
-          </a:blip>
-          <a:srcRect/>
-          <a:stretch>
-            <a:fillRect/>
-          </a:stretch>
-        </p:blipFill>
-        <p:spPr bwMode="auto">
-          <a:xfrm>
-            <a:off x="713046" y="1219200"/>
-            <a:ext cx="5117463" cy="5334000"/>
-          </a:xfrm>
-          <a:prstGeom prst="rect">
-            <a:avLst/>
-          </a:prstGeom>
-          <a:noFill/>
-          <a:ln>
-            <a:noFill/>
-          </a:ln>
-        </p:spPr>
-      </p:pic>
-    </p:spTree>
-    <p:extLst>
-      <p:ext uri="{BB962C8B-B14F-4D97-AF65-F5344CB8AC3E}">
-        <p14:creationId xmlns:p14="http://schemas.microsoft.com/office/powerpoint/2010/main" val="1528923436"/>
-      </p:ext>
-    </p:extLst>
-  </p:cSld>
-  <p:clrMapOvr>
-    <a:masterClrMapping/>
-  </p:clrMapOvr>
-  <mc:AlternateContent xmlns:mc="http://schemas.openxmlformats.org/markup-compatibility/2006" xmlns:p14="http://schemas.microsoft.com/office/powerpoint/2010/main">
-    <mc:Choice Requires="p14">
-      <p:transition spd="med" p14:dur="700">
-        <p:fade/>
-      </p:transition>
-    </mc:Choice>
-    <mc:Fallback xmlns="">
-      <p:transition spd="med">
-        <p:fade/>
-      </p:transition>
-    </mc:Fallback>
-  </mc:AlternateContent>
-</p:sld>
-</file>
-
-<file path=ppt/slides/slide29.xml><?xml version="1.0" encoding="utf-8"?>
+<file path=ppt/slides/slide25.xml><?xml version="1.0" encoding="utf-8"?>
 <p:sld xmlns:a="http://schemas.openxmlformats.org/drawingml/2006/main" xmlns:r="http://schemas.openxmlformats.org/officeDocument/2006/relationships" xmlns:p="http://schemas.openxmlformats.org/presentationml/2006/main">
   <p:cSld>
     <p:spTree>
@@ -12534,170 +9112,7 @@
 </p:sld>
 </file>
 
-<file path=ppt/slides/slide3.xml><?xml version="1.0" encoding="utf-8"?>
-<p:sld xmlns:a="http://schemas.openxmlformats.org/drawingml/2006/main" xmlns:r="http://schemas.openxmlformats.org/officeDocument/2006/relationships" xmlns:p="http://schemas.openxmlformats.org/presentationml/2006/main">
-  <p:cSld>
-    <p:spTree>
-      <p:nvGrpSpPr>
-        <p:cNvPr id="1" name=""/>
-        <p:cNvGrpSpPr/>
-        <p:nvPr/>
-      </p:nvGrpSpPr>
-      <p:grpSpPr>
-        <a:xfrm>
-          <a:off x="0" y="0"/>
-          <a:ext cx="0" cy="0"/>
-          <a:chOff x="0" y="0"/>
-          <a:chExt cx="0" cy="0"/>
-        </a:xfrm>
-      </p:grpSpPr>
-      <p:sp>
-        <p:nvSpPr>
-          <p:cNvPr id="2" name="Title 1"/>
-          <p:cNvSpPr>
-            <a:spLocks noGrp="1"/>
-          </p:cNvSpPr>
-          <p:nvPr>
-            <p:ph type="title"/>
-          </p:nvPr>
-        </p:nvSpPr>
-        <p:spPr>
-          <a:xfrm>
-            <a:off x="713046" y="1"/>
-            <a:ext cx="9690116" cy="1066800"/>
-          </a:xfrm>
-        </p:spPr>
-        <p:txBody>
-          <a:bodyPr>
-            <a:normAutofit/>
-          </a:bodyPr>
-          <a:lstStyle/>
-          <a:p>
-            <a:r>
-              <a:rPr lang="mk-MK" sz="3700" dirty="0">
-                <a:latin typeface="Open Sans" panose="020B0606030504020204" pitchFamily="34" charset="0"/>
-                <a:ea typeface="Open Sans" panose="020B0606030504020204" pitchFamily="34" charset="0"/>
-                <a:cs typeface="Open Sans" panose="020B0606030504020204" pitchFamily="34" charset="0"/>
-              </a:rPr>
-              <a:t>Контекст и мотивација</a:t>
-            </a:r>
-            <a:endParaRPr lang="en-US" sz="3700" dirty="0">
-              <a:latin typeface="Open Sans" panose="020B0606030504020204" pitchFamily="34" charset="0"/>
-              <a:ea typeface="Open Sans" panose="020B0606030504020204" pitchFamily="34" charset="0"/>
-              <a:cs typeface="Open Sans" panose="020B0606030504020204" pitchFamily="34" charset="0"/>
-            </a:endParaRPr>
-          </a:p>
-        </p:txBody>
-      </p:sp>
-      <p:sp>
-        <p:nvSpPr>
-          <p:cNvPr id="3" name="Content Placeholder 2"/>
-          <p:cNvSpPr>
-            <a:spLocks noGrp="1"/>
-          </p:cNvSpPr>
-          <p:nvPr>
-            <p:ph idx="1"/>
-          </p:nvPr>
-        </p:nvSpPr>
-        <p:spPr>
-          <a:xfrm>
-            <a:off x="912812" y="1447800"/>
-            <a:ext cx="8593122" cy="4351337"/>
-          </a:xfrm>
-        </p:spPr>
-        <p:txBody>
-          <a:bodyPr/>
-          <a:lstStyle/>
-          <a:p>
-            <a:r>
-              <a:rPr lang="mk-MK" sz="2200" dirty="0">
-                <a:latin typeface="Open Sans" panose="020B0606030504020204" pitchFamily="34" charset="0"/>
-                <a:ea typeface="Open Sans" panose="020B0606030504020204" pitchFamily="34" charset="0"/>
-                <a:cs typeface="Open Sans" panose="020B0606030504020204" pitchFamily="34" charset="0"/>
-              </a:rPr>
-              <a:t>Здравството генерира огромни количини на информации</a:t>
-            </a:r>
-          </a:p>
-          <a:p>
-            <a:r>
-              <a:rPr lang="mk-MK" sz="2200" dirty="0">
-                <a:latin typeface="Open Sans" panose="020B0606030504020204" pitchFamily="34" charset="0"/>
-                <a:ea typeface="Open Sans" panose="020B0606030504020204" pitchFamily="34" charset="0"/>
-                <a:cs typeface="Open Sans" panose="020B0606030504020204" pitchFamily="34" charset="0"/>
-              </a:rPr>
-              <a:t>Процесите се одвиваат рачно</a:t>
-            </a:r>
-          </a:p>
-          <a:p>
-            <a:r>
-              <a:rPr lang="mk-MK" sz="2200" dirty="0">
-                <a:latin typeface="Open Sans" panose="020B0606030504020204" pitchFamily="34" charset="0"/>
-                <a:ea typeface="Open Sans" panose="020B0606030504020204" pitchFamily="34" charset="0"/>
-                <a:cs typeface="Open Sans" panose="020B0606030504020204" pitchFamily="34" charset="0"/>
-              </a:rPr>
-              <a:t>Неефикасност на здраствениот систем</a:t>
-            </a:r>
-          </a:p>
-          <a:p>
-            <a:r>
-              <a:rPr lang="mk-MK" sz="2200" dirty="0">
-                <a:latin typeface="Open Sans" panose="020B0606030504020204" pitchFamily="34" charset="0"/>
-                <a:ea typeface="Open Sans" panose="020B0606030504020204" pitchFamily="34" charset="0"/>
-                <a:cs typeface="Open Sans" panose="020B0606030504020204" pitchFamily="34" charset="0"/>
-              </a:rPr>
-              <a:t>Намалување на трошоци</a:t>
-            </a:r>
-          </a:p>
-          <a:p>
-            <a:r>
-              <a:rPr lang="mk-MK" sz="2200" dirty="0">
-                <a:latin typeface="Open Sans" panose="020B0606030504020204" pitchFamily="34" charset="0"/>
-                <a:ea typeface="Open Sans" panose="020B0606030504020204" pitchFamily="34" charset="0"/>
-                <a:cs typeface="Open Sans" panose="020B0606030504020204" pitchFamily="34" charset="0"/>
-              </a:rPr>
-              <a:t>Намалување на обврските на лекарите</a:t>
-            </a:r>
-            <a:endParaRPr lang="en-US" sz="2200" dirty="0">
-              <a:latin typeface="Open Sans" panose="020B0606030504020204" pitchFamily="34" charset="0"/>
-              <a:ea typeface="Open Sans" panose="020B0606030504020204" pitchFamily="34" charset="0"/>
-              <a:cs typeface="Open Sans" panose="020B0606030504020204" pitchFamily="34" charset="0"/>
-            </a:endParaRPr>
-          </a:p>
-          <a:p>
-            <a:endParaRPr lang="en-US" dirty="0">
-              <a:latin typeface="Open Sans" panose="020B0606030504020204" pitchFamily="34" charset="0"/>
-              <a:ea typeface="Open Sans" panose="020B0606030504020204" pitchFamily="34" charset="0"/>
-              <a:cs typeface="Open Sans" panose="020B0606030504020204" pitchFamily="34" charset="0"/>
-            </a:endParaRPr>
-          </a:p>
-        </p:txBody>
-      </p:sp>
-    </p:spTree>
-    <p:extLst>
-      <p:ext uri="{BB962C8B-B14F-4D97-AF65-F5344CB8AC3E}">
-        <p14:creationId xmlns:p14="http://schemas.microsoft.com/office/powerpoint/2010/main" val="2317766191"/>
-      </p:ext>
-    </p:extLst>
-  </p:cSld>
-  <p:clrMapOvr>
-    <a:masterClrMapping/>
-  </p:clrMapOvr>
-  <mc:AlternateContent xmlns:mc="http://schemas.openxmlformats.org/markup-compatibility/2006" xmlns:p14="http://schemas.microsoft.com/office/powerpoint/2010/main">
-    <mc:Choice Requires="p14">
-      <p:transition spd="med" p14:dur="700">
-        <p:fade/>
-      </p:transition>
-    </mc:Choice>
-    <mc:Fallback xmlns="">
-      <p:transition spd="med">
-        <p:fade/>
-      </p:transition>
-    </mc:Fallback>
-  </mc:AlternateContent>
-</p:sld>
-</file>
-
-<file path=ppt/slides/slide30.xml><?xml version="1.0" encoding="utf-8"?>
+<file path=ppt/slides/slide26.xml><?xml version="1.0" encoding="utf-8"?>
 <p:sld xmlns:a="http://schemas.openxmlformats.org/drawingml/2006/main" xmlns:r="http://schemas.openxmlformats.org/officeDocument/2006/relationships" xmlns:p="http://schemas.openxmlformats.org/presentationml/2006/main">
   <p:cSld>
     <p:spTree>
@@ -12836,7 +9251,7 @@
 </p:sld>
 </file>
 
-<file path=ppt/slides/slide31.xml><?xml version="1.0" encoding="utf-8"?>
+<file path=ppt/slides/slide27.xml><?xml version="1.0" encoding="utf-8"?>
 <p:sld xmlns:a="http://schemas.openxmlformats.org/drawingml/2006/main" xmlns:r="http://schemas.openxmlformats.org/officeDocument/2006/relationships" xmlns:p="http://schemas.openxmlformats.org/presentationml/2006/main">
   <p:cSld>
     <p:spTree>
@@ -12975,7 +9390,7 @@
 </p:sld>
 </file>
 
-<file path=ppt/slides/slide32.xml><?xml version="1.0" encoding="utf-8"?>
+<file path=ppt/slides/slide28.xml><?xml version="1.0" encoding="utf-8"?>
 <p:sld xmlns:a="http://schemas.openxmlformats.org/drawingml/2006/main" xmlns:r="http://schemas.openxmlformats.org/officeDocument/2006/relationships" xmlns:p="http://schemas.openxmlformats.org/presentationml/2006/main">
   <p:cSld>
     <p:spTree>
@@ -13174,7 +9589,7 @@
 </p:sld>
 </file>
 
-<file path=ppt/slides/slide33.xml><?xml version="1.0" encoding="utf-8"?>
+<file path=ppt/slides/slide29.xml><?xml version="1.0" encoding="utf-8"?>
 <p:sld xmlns:a="http://schemas.openxmlformats.org/drawingml/2006/main" xmlns:r="http://schemas.openxmlformats.org/officeDocument/2006/relationships" xmlns:p="http://schemas.openxmlformats.org/presentationml/2006/main">
   <p:cSld>
     <p:spTree>
@@ -13288,12 +9703,20 @@
           </a:p>
           <a:p>
             <a:r>
+              <a:rPr lang="mk-MK" sz="2400" dirty="0">
+                <a:latin typeface="Open Sans" panose="020B0606030504020204" pitchFamily="34" charset="0"/>
+                <a:ea typeface="Open Sans" panose="020B0606030504020204" pitchFamily="34" charset="0"/>
+                <a:cs typeface="Open Sans" panose="020B0606030504020204" pitchFamily="34" charset="0"/>
+              </a:rPr>
+              <a:t>З</a:t>
+            </a:r>
+            <a:r>
               <a:rPr lang="ru-RU" sz="2400" dirty="0">
                 <a:latin typeface="Open Sans" panose="020B0606030504020204" pitchFamily="34" charset="0"/>
                 <a:ea typeface="Open Sans" panose="020B0606030504020204" pitchFamily="34" charset="0"/>
                 <a:cs typeface="Open Sans" panose="020B0606030504020204" pitchFamily="34" charset="0"/>
               </a:rPr>
-              <a:t>за развивање на оваа апликација се користеше кориснички ориентиран дизајн модел развиван со помош на итеративен метод</a:t>
+              <a:t>а развивање на оваа апликација се користеше кориснички ориентиран дизајн модел развиван со помош на итеративен метод</a:t>
             </a:r>
           </a:p>
           <a:p>
@@ -13319,6 +9742,169 @@
     <p:extLst>
       <p:ext uri="{BB962C8B-B14F-4D97-AF65-F5344CB8AC3E}">
         <p14:creationId xmlns:p14="http://schemas.microsoft.com/office/powerpoint/2010/main" val="2428262337"/>
+      </p:ext>
+    </p:extLst>
+  </p:cSld>
+  <p:clrMapOvr>
+    <a:masterClrMapping/>
+  </p:clrMapOvr>
+  <mc:AlternateContent xmlns:mc="http://schemas.openxmlformats.org/markup-compatibility/2006" xmlns:p14="http://schemas.microsoft.com/office/powerpoint/2010/main">
+    <mc:Choice Requires="p14">
+      <p:transition spd="med" p14:dur="700">
+        <p:fade/>
+      </p:transition>
+    </mc:Choice>
+    <mc:Fallback xmlns="">
+      <p:transition spd="med">
+        <p:fade/>
+      </p:transition>
+    </mc:Fallback>
+  </mc:AlternateContent>
+</p:sld>
+</file>
+
+<file path=ppt/slides/slide3.xml><?xml version="1.0" encoding="utf-8"?>
+<p:sld xmlns:a="http://schemas.openxmlformats.org/drawingml/2006/main" xmlns:r="http://schemas.openxmlformats.org/officeDocument/2006/relationships" xmlns:p="http://schemas.openxmlformats.org/presentationml/2006/main">
+  <p:cSld>
+    <p:spTree>
+      <p:nvGrpSpPr>
+        <p:cNvPr id="1" name=""/>
+        <p:cNvGrpSpPr/>
+        <p:nvPr/>
+      </p:nvGrpSpPr>
+      <p:grpSpPr>
+        <a:xfrm>
+          <a:off x="0" y="0"/>
+          <a:ext cx="0" cy="0"/>
+          <a:chOff x="0" y="0"/>
+          <a:chExt cx="0" cy="0"/>
+        </a:xfrm>
+      </p:grpSpPr>
+      <p:sp>
+        <p:nvSpPr>
+          <p:cNvPr id="2" name="Title 1"/>
+          <p:cNvSpPr>
+            <a:spLocks noGrp="1"/>
+          </p:cNvSpPr>
+          <p:nvPr>
+            <p:ph type="title"/>
+          </p:nvPr>
+        </p:nvSpPr>
+        <p:spPr>
+          <a:xfrm>
+            <a:off x="713046" y="1"/>
+            <a:ext cx="9690116" cy="1066800"/>
+          </a:xfrm>
+        </p:spPr>
+        <p:txBody>
+          <a:bodyPr>
+            <a:normAutofit/>
+          </a:bodyPr>
+          <a:lstStyle/>
+          <a:p>
+            <a:r>
+              <a:rPr lang="mk-MK" sz="3700" dirty="0">
+                <a:latin typeface="Open Sans" panose="020B0606030504020204" pitchFamily="34" charset="0"/>
+                <a:ea typeface="Open Sans" panose="020B0606030504020204" pitchFamily="34" charset="0"/>
+                <a:cs typeface="Open Sans" panose="020B0606030504020204" pitchFamily="34" charset="0"/>
+              </a:rPr>
+              <a:t>Контекст и мотивација</a:t>
+            </a:r>
+            <a:endParaRPr lang="en-US" sz="3700" dirty="0">
+              <a:latin typeface="Open Sans" panose="020B0606030504020204" pitchFamily="34" charset="0"/>
+              <a:ea typeface="Open Sans" panose="020B0606030504020204" pitchFamily="34" charset="0"/>
+              <a:cs typeface="Open Sans" panose="020B0606030504020204" pitchFamily="34" charset="0"/>
+            </a:endParaRPr>
+          </a:p>
+        </p:txBody>
+      </p:sp>
+      <p:sp>
+        <p:nvSpPr>
+          <p:cNvPr id="3" name="Content Placeholder 2"/>
+          <p:cNvSpPr>
+            <a:spLocks noGrp="1"/>
+          </p:cNvSpPr>
+          <p:nvPr>
+            <p:ph idx="1"/>
+          </p:nvPr>
+        </p:nvSpPr>
+        <p:spPr>
+          <a:xfrm>
+            <a:off x="912812" y="1447800"/>
+            <a:ext cx="8593122" cy="4351337"/>
+          </a:xfrm>
+        </p:spPr>
+        <p:txBody>
+          <a:bodyPr/>
+          <a:lstStyle/>
+          <a:p>
+            <a:r>
+              <a:rPr lang="mk-MK" sz="2200" dirty="0">
+                <a:latin typeface="Open Sans" panose="020B0606030504020204" pitchFamily="34" charset="0"/>
+                <a:ea typeface="Open Sans" panose="020B0606030504020204" pitchFamily="34" charset="0"/>
+                <a:cs typeface="Open Sans" panose="020B0606030504020204" pitchFamily="34" charset="0"/>
+              </a:rPr>
+              <a:t>Здравството генерира огромни количини на информации</a:t>
+            </a:r>
+          </a:p>
+          <a:p>
+            <a:r>
+              <a:rPr lang="mk-MK" sz="2200" dirty="0">
+                <a:latin typeface="Open Sans" panose="020B0606030504020204" pitchFamily="34" charset="0"/>
+                <a:ea typeface="Open Sans" panose="020B0606030504020204" pitchFamily="34" charset="0"/>
+                <a:cs typeface="Open Sans" panose="020B0606030504020204" pitchFamily="34" charset="0"/>
+              </a:rPr>
+              <a:t>Процесите се одвиваат рачно</a:t>
+            </a:r>
+          </a:p>
+          <a:p>
+            <a:r>
+              <a:rPr lang="mk-MK" sz="2200" dirty="0">
+                <a:latin typeface="Open Sans" panose="020B0606030504020204" pitchFamily="34" charset="0"/>
+                <a:ea typeface="Open Sans" panose="020B0606030504020204" pitchFamily="34" charset="0"/>
+                <a:cs typeface="Open Sans" panose="020B0606030504020204" pitchFamily="34" charset="0"/>
+              </a:rPr>
+              <a:t>Неефикасност на здраствениот систем</a:t>
+            </a:r>
+          </a:p>
+          <a:p>
+            <a:r>
+              <a:rPr lang="mk-MK" sz="2200" dirty="0">
+                <a:latin typeface="Open Sans" panose="020B0606030504020204" pitchFamily="34" charset="0"/>
+                <a:ea typeface="Open Sans" panose="020B0606030504020204" pitchFamily="34" charset="0"/>
+                <a:cs typeface="Open Sans" panose="020B0606030504020204" pitchFamily="34" charset="0"/>
+              </a:rPr>
+              <a:t>Намалување на трошоци</a:t>
+            </a:r>
+          </a:p>
+          <a:p>
+            <a:r>
+              <a:rPr lang="mk-MK" sz="2200" dirty="0">
+                <a:latin typeface="Open Sans" panose="020B0606030504020204" pitchFamily="34" charset="0"/>
+                <a:ea typeface="Open Sans" panose="020B0606030504020204" pitchFamily="34" charset="0"/>
+                <a:cs typeface="Open Sans" panose="020B0606030504020204" pitchFamily="34" charset="0"/>
+              </a:rPr>
+              <a:t>Намалување на обврските на лекарите</a:t>
+            </a:r>
+            <a:endParaRPr lang="en-US" sz="2200" dirty="0">
+              <a:latin typeface="Open Sans" panose="020B0606030504020204" pitchFamily="34" charset="0"/>
+              <a:ea typeface="Open Sans" panose="020B0606030504020204" pitchFamily="34" charset="0"/>
+              <a:cs typeface="Open Sans" panose="020B0606030504020204" pitchFamily="34" charset="0"/>
+            </a:endParaRPr>
+          </a:p>
+          <a:p>
+            <a:endParaRPr lang="en-US" dirty="0">
+              <a:latin typeface="Open Sans" panose="020B0606030504020204" pitchFamily="34" charset="0"/>
+              <a:ea typeface="Open Sans" panose="020B0606030504020204" pitchFamily="34" charset="0"/>
+              <a:cs typeface="Open Sans" panose="020B0606030504020204" pitchFamily="34" charset="0"/>
+            </a:endParaRPr>
+          </a:p>
+        </p:txBody>
+      </p:sp>
+    </p:spTree>
+    <p:extLst>
+      <p:ext uri="{BB962C8B-B14F-4D97-AF65-F5344CB8AC3E}">
+        <p14:creationId xmlns:p14="http://schemas.microsoft.com/office/powerpoint/2010/main" val="2317766191"/>
       </p:ext>
     </p:extLst>
   </p:cSld>
@@ -14033,237 +10619,6 @@
 </file>
 
 <file path=ppt/slides/slide8.xml><?xml version="1.0" encoding="utf-8"?>
-<p:sld xmlns:a="http://schemas.openxmlformats.org/drawingml/2006/main" xmlns:r="http://schemas.openxmlformats.org/officeDocument/2006/relationships" xmlns:p="http://schemas.openxmlformats.org/presentationml/2006/main">
-  <p:cSld>
-    <p:spTree>
-      <p:nvGrpSpPr>
-        <p:cNvPr id="1" name=""/>
-        <p:cNvGrpSpPr/>
-        <p:nvPr/>
-      </p:nvGrpSpPr>
-      <p:grpSpPr>
-        <a:xfrm>
-          <a:off x="0" y="0"/>
-          <a:ext cx="0" cy="0"/>
-          <a:chOff x="0" y="0"/>
-          <a:chExt cx="0" cy="0"/>
-        </a:xfrm>
-      </p:grpSpPr>
-      <p:sp>
-        <p:nvSpPr>
-          <p:cNvPr id="2" name="Title 1"/>
-          <p:cNvSpPr>
-            <a:spLocks noGrp="1"/>
-          </p:cNvSpPr>
-          <p:nvPr>
-            <p:ph type="title"/>
-          </p:nvPr>
-        </p:nvSpPr>
-        <p:spPr>
-          <a:xfrm>
-            <a:off x="713046" y="1"/>
-            <a:ext cx="9690116" cy="1066800"/>
-          </a:xfrm>
-        </p:spPr>
-        <p:txBody>
-          <a:bodyPr>
-            <a:normAutofit/>
-          </a:bodyPr>
-          <a:lstStyle/>
-          <a:p>
-            <a:r>
-              <a:rPr lang="mk-MK" sz="3700" dirty="0">
-                <a:latin typeface="Open Sans" panose="020B0606030504020204" pitchFamily="34" charset="0"/>
-                <a:ea typeface="Open Sans" panose="020B0606030504020204" pitchFamily="34" charset="0"/>
-                <a:cs typeface="Open Sans" panose="020B0606030504020204" pitchFamily="34" charset="0"/>
-              </a:rPr>
-              <a:t>Кориснички ориентиран дизајн</a:t>
-            </a:r>
-            <a:endParaRPr lang="en-US" sz="3700" dirty="0">
-              <a:latin typeface="Open Sans" panose="020B0606030504020204" pitchFamily="34" charset="0"/>
-              <a:ea typeface="Open Sans" panose="020B0606030504020204" pitchFamily="34" charset="0"/>
-              <a:cs typeface="Open Sans" panose="020B0606030504020204" pitchFamily="34" charset="0"/>
-            </a:endParaRPr>
-          </a:p>
-        </p:txBody>
-      </p:sp>
-      <p:sp>
-        <p:nvSpPr>
-          <p:cNvPr id="3" name="Content Placeholder 2"/>
-          <p:cNvSpPr>
-            <a:spLocks noGrp="1"/>
-          </p:cNvSpPr>
-          <p:nvPr>
-            <p:ph idx="1"/>
-          </p:nvPr>
-        </p:nvSpPr>
-        <p:spPr>
-          <a:xfrm>
-            <a:off x="836612" y="3505200"/>
-            <a:ext cx="8593122" cy="4351337"/>
-          </a:xfrm>
-        </p:spPr>
-        <p:txBody>
-          <a:bodyPr/>
-          <a:lstStyle/>
-          <a:p>
-            <a:r>
-              <a:rPr lang="mk-MK" sz="2200" b="1" dirty="0">
-                <a:latin typeface="Open Sans" panose="020B0606030504020204" pitchFamily="34" charset="0"/>
-                <a:ea typeface="Open Sans" panose="020B0606030504020204" pitchFamily="34" charset="0"/>
-                <a:cs typeface="Open Sans" panose="020B0606030504020204" pitchFamily="34" charset="0"/>
-              </a:rPr>
-              <a:t>План</a:t>
-            </a:r>
-            <a:r>
-              <a:rPr lang="en-US" sz="2200" b="1" dirty="0">
-                <a:latin typeface="Open Sans" panose="020B0606030504020204" pitchFamily="34" charset="0"/>
-                <a:ea typeface="Open Sans" panose="020B0606030504020204" pitchFamily="34" charset="0"/>
-                <a:cs typeface="Open Sans" panose="020B0606030504020204" pitchFamily="34" charset="0"/>
-              </a:rPr>
-              <a:t> </a:t>
-            </a:r>
-            <a:r>
-              <a:rPr lang="en-US" sz="2200" dirty="0">
-                <a:latin typeface="Open Sans" panose="020B0606030504020204" pitchFamily="34" charset="0"/>
-                <a:ea typeface="Open Sans" panose="020B0606030504020204" pitchFamily="34" charset="0"/>
-                <a:cs typeface="Open Sans" panose="020B0606030504020204" pitchFamily="34" charset="0"/>
-              </a:rPr>
-              <a:t>– </a:t>
-            </a:r>
-            <a:r>
-              <a:rPr lang="mk-MK" sz="2200" dirty="0">
-                <a:latin typeface="Open Sans" panose="020B0606030504020204" pitchFamily="34" charset="0"/>
-                <a:ea typeface="Open Sans" panose="020B0606030504020204" pitchFamily="34" charset="0"/>
-                <a:cs typeface="Open Sans" panose="020B0606030504020204" pitchFamily="34" charset="0"/>
-              </a:rPr>
-              <a:t>Дефинирање на корисничките побарувања</a:t>
-            </a:r>
-          </a:p>
-          <a:p>
-            <a:r>
-              <a:rPr lang="mk-MK" sz="2200" b="1" dirty="0">
-                <a:latin typeface="Open Sans" panose="020B0606030504020204" pitchFamily="34" charset="0"/>
-                <a:ea typeface="Open Sans" panose="020B0606030504020204" pitchFamily="34" charset="0"/>
-                <a:cs typeface="Open Sans" panose="020B0606030504020204" pitchFamily="34" charset="0"/>
-              </a:rPr>
-              <a:t>Дизајн </a:t>
-            </a:r>
-            <a:r>
-              <a:rPr lang="mk-MK" sz="2200" dirty="0">
-                <a:latin typeface="Open Sans" panose="020B0606030504020204" pitchFamily="34" charset="0"/>
-                <a:ea typeface="Open Sans" panose="020B0606030504020204" pitchFamily="34" charset="0"/>
-                <a:cs typeface="Open Sans" panose="020B0606030504020204" pitchFamily="34" charset="0"/>
-              </a:rPr>
-              <a:t>– Дизајнирање на архитектурата и на навигацијата</a:t>
-            </a:r>
-          </a:p>
-          <a:p>
-            <a:r>
-              <a:rPr lang="mk-MK" sz="2200" b="1" dirty="0">
-                <a:latin typeface="Open Sans" panose="020B0606030504020204" pitchFamily="34" charset="0"/>
-                <a:ea typeface="Open Sans" panose="020B0606030504020204" pitchFamily="34" charset="0"/>
-                <a:cs typeface="Open Sans" panose="020B0606030504020204" pitchFamily="34" charset="0"/>
-              </a:rPr>
-              <a:t>Прототип </a:t>
-            </a:r>
-            <a:r>
-              <a:rPr lang="mk-MK" sz="2200" dirty="0">
-                <a:latin typeface="Open Sans" panose="020B0606030504020204" pitchFamily="34" charset="0"/>
-                <a:ea typeface="Open Sans" panose="020B0606030504020204" pitchFamily="34" charset="0"/>
-                <a:cs typeface="Open Sans" panose="020B0606030504020204" pitchFamily="34" charset="0"/>
-              </a:rPr>
-              <a:t>– Развивање и тестирање на проторипи</a:t>
-            </a:r>
-          </a:p>
-          <a:p>
-            <a:r>
-              <a:rPr lang="mk-MK" sz="2200" b="1" dirty="0">
-                <a:latin typeface="Open Sans" panose="020B0606030504020204" pitchFamily="34" charset="0"/>
-                <a:ea typeface="Open Sans" panose="020B0606030504020204" pitchFamily="34" charset="0"/>
-                <a:cs typeface="Open Sans" panose="020B0606030504020204" pitchFamily="34" charset="0"/>
-              </a:rPr>
-              <a:t>Преглед </a:t>
-            </a:r>
-            <a:r>
-              <a:rPr lang="mk-MK" sz="2200" dirty="0">
-                <a:latin typeface="Open Sans" panose="020B0606030504020204" pitchFamily="34" charset="0"/>
-                <a:ea typeface="Open Sans" panose="020B0606030504020204" pitchFamily="34" charset="0"/>
-                <a:cs typeface="Open Sans" panose="020B0606030504020204" pitchFamily="34" charset="0"/>
-              </a:rPr>
-              <a:t>– Преглед на дизајните со корисниците</a:t>
-            </a:r>
-            <a:endParaRPr lang="en-US" sz="2200" b="1" dirty="0">
-              <a:latin typeface="Open Sans" panose="020B0606030504020204" pitchFamily="34" charset="0"/>
-              <a:ea typeface="Open Sans" panose="020B0606030504020204" pitchFamily="34" charset="0"/>
-              <a:cs typeface="Open Sans" panose="020B0606030504020204" pitchFamily="34" charset="0"/>
-            </a:endParaRPr>
-          </a:p>
-          <a:p>
-            <a:endParaRPr lang="en-US" dirty="0">
-              <a:latin typeface="Open Sans" panose="020B0606030504020204" pitchFamily="34" charset="0"/>
-              <a:ea typeface="Open Sans" panose="020B0606030504020204" pitchFamily="34" charset="0"/>
-              <a:cs typeface="Open Sans" panose="020B0606030504020204" pitchFamily="34" charset="0"/>
-            </a:endParaRPr>
-          </a:p>
-        </p:txBody>
-      </p:sp>
-      <p:pic>
-        <p:nvPicPr>
-          <p:cNvPr id="4" name="Picture 3">
-            <a:extLst>
-              <a:ext uri="{FF2B5EF4-FFF2-40B4-BE49-F238E27FC236}">
-                <a16:creationId xmlns:a16="http://schemas.microsoft.com/office/drawing/2014/main" id="{1854B6CF-90A7-433C-B212-7CBD0E150B38}"/>
-              </a:ext>
-            </a:extLst>
-          </p:cNvPr>
-          <p:cNvPicPr>
-            <a:picLocks noChangeAspect="1"/>
-          </p:cNvPicPr>
-          <p:nvPr/>
-        </p:nvPicPr>
-        <p:blipFill>
-          <a:blip r:embed="rId2"/>
-          <a:stretch>
-            <a:fillRect/>
-          </a:stretch>
-        </p:blipFill>
-        <p:spPr>
-          <a:xfrm>
-            <a:off x="836612" y="1454215"/>
-            <a:ext cx="6048375" cy="1657350"/>
-          </a:xfrm>
-          <a:prstGeom prst="rect">
-            <a:avLst/>
-          </a:prstGeom>
-        </p:spPr>
-      </p:pic>
-    </p:spTree>
-    <p:extLst>
-      <p:ext uri="{BB962C8B-B14F-4D97-AF65-F5344CB8AC3E}">
-        <p14:creationId xmlns:p14="http://schemas.microsoft.com/office/powerpoint/2010/main" val="836262221"/>
-      </p:ext>
-    </p:extLst>
-  </p:cSld>
-  <p:clrMapOvr>
-    <a:masterClrMapping/>
-  </p:clrMapOvr>
-  <mc:AlternateContent xmlns:mc="http://schemas.openxmlformats.org/markup-compatibility/2006" xmlns:p14="http://schemas.microsoft.com/office/powerpoint/2010/main">
-    <mc:Choice Requires="p14">
-      <p:transition spd="med" p14:dur="700">
-        <p:fade/>
-      </p:transition>
-    </mc:Choice>
-    <mc:Fallback xmlns="">
-      <p:transition spd="med">
-        <p:fade/>
-      </p:transition>
-    </mc:Fallback>
-  </mc:AlternateContent>
-</p:sld>
-</file>
-
-<file path=ppt/slides/slide9.xml><?xml version="1.0" encoding="utf-8"?>
 <p:sld xmlns:a="http://schemas.openxmlformats.org/drawingml/2006/main" xmlns:r="http://schemas.openxmlformats.org/officeDocument/2006/relationships" xmlns:p="http://schemas.openxmlformats.org/presentationml/2006/main">
   <p:cSld>
     <p:spTree>
@@ -14516,6 +10871,281 @@
     <p:extLst>
       <p:ext uri="{BB962C8B-B14F-4D97-AF65-F5344CB8AC3E}">
         <p14:creationId xmlns:p14="http://schemas.microsoft.com/office/powerpoint/2010/main" val="664433541"/>
+      </p:ext>
+    </p:extLst>
+  </p:cSld>
+  <p:clrMapOvr>
+    <a:masterClrMapping/>
+  </p:clrMapOvr>
+  <mc:AlternateContent xmlns:mc="http://schemas.openxmlformats.org/markup-compatibility/2006" xmlns:p14="http://schemas.microsoft.com/office/powerpoint/2010/main">
+    <mc:Choice Requires="p14">
+      <p:transition spd="med" p14:dur="700">
+        <p:fade/>
+      </p:transition>
+    </mc:Choice>
+    <mc:Fallback xmlns="">
+      <p:transition spd="med">
+        <p:fade/>
+      </p:transition>
+    </mc:Fallback>
+  </mc:AlternateContent>
+</p:sld>
+</file>
+
+<file path=ppt/slides/slide9.xml><?xml version="1.0" encoding="utf-8"?>
+<p:sld xmlns:a="http://schemas.openxmlformats.org/drawingml/2006/main" xmlns:r="http://schemas.openxmlformats.org/officeDocument/2006/relationships" xmlns:p="http://schemas.openxmlformats.org/presentationml/2006/main">
+  <p:cSld>
+    <p:spTree>
+      <p:nvGrpSpPr>
+        <p:cNvPr id="1" name=""/>
+        <p:cNvGrpSpPr/>
+        <p:nvPr/>
+      </p:nvGrpSpPr>
+      <p:grpSpPr>
+        <a:xfrm>
+          <a:off x="0" y="0"/>
+          <a:ext cx="0" cy="0"/>
+          <a:chOff x="0" y="0"/>
+          <a:chExt cx="0" cy="0"/>
+        </a:xfrm>
+      </p:grpSpPr>
+      <p:pic>
+        <p:nvPicPr>
+          <p:cNvPr id="8" name="Picture 7">
+            <a:extLst>
+              <a:ext uri="{FF2B5EF4-FFF2-40B4-BE49-F238E27FC236}">
+                <a16:creationId xmlns:a16="http://schemas.microsoft.com/office/drawing/2014/main" id="{E449DAFC-1E4C-4C71-92DD-5B841FD81751}"/>
+              </a:ext>
+            </a:extLst>
+          </p:cNvPr>
+          <p:cNvPicPr>
+            <a:picLocks noChangeAspect="1"/>
+          </p:cNvPicPr>
+          <p:nvPr/>
+        </p:nvPicPr>
+        <p:blipFill>
+          <a:blip r:embed="rId2"/>
+          <a:stretch>
+            <a:fillRect/>
+          </a:stretch>
+        </p:blipFill>
+        <p:spPr>
+          <a:xfrm>
+            <a:off x="-77788" y="0"/>
+            <a:ext cx="11410438" cy="6858000"/>
+          </a:xfrm>
+          <a:prstGeom prst="rect">
+            <a:avLst/>
+          </a:prstGeom>
+        </p:spPr>
+      </p:pic>
+      <p:sp>
+        <p:nvSpPr>
+          <p:cNvPr id="9" name="Title 1">
+            <a:extLst>
+              <a:ext uri="{FF2B5EF4-FFF2-40B4-BE49-F238E27FC236}">
+                <a16:creationId xmlns:a16="http://schemas.microsoft.com/office/drawing/2014/main" id="{D35E7273-D171-41AC-9627-F58D00A1986A}"/>
+              </a:ext>
+            </a:extLst>
+          </p:cNvPr>
+          <p:cNvSpPr>
+            <a:spLocks noGrp="1"/>
+          </p:cNvSpPr>
+          <p:nvPr>
+            <p:ph type="title"/>
+          </p:nvPr>
+        </p:nvSpPr>
+        <p:spPr>
+          <a:xfrm>
+            <a:off x="713046" y="1"/>
+            <a:ext cx="9690116" cy="1066800"/>
+          </a:xfrm>
+        </p:spPr>
+        <p:txBody>
+          <a:bodyPr>
+            <a:normAutofit/>
+          </a:bodyPr>
+          <a:lstStyle/>
+          <a:p>
+            <a:r>
+              <a:rPr lang="mk-MK" sz="3700" dirty="0">
+                <a:latin typeface="Open Sans" panose="020B0606030504020204" pitchFamily="34" charset="0"/>
+                <a:ea typeface="Open Sans" panose="020B0606030504020204" pitchFamily="34" charset="0"/>
+                <a:cs typeface="Open Sans" panose="020B0606030504020204" pitchFamily="34" charset="0"/>
+              </a:rPr>
+              <a:t>Студија на случај</a:t>
+            </a:r>
+            <a:r>
+              <a:rPr lang="en-US" sz="3700" dirty="0">
+                <a:latin typeface="Open Sans" panose="020B0606030504020204" pitchFamily="34" charset="0"/>
+                <a:ea typeface="Open Sans" panose="020B0606030504020204" pitchFamily="34" charset="0"/>
+                <a:cs typeface="Open Sans" panose="020B0606030504020204" pitchFamily="34" charset="0"/>
+              </a:rPr>
+              <a:t>: </a:t>
+            </a:r>
+            <a:r>
+              <a:rPr lang="mk-MK" sz="3700" dirty="0">
+                <a:latin typeface="Open Sans" panose="020B0606030504020204" pitchFamily="34" charset="0"/>
+                <a:ea typeface="Open Sans" panose="020B0606030504020204" pitchFamily="34" charset="0"/>
+                <a:cs typeface="Open Sans" panose="020B0606030504020204" pitchFamily="34" charset="0"/>
+              </a:rPr>
+              <a:t>Данска</a:t>
+            </a:r>
+            <a:endParaRPr lang="en-US" sz="3700" dirty="0">
+              <a:latin typeface="Open Sans" panose="020B0606030504020204" pitchFamily="34" charset="0"/>
+              <a:ea typeface="Open Sans" panose="020B0606030504020204" pitchFamily="34" charset="0"/>
+              <a:cs typeface="Open Sans" panose="020B0606030504020204" pitchFamily="34" charset="0"/>
+            </a:endParaRPr>
+          </a:p>
+        </p:txBody>
+      </p:sp>
+      <p:sp>
+        <p:nvSpPr>
+          <p:cNvPr id="10" name="Content Placeholder 2">
+            <a:extLst>
+              <a:ext uri="{FF2B5EF4-FFF2-40B4-BE49-F238E27FC236}">
+                <a16:creationId xmlns:a16="http://schemas.microsoft.com/office/drawing/2014/main" id="{6F366A0A-0FC8-4848-AE05-DA4258C58BCD}"/>
+              </a:ext>
+            </a:extLst>
+          </p:cNvPr>
+          <p:cNvSpPr>
+            <a:spLocks noGrp="1"/>
+          </p:cNvSpPr>
+          <p:nvPr>
+            <p:ph idx="1"/>
+          </p:nvPr>
+        </p:nvSpPr>
+        <p:spPr>
+          <a:xfrm>
+            <a:off x="912812" y="1447800"/>
+            <a:ext cx="8593122" cy="4351337"/>
+          </a:xfrm>
+        </p:spPr>
+        <p:txBody>
+          <a:bodyPr/>
+          <a:lstStyle/>
+          <a:p>
+            <a:r>
+              <a:rPr lang="mk-MK" sz="2200" dirty="0">
+                <a:solidFill>
+                  <a:schemeClr val="tx1"/>
+                </a:solidFill>
+                <a:latin typeface="Open Sans" panose="020B0606030504020204" pitchFamily="34" charset="0"/>
+                <a:ea typeface="Open Sans" panose="020B0606030504020204" pitchFamily="34" charset="0"/>
+                <a:cs typeface="Open Sans" panose="020B0606030504020204" pitchFamily="34" charset="0"/>
+              </a:rPr>
+              <a:t>Искуството покажало дека за едно ИТ решение во медицината да биде успешно треба да бидат исполнети следните услови</a:t>
+            </a:r>
+            <a:r>
+              <a:rPr lang="en-US" sz="2200" dirty="0">
+                <a:solidFill>
+                  <a:schemeClr val="tx1"/>
+                </a:solidFill>
+                <a:latin typeface="Open Sans" panose="020B0606030504020204" pitchFamily="34" charset="0"/>
+                <a:ea typeface="Open Sans" panose="020B0606030504020204" pitchFamily="34" charset="0"/>
+                <a:cs typeface="Open Sans" panose="020B0606030504020204" pitchFamily="34" charset="0"/>
+              </a:rPr>
+              <a:t>:</a:t>
+            </a:r>
+          </a:p>
+          <a:p>
+            <a:pPr lvl="1"/>
+            <a:r>
+              <a:rPr lang="mk-MK" sz="2000" dirty="0">
+                <a:solidFill>
+                  <a:schemeClr val="tx1"/>
+                </a:solidFill>
+                <a:latin typeface="Open Sans" panose="020B0606030504020204" pitchFamily="34" charset="0"/>
+                <a:ea typeface="Open Sans" panose="020B0606030504020204" pitchFamily="34" charset="0"/>
+                <a:cs typeface="Open Sans" panose="020B0606030504020204" pitchFamily="34" charset="0"/>
+              </a:rPr>
+              <a:t>рана инволвираност на медицинските работници</a:t>
+            </a:r>
+            <a:endParaRPr lang="en-US" sz="2000" dirty="0">
+              <a:solidFill>
+                <a:schemeClr val="tx1"/>
+              </a:solidFill>
+              <a:latin typeface="Open Sans" panose="020B0606030504020204" pitchFamily="34" charset="0"/>
+              <a:ea typeface="Open Sans" panose="020B0606030504020204" pitchFamily="34" charset="0"/>
+              <a:cs typeface="Open Sans" panose="020B0606030504020204" pitchFamily="34" charset="0"/>
+            </a:endParaRPr>
+          </a:p>
+          <a:p>
+            <a:pPr lvl="1"/>
+            <a:r>
+              <a:rPr lang="mk-MK" sz="2000" dirty="0">
+                <a:solidFill>
+                  <a:schemeClr val="tx1"/>
+                </a:solidFill>
+                <a:latin typeface="Open Sans" panose="020B0606030504020204" pitchFamily="34" charset="0"/>
+                <a:ea typeface="Open Sans" panose="020B0606030504020204" pitchFamily="34" charset="0"/>
+                <a:cs typeface="Open Sans" panose="020B0606030504020204" pitchFamily="34" charset="0"/>
+              </a:rPr>
+              <a:t>заедничко носење на одлуките</a:t>
+            </a:r>
+            <a:endParaRPr lang="en-US" sz="2000" dirty="0">
+              <a:solidFill>
+                <a:schemeClr val="tx1"/>
+              </a:solidFill>
+              <a:latin typeface="Open Sans" panose="020B0606030504020204" pitchFamily="34" charset="0"/>
+              <a:ea typeface="Open Sans" panose="020B0606030504020204" pitchFamily="34" charset="0"/>
+              <a:cs typeface="Open Sans" panose="020B0606030504020204" pitchFamily="34" charset="0"/>
+            </a:endParaRPr>
+          </a:p>
+          <a:p>
+            <a:pPr lvl="1"/>
+            <a:r>
+              <a:rPr lang="mk-MK" sz="2000" dirty="0">
+                <a:solidFill>
+                  <a:schemeClr val="tx1"/>
+                </a:solidFill>
+                <a:latin typeface="Open Sans" panose="020B0606030504020204" pitchFamily="34" charset="0"/>
+                <a:ea typeface="Open Sans" panose="020B0606030504020204" pitchFamily="34" charset="0"/>
+                <a:cs typeface="Open Sans" panose="020B0606030504020204" pitchFamily="34" charset="0"/>
+              </a:rPr>
+              <a:t>прифаќање на решението од страна на лекарите</a:t>
+            </a:r>
+          </a:p>
+          <a:p>
+            <a:pPr lvl="1"/>
+            <a:r>
+              <a:rPr lang="mk-MK" sz="2000" dirty="0">
+                <a:solidFill>
+                  <a:schemeClr val="tx1"/>
+                </a:solidFill>
+                <a:latin typeface="Open Sans" panose="020B0606030504020204" pitchFamily="34" charset="0"/>
+                <a:ea typeface="Open Sans" panose="020B0606030504020204" pitchFamily="34" charset="0"/>
+                <a:cs typeface="Open Sans" panose="020B0606030504020204" pitchFamily="34" charset="0"/>
+              </a:rPr>
+              <a:t>подолг процес на планирање</a:t>
+            </a:r>
+          </a:p>
+          <a:p>
+            <a:r>
+              <a:rPr lang="mk-MK" sz="2200" dirty="0">
+                <a:solidFill>
+                  <a:schemeClr val="tx1"/>
+                </a:solidFill>
+                <a:latin typeface="Open Sans" panose="020B0606030504020204" pitchFamily="34" charset="0"/>
+                <a:ea typeface="Open Sans" panose="020B0606030504020204" pitchFamily="34" charset="0"/>
+                <a:cs typeface="Open Sans" panose="020B0606030504020204" pitchFamily="34" charset="0"/>
+              </a:rPr>
+              <a:t>Лекарите мора да имаат значајна улога во фазите на планирање, развивање и имплементација на дигиталните решенија</a:t>
+            </a:r>
+          </a:p>
+          <a:p>
+            <a:endParaRPr lang="en-US" dirty="0">
+              <a:latin typeface="Open Sans" panose="020B0606030504020204" pitchFamily="34" charset="0"/>
+              <a:ea typeface="Open Sans" panose="020B0606030504020204" pitchFamily="34" charset="0"/>
+              <a:cs typeface="Open Sans" panose="020B0606030504020204" pitchFamily="34" charset="0"/>
+            </a:endParaRPr>
+          </a:p>
+        </p:txBody>
+      </p:sp>
+    </p:spTree>
+    <p:extLst>
+      <p:ext uri="{BB962C8B-B14F-4D97-AF65-F5344CB8AC3E}">
+        <p14:creationId xmlns:p14="http://schemas.microsoft.com/office/powerpoint/2010/main" val="416076927"/>
       </p:ext>
     </p:extLst>
   </p:cSld>
